--- a/figures/structure.pptx
+++ b/figures/structure.pptx
@@ -6,13 +6,13 @@
   </p:sldMasterIdLst>
   <p:sldIdLst>
     <p:sldId id="256" r:id="rId3"/>
-    <p:sldId id="257" r:id="rId4"/>
-    <p:sldId id="259" r:id="rId5"/>
-    <p:sldId id="258" r:id="rId6"/>
-    <p:sldId id="261" r:id="rId7"/>
-    <p:sldId id="262" r:id="rId8"/>
-    <p:sldId id="263" r:id="rId9"/>
-    <p:sldId id="264" r:id="rId10"/>
+    <p:sldId id="264" r:id="rId4"/>
+    <p:sldId id="257" r:id="rId5"/>
+    <p:sldId id="259" r:id="rId6"/>
+    <p:sldId id="258" r:id="rId7"/>
+    <p:sldId id="261" r:id="rId8"/>
+    <p:sldId id="262" r:id="rId9"/>
+    <p:sldId id="263" r:id="rId10"/>
     <p:sldId id="265" r:id="rId11"/>
     <p:sldId id="266" r:id="rId12"/>
   </p:sldIdLst>
@@ -14726,6 +14726,4011 @@
         <p:cNvGrpSpPr/>
         <p:nvPr/>
       </p:nvGrpSpPr>
+      <p:grpSpPr/>
+      <p:grpSp>
+        <p:nvGrpSpPr>
+          <p:cNvPr id="145" name="Group 144"/>
+          <p:cNvGrpSpPr/>
+          <p:nvPr/>
+        </p:nvGrpSpPr>
+        <p:grpSpPr>
+          <a:xfrm>
+            <a:off x="180340" y="307340"/>
+            <a:ext cx="10327005" cy="5600700"/>
+            <a:chOff x="284" y="484"/>
+            <a:chExt cx="16263" cy="8820"/>
+          </a:xfrm>
+        </p:grpSpPr>
+        <p:grpSp>
+          <p:nvGrpSpPr>
+            <p:cNvPr id="93" name="Group 92"/>
+            <p:cNvGrpSpPr/>
+            <p:nvPr/>
+          </p:nvGrpSpPr>
+          <p:grpSpPr>
+            <a:xfrm>
+              <a:off x="2725" y="484"/>
+              <a:ext cx="13186" cy="2362"/>
+              <a:chOff x="2725" y="484"/>
+              <a:chExt cx="13186" cy="2362"/>
+            </a:xfrm>
+          </p:grpSpPr>
+          <p:grpSp>
+            <p:nvGrpSpPr>
+              <p:cNvPr id="9" name="Group 8"/>
+              <p:cNvGrpSpPr/>
+              <p:nvPr/>
+            </p:nvGrpSpPr>
+            <p:grpSpPr>
+              <a:xfrm>
+                <a:off x="2725" y="484"/>
+                <a:ext cx="13186" cy="2351"/>
+                <a:chOff x="2538" y="1796"/>
+                <a:chExt cx="13186" cy="2351"/>
+              </a:xfrm>
+            </p:grpSpPr>
+            <p:sp>
+              <p:nvSpPr>
+                <p:cNvPr id="7" name="Freeform 6"/>
+                <p:cNvSpPr/>
+                <p:nvPr/>
+              </p:nvSpPr>
+              <p:spPr>
+                <a:xfrm>
+                  <a:off x="2538" y="2137"/>
+                  <a:ext cx="13186" cy="2010"/>
+                </a:xfrm>
+                <a:custGeom>
+                  <a:avLst/>
+                  <a:gdLst>
+                    <a:gd name="connisteX0" fmla="*/ 2000885 w 8373110"/>
+                    <a:gd name="connsiteY0" fmla="*/ 183515 h 1276350"/>
+                    <a:gd name="connisteX1" fmla="*/ 0 w 8373110"/>
+                    <a:gd name="connsiteY1" fmla="*/ 1276350 h 1276350"/>
+                    <a:gd name="connisteX2" fmla="*/ 6533515 w 8373110"/>
+                    <a:gd name="connsiteY2" fmla="*/ 1276350 h 1276350"/>
+                    <a:gd name="connisteX3" fmla="*/ 8373110 w 8373110"/>
+                    <a:gd name="connsiteY3" fmla="*/ 292100 h 1276350"/>
+                    <a:gd name="connisteX4" fmla="*/ 1817370 w 8373110"/>
+                    <a:gd name="connsiteY4" fmla="*/ 292100 h 1276350"/>
+                    <a:gd name="connisteX5" fmla="*/ 2292985 w 8373110"/>
+                    <a:gd name="connsiteY5" fmla="*/ 32385 h 1276350"/>
+                    <a:gd name="connisteX6" fmla="*/ 2357755 w 8373110"/>
+                    <a:gd name="connsiteY6" fmla="*/ 0 h 1276350"/>
+                  </a:gdLst>
+                  <a:ahLst/>
+                  <a:cxnLst>
+                    <a:cxn ang="0">
+                      <a:pos x="connisteX0" y="connsiteY0"/>
+                    </a:cxn>
+                    <a:cxn ang="0">
+                      <a:pos x="connisteX1" y="connsiteY1"/>
+                    </a:cxn>
+                    <a:cxn ang="0">
+                      <a:pos x="connisteX2" y="connsiteY2"/>
+                    </a:cxn>
+                    <a:cxn ang="0">
+                      <a:pos x="connisteX3" y="connsiteY3"/>
+                    </a:cxn>
+                    <a:cxn ang="0">
+                      <a:pos x="connisteX4" y="connsiteY4"/>
+                    </a:cxn>
+                    <a:cxn ang="0">
+                      <a:pos x="connisteX5" y="connsiteY5"/>
+                    </a:cxn>
+                    <a:cxn ang="0">
+                      <a:pos x="connisteX6" y="connsiteY6"/>
+                    </a:cxn>
+                  </a:cxnLst>
+                  <a:rect l="l" t="t" r="r" b="b"/>
+                  <a:pathLst>
+                    <a:path w="8373110" h="1276350">
+                      <a:moveTo>
+                        <a:pt x="2000885" y="183515"/>
+                      </a:moveTo>
+                      <a:lnTo>
+                        <a:pt x="0" y="1276350"/>
+                      </a:lnTo>
+                      <a:lnTo>
+                        <a:pt x="6533515" y="1276350"/>
+                      </a:lnTo>
+                      <a:lnTo>
+                        <a:pt x="8373110" y="292100"/>
+                      </a:lnTo>
+                      <a:lnTo>
+                        <a:pt x="1817370" y="292100"/>
+                      </a:lnTo>
+                      <a:lnTo>
+                        <a:pt x="2292985" y="32385"/>
+                      </a:lnTo>
+                      <a:lnTo>
+                        <a:pt x="2357755" y="0"/>
+                      </a:lnTo>
+                    </a:path>
+                  </a:pathLst>
+                </a:custGeom>
+                <a:noFill/>
+                <a:ln>
+                  <a:solidFill>
+                    <a:schemeClr val="tx1"/>
+                  </a:solidFill>
+                </a:ln>
+              </p:spPr>
+              <p:style>
+                <a:lnRef idx="2">
+                  <a:schemeClr val="accent1">
+                    <a:shade val="50000"/>
+                  </a:schemeClr>
+                </a:lnRef>
+                <a:fillRef idx="1">
+                  <a:schemeClr val="accent1"/>
+                </a:fillRef>
+                <a:effectRef idx="0">
+                  <a:schemeClr val="accent1"/>
+                </a:effectRef>
+                <a:fontRef idx="minor">
+                  <a:schemeClr val="lt1"/>
+                </a:fontRef>
+              </p:style>
+              <p:txBody>
+                <a:bodyPr rtlCol="0" anchor="ctr"/>
+                <a:p>
+                  <a:pPr algn="ctr"/>
+                  <a:endParaRPr lang="en-US"/>
+                </a:p>
+              </p:txBody>
+            </p:sp>
+            <p:sp>
+              <p:nvSpPr>
+                <p:cNvPr id="8" name="Rectangle 7"/>
+                <p:cNvSpPr/>
+                <p:nvPr/>
+              </p:nvSpPr>
+              <p:spPr>
+                <a:xfrm>
+                  <a:off x="4803" y="1796"/>
+                  <a:ext cx="2300" cy="767"/>
+                </a:xfrm>
+                <a:prstGeom prst="rect">
+                  <a:avLst/>
+                </a:prstGeom>
+                <a:ln>
+                  <a:solidFill>
+                    <a:schemeClr val="bg1"/>
+                  </a:solidFill>
+                </a:ln>
+              </p:spPr>
+              <p:style>
+                <a:lnRef idx="2">
+                  <a:schemeClr val="accent6"/>
+                </a:lnRef>
+                <a:fillRef idx="1">
+                  <a:schemeClr val="lt1"/>
+                </a:fillRef>
+                <a:effectRef idx="0">
+                  <a:schemeClr val="accent6"/>
+                </a:effectRef>
+                <a:fontRef idx="minor">
+                  <a:schemeClr val="dk1"/>
+                </a:fontRef>
+              </p:style>
+              <p:txBody>
+                <a:bodyPr rtlCol="0" anchor="ctr"/>
+                <a:p>
+                  <a:pPr algn="ctr"/>
+                  <a:endParaRPr lang="en-US"/>
+                </a:p>
+              </p:txBody>
+            </p:sp>
+          </p:grpSp>
+          <p:sp>
+            <p:nvSpPr>
+              <p:cNvPr id="2" name="Oval 1"/>
+              <p:cNvSpPr/>
+              <p:nvPr/>
+            </p:nvSpPr>
+            <p:spPr>
+              <a:xfrm>
+                <a:off x="5978" y="1489"/>
+                <a:ext cx="6711" cy="1108"/>
+              </a:xfrm>
+              <a:prstGeom prst="ellipse">
+                <a:avLst/>
+              </a:prstGeom>
+              <a:noFill/>
+              <a:ln>
+                <a:solidFill>
+                  <a:schemeClr val="tx1"/>
+                </a:solidFill>
+              </a:ln>
+            </p:spPr>
+            <p:style>
+              <a:lnRef idx="2">
+                <a:schemeClr val="accent1">
+                  <a:shade val="50000"/>
+                </a:schemeClr>
+              </a:lnRef>
+              <a:fillRef idx="1">
+                <a:schemeClr val="accent1"/>
+              </a:fillRef>
+              <a:effectRef idx="0">
+                <a:schemeClr val="accent1"/>
+              </a:effectRef>
+              <a:fontRef idx="minor">
+                <a:schemeClr val="lt1"/>
+              </a:fontRef>
+            </p:style>
+            <p:txBody>
+              <a:bodyPr rtlCol="0" anchor="ctr"/>
+              <a:p>
+                <a:pPr algn="ctr"/>
+                <a:endParaRPr lang="en-US"/>
+              </a:p>
+            </p:txBody>
+          </p:sp>
+          <p:grpSp>
+            <p:nvGrpSpPr>
+              <p:cNvPr id="22" name="Group 21"/>
+              <p:cNvGrpSpPr/>
+              <p:nvPr/>
+            </p:nvGrpSpPr>
+            <p:grpSpPr>
+              <a:xfrm>
+                <a:off x="5377" y="1970"/>
+                <a:ext cx="1794" cy="681"/>
+                <a:chOff x="2829" y="5587"/>
+                <a:chExt cx="1794" cy="681"/>
+              </a:xfrm>
+            </p:grpSpPr>
+            <p:sp>
+              <p:nvSpPr>
+                <p:cNvPr id="4" name="Oval 3"/>
+                <p:cNvSpPr/>
+                <p:nvPr/>
+              </p:nvSpPr>
+              <p:spPr>
+                <a:xfrm>
+                  <a:off x="2975" y="5928"/>
+                  <a:ext cx="341" cy="341"/>
+                </a:xfrm>
+                <a:prstGeom prst="ellipse">
+                  <a:avLst/>
+                </a:prstGeom>
+                <a:noFill/>
+                <a:ln>
+                  <a:solidFill>
+                    <a:schemeClr val="tx1"/>
+                  </a:solidFill>
+                </a:ln>
+              </p:spPr>
+              <p:style>
+                <a:lnRef idx="2">
+                  <a:schemeClr val="accent1">
+                    <a:shade val="50000"/>
+                  </a:schemeClr>
+                </a:lnRef>
+                <a:fillRef idx="1">
+                  <a:schemeClr val="accent1"/>
+                </a:fillRef>
+                <a:effectRef idx="0">
+                  <a:schemeClr val="accent1"/>
+                </a:effectRef>
+                <a:fontRef idx="minor">
+                  <a:schemeClr val="lt1"/>
+                </a:fontRef>
+              </p:style>
+              <p:txBody>
+                <a:bodyPr rtlCol="0" anchor="ctr"/>
+                <a:p>
+                  <a:pPr algn="ctr"/>
+                  <a:endParaRPr lang="en-US"/>
+                </a:p>
+              </p:txBody>
+            </p:sp>
+            <p:sp>
+              <p:nvSpPr>
+                <p:cNvPr id="5" name="Oval 4"/>
+                <p:cNvSpPr/>
+                <p:nvPr/>
+              </p:nvSpPr>
+              <p:spPr>
+                <a:xfrm>
+                  <a:off x="3316" y="5587"/>
+                  <a:ext cx="341" cy="341"/>
+                </a:xfrm>
+                <a:prstGeom prst="ellipse">
+                  <a:avLst/>
+                </a:prstGeom>
+                <a:noFill/>
+                <a:ln>
+                  <a:solidFill>
+                    <a:schemeClr val="tx1"/>
+                  </a:solidFill>
+                </a:ln>
+              </p:spPr>
+              <p:style>
+                <a:lnRef idx="2">
+                  <a:schemeClr val="accent1">
+                    <a:shade val="50000"/>
+                  </a:schemeClr>
+                </a:lnRef>
+                <a:fillRef idx="1">
+                  <a:schemeClr val="accent1"/>
+                </a:fillRef>
+                <a:effectRef idx="0">
+                  <a:schemeClr val="accent1"/>
+                </a:effectRef>
+                <a:fontRef idx="minor">
+                  <a:schemeClr val="lt1"/>
+                </a:fontRef>
+              </p:style>
+              <p:txBody>
+                <a:bodyPr rtlCol="0" anchor="ctr"/>
+                <a:p>
+                  <a:pPr algn="ctr"/>
+                  <a:endParaRPr lang="en-US"/>
+                </a:p>
+              </p:txBody>
+            </p:sp>
+            <p:sp>
+              <p:nvSpPr>
+                <p:cNvPr id="6" name="Oval 5"/>
+                <p:cNvSpPr/>
+                <p:nvPr/>
+              </p:nvSpPr>
+              <p:spPr>
+                <a:xfrm>
+                  <a:off x="4283" y="5928"/>
+                  <a:ext cx="341" cy="341"/>
+                </a:xfrm>
+                <a:prstGeom prst="ellipse">
+                  <a:avLst/>
+                </a:prstGeom>
+                <a:noFill/>
+                <a:ln>
+                  <a:solidFill>
+                    <a:schemeClr val="tx1"/>
+                  </a:solidFill>
+                </a:ln>
+              </p:spPr>
+              <p:style>
+                <a:lnRef idx="2">
+                  <a:schemeClr val="accent1">
+                    <a:shade val="50000"/>
+                  </a:schemeClr>
+                </a:lnRef>
+                <a:fillRef idx="1">
+                  <a:schemeClr val="accent1"/>
+                </a:fillRef>
+                <a:effectRef idx="0">
+                  <a:schemeClr val="accent1"/>
+                </a:effectRef>
+                <a:fontRef idx="minor">
+                  <a:schemeClr val="lt1"/>
+                </a:fontRef>
+              </p:style>
+              <p:txBody>
+                <a:bodyPr rtlCol="0" anchor="ctr"/>
+                <a:p>
+                  <a:pPr algn="ctr"/>
+                  <a:endParaRPr lang="en-US"/>
+                </a:p>
+              </p:txBody>
+            </p:sp>
+            <p:sp>
+              <p:nvSpPr>
+                <p:cNvPr id="21" name="Oval 20"/>
+                <p:cNvSpPr/>
+                <p:nvPr/>
+              </p:nvSpPr>
+              <p:spPr>
+                <a:xfrm>
+                  <a:off x="2829" y="5782"/>
+                  <a:ext cx="1795" cy="340"/>
+                </a:xfrm>
+                <a:prstGeom prst="ellipse">
+                  <a:avLst/>
+                </a:prstGeom>
+                <a:noFill/>
+                <a:ln>
+                  <a:solidFill>
+                    <a:schemeClr val="tx1"/>
+                  </a:solidFill>
+                </a:ln>
+              </p:spPr>
+              <p:style>
+                <a:lnRef idx="2">
+                  <a:schemeClr val="accent1">
+                    <a:shade val="50000"/>
+                  </a:schemeClr>
+                </a:lnRef>
+                <a:fillRef idx="1">
+                  <a:schemeClr val="accent1"/>
+                </a:fillRef>
+                <a:effectRef idx="0">
+                  <a:schemeClr val="accent1"/>
+                </a:effectRef>
+                <a:fontRef idx="minor">
+                  <a:schemeClr val="lt1"/>
+                </a:fontRef>
+              </p:style>
+              <p:txBody>
+                <a:bodyPr rtlCol="0" anchor="ctr"/>
+                <a:p>
+                  <a:pPr algn="ctr"/>
+                  <a:endParaRPr lang="en-US"/>
+                </a:p>
+              </p:txBody>
+            </p:sp>
+          </p:grpSp>
+          <p:grpSp>
+            <p:nvGrpSpPr>
+              <p:cNvPr id="23" name="Group 22"/>
+              <p:cNvGrpSpPr/>
+              <p:nvPr/>
+            </p:nvGrpSpPr>
+            <p:grpSpPr>
+              <a:xfrm>
+                <a:off x="10795" y="1294"/>
+                <a:ext cx="1794" cy="681"/>
+                <a:chOff x="2829" y="5587"/>
+                <a:chExt cx="1794" cy="681"/>
+              </a:xfrm>
+            </p:grpSpPr>
+            <p:sp>
+              <p:nvSpPr>
+                <p:cNvPr id="24" name="Oval 23"/>
+                <p:cNvSpPr/>
+                <p:nvPr/>
+              </p:nvSpPr>
+              <p:spPr>
+                <a:xfrm>
+                  <a:off x="2975" y="5928"/>
+                  <a:ext cx="341" cy="341"/>
+                </a:xfrm>
+                <a:prstGeom prst="ellipse">
+                  <a:avLst/>
+                </a:prstGeom>
+                <a:noFill/>
+                <a:ln>
+                  <a:solidFill>
+                    <a:schemeClr val="tx1"/>
+                  </a:solidFill>
+                </a:ln>
+              </p:spPr>
+              <p:style>
+                <a:lnRef idx="2">
+                  <a:schemeClr val="accent1">
+                    <a:shade val="50000"/>
+                  </a:schemeClr>
+                </a:lnRef>
+                <a:fillRef idx="1">
+                  <a:schemeClr val="accent1"/>
+                </a:fillRef>
+                <a:effectRef idx="0">
+                  <a:schemeClr val="accent1"/>
+                </a:effectRef>
+                <a:fontRef idx="minor">
+                  <a:schemeClr val="lt1"/>
+                </a:fontRef>
+              </p:style>
+              <p:txBody>
+                <a:bodyPr rtlCol="0" anchor="ctr"/>
+                <a:p>
+                  <a:pPr algn="ctr"/>
+                  <a:endParaRPr lang="en-US"/>
+                </a:p>
+              </p:txBody>
+            </p:sp>
+            <p:sp>
+              <p:nvSpPr>
+                <p:cNvPr id="25" name="Oval 24"/>
+                <p:cNvSpPr/>
+                <p:nvPr/>
+              </p:nvSpPr>
+              <p:spPr>
+                <a:xfrm>
+                  <a:off x="3316" y="5587"/>
+                  <a:ext cx="341" cy="341"/>
+                </a:xfrm>
+                <a:prstGeom prst="ellipse">
+                  <a:avLst/>
+                </a:prstGeom>
+                <a:noFill/>
+                <a:ln>
+                  <a:solidFill>
+                    <a:schemeClr val="tx1"/>
+                  </a:solidFill>
+                </a:ln>
+              </p:spPr>
+              <p:style>
+                <a:lnRef idx="2">
+                  <a:schemeClr val="accent1">
+                    <a:shade val="50000"/>
+                  </a:schemeClr>
+                </a:lnRef>
+                <a:fillRef idx="1">
+                  <a:schemeClr val="accent1"/>
+                </a:fillRef>
+                <a:effectRef idx="0">
+                  <a:schemeClr val="accent1"/>
+                </a:effectRef>
+                <a:fontRef idx="minor">
+                  <a:schemeClr val="lt1"/>
+                </a:fontRef>
+              </p:style>
+              <p:txBody>
+                <a:bodyPr rtlCol="0" anchor="ctr"/>
+                <a:p>
+                  <a:pPr algn="ctr"/>
+                  <a:endParaRPr lang="en-US"/>
+                </a:p>
+              </p:txBody>
+            </p:sp>
+            <p:sp>
+              <p:nvSpPr>
+                <p:cNvPr id="26" name="Oval 25"/>
+                <p:cNvSpPr/>
+                <p:nvPr/>
+              </p:nvSpPr>
+              <p:spPr>
+                <a:xfrm>
+                  <a:off x="4283" y="5928"/>
+                  <a:ext cx="341" cy="341"/>
+                </a:xfrm>
+                <a:prstGeom prst="ellipse">
+                  <a:avLst/>
+                </a:prstGeom>
+                <a:noFill/>
+                <a:ln>
+                  <a:solidFill>
+                    <a:schemeClr val="tx1"/>
+                  </a:solidFill>
+                </a:ln>
+              </p:spPr>
+              <p:style>
+                <a:lnRef idx="2">
+                  <a:schemeClr val="accent1">
+                    <a:shade val="50000"/>
+                  </a:schemeClr>
+                </a:lnRef>
+                <a:fillRef idx="1">
+                  <a:schemeClr val="accent1"/>
+                </a:fillRef>
+                <a:effectRef idx="0">
+                  <a:schemeClr val="accent1"/>
+                </a:effectRef>
+                <a:fontRef idx="minor">
+                  <a:schemeClr val="lt1"/>
+                </a:fontRef>
+              </p:style>
+              <p:txBody>
+                <a:bodyPr rtlCol="0" anchor="ctr"/>
+                <a:p>
+                  <a:pPr algn="ctr"/>
+                  <a:endParaRPr lang="en-US"/>
+                </a:p>
+              </p:txBody>
+            </p:sp>
+            <p:sp>
+              <p:nvSpPr>
+                <p:cNvPr id="27" name="Oval 26"/>
+                <p:cNvSpPr/>
+                <p:nvPr/>
+              </p:nvSpPr>
+              <p:spPr>
+                <a:xfrm>
+                  <a:off x="2829" y="5782"/>
+                  <a:ext cx="1795" cy="340"/>
+                </a:xfrm>
+                <a:prstGeom prst="ellipse">
+                  <a:avLst/>
+                </a:prstGeom>
+                <a:noFill/>
+                <a:ln>
+                  <a:solidFill>
+                    <a:schemeClr val="tx1"/>
+                  </a:solidFill>
+                </a:ln>
+              </p:spPr>
+              <p:style>
+                <a:lnRef idx="2">
+                  <a:schemeClr val="accent1">
+                    <a:shade val="50000"/>
+                  </a:schemeClr>
+                </a:lnRef>
+                <a:fillRef idx="1">
+                  <a:schemeClr val="accent1"/>
+                </a:fillRef>
+                <a:effectRef idx="0">
+                  <a:schemeClr val="accent1"/>
+                </a:effectRef>
+                <a:fontRef idx="minor">
+                  <a:schemeClr val="lt1"/>
+                </a:fontRef>
+              </p:style>
+              <p:txBody>
+                <a:bodyPr rtlCol="0" anchor="ctr"/>
+                <a:p>
+                  <a:pPr algn="ctr"/>
+                  <a:endParaRPr lang="en-US"/>
+                </a:p>
+              </p:txBody>
+            </p:sp>
+          </p:grpSp>
+          <p:grpSp>
+            <p:nvGrpSpPr>
+              <p:cNvPr id="28" name="Group 27"/>
+              <p:cNvGrpSpPr/>
+              <p:nvPr/>
+            </p:nvGrpSpPr>
+            <p:grpSpPr>
+              <a:xfrm>
+                <a:off x="6865" y="1143"/>
+                <a:ext cx="1794" cy="681"/>
+                <a:chOff x="2829" y="5587"/>
+                <a:chExt cx="1794" cy="681"/>
+              </a:xfrm>
+            </p:grpSpPr>
+            <p:sp>
+              <p:nvSpPr>
+                <p:cNvPr id="29" name="Oval 28"/>
+                <p:cNvSpPr/>
+                <p:nvPr/>
+              </p:nvSpPr>
+              <p:spPr>
+                <a:xfrm>
+                  <a:off x="2975" y="5928"/>
+                  <a:ext cx="341" cy="341"/>
+                </a:xfrm>
+                <a:prstGeom prst="ellipse">
+                  <a:avLst/>
+                </a:prstGeom>
+                <a:noFill/>
+                <a:ln>
+                  <a:solidFill>
+                    <a:schemeClr val="tx1"/>
+                  </a:solidFill>
+                </a:ln>
+              </p:spPr>
+              <p:style>
+                <a:lnRef idx="2">
+                  <a:schemeClr val="accent1">
+                    <a:shade val="50000"/>
+                  </a:schemeClr>
+                </a:lnRef>
+                <a:fillRef idx="1">
+                  <a:schemeClr val="accent1"/>
+                </a:fillRef>
+                <a:effectRef idx="0">
+                  <a:schemeClr val="accent1"/>
+                </a:effectRef>
+                <a:fontRef idx="minor">
+                  <a:schemeClr val="lt1"/>
+                </a:fontRef>
+              </p:style>
+              <p:txBody>
+                <a:bodyPr rtlCol="0" anchor="ctr"/>
+                <a:p>
+                  <a:pPr algn="ctr"/>
+                  <a:endParaRPr lang="en-US"/>
+                </a:p>
+              </p:txBody>
+            </p:sp>
+            <p:sp>
+              <p:nvSpPr>
+                <p:cNvPr id="30" name="Oval 29"/>
+                <p:cNvSpPr/>
+                <p:nvPr/>
+              </p:nvSpPr>
+              <p:spPr>
+                <a:xfrm>
+                  <a:off x="3316" y="5587"/>
+                  <a:ext cx="341" cy="341"/>
+                </a:xfrm>
+                <a:prstGeom prst="ellipse">
+                  <a:avLst/>
+                </a:prstGeom>
+                <a:noFill/>
+                <a:ln>
+                  <a:solidFill>
+                    <a:schemeClr val="tx1"/>
+                  </a:solidFill>
+                </a:ln>
+              </p:spPr>
+              <p:style>
+                <a:lnRef idx="2">
+                  <a:schemeClr val="accent1">
+                    <a:shade val="50000"/>
+                  </a:schemeClr>
+                </a:lnRef>
+                <a:fillRef idx="1">
+                  <a:schemeClr val="accent1"/>
+                </a:fillRef>
+                <a:effectRef idx="0">
+                  <a:schemeClr val="accent1"/>
+                </a:effectRef>
+                <a:fontRef idx="minor">
+                  <a:schemeClr val="lt1"/>
+                </a:fontRef>
+              </p:style>
+              <p:txBody>
+                <a:bodyPr rtlCol="0" anchor="ctr"/>
+                <a:p>
+                  <a:pPr algn="ctr"/>
+                  <a:endParaRPr lang="en-US"/>
+                </a:p>
+              </p:txBody>
+            </p:sp>
+            <p:sp>
+              <p:nvSpPr>
+                <p:cNvPr id="31" name="Oval 30"/>
+                <p:cNvSpPr/>
+                <p:nvPr/>
+              </p:nvSpPr>
+              <p:spPr>
+                <a:xfrm>
+                  <a:off x="4283" y="5928"/>
+                  <a:ext cx="341" cy="341"/>
+                </a:xfrm>
+                <a:prstGeom prst="ellipse">
+                  <a:avLst/>
+                </a:prstGeom>
+                <a:noFill/>
+                <a:ln>
+                  <a:solidFill>
+                    <a:schemeClr val="tx1"/>
+                  </a:solidFill>
+                </a:ln>
+              </p:spPr>
+              <p:style>
+                <a:lnRef idx="2">
+                  <a:schemeClr val="accent1">
+                    <a:shade val="50000"/>
+                  </a:schemeClr>
+                </a:lnRef>
+                <a:fillRef idx="1">
+                  <a:schemeClr val="accent1"/>
+                </a:fillRef>
+                <a:effectRef idx="0">
+                  <a:schemeClr val="accent1"/>
+                </a:effectRef>
+                <a:fontRef idx="minor">
+                  <a:schemeClr val="lt1"/>
+                </a:fontRef>
+              </p:style>
+              <p:txBody>
+                <a:bodyPr rtlCol="0" anchor="ctr"/>
+                <a:p>
+                  <a:pPr algn="ctr"/>
+                  <a:endParaRPr lang="en-US"/>
+                </a:p>
+              </p:txBody>
+            </p:sp>
+            <p:sp>
+              <p:nvSpPr>
+                <p:cNvPr id="32" name="Oval 31"/>
+                <p:cNvSpPr/>
+                <p:nvPr/>
+              </p:nvSpPr>
+              <p:spPr>
+                <a:xfrm>
+                  <a:off x="2829" y="5782"/>
+                  <a:ext cx="1795" cy="340"/>
+                </a:xfrm>
+                <a:prstGeom prst="ellipse">
+                  <a:avLst/>
+                </a:prstGeom>
+                <a:noFill/>
+                <a:ln>
+                  <a:solidFill>
+                    <a:schemeClr val="tx1"/>
+                  </a:solidFill>
+                </a:ln>
+              </p:spPr>
+              <p:style>
+                <a:lnRef idx="2">
+                  <a:schemeClr val="accent1">
+                    <a:shade val="50000"/>
+                  </a:schemeClr>
+                </a:lnRef>
+                <a:fillRef idx="1">
+                  <a:schemeClr val="accent1"/>
+                </a:fillRef>
+                <a:effectRef idx="0">
+                  <a:schemeClr val="accent1"/>
+                </a:effectRef>
+                <a:fontRef idx="minor">
+                  <a:schemeClr val="lt1"/>
+                </a:fontRef>
+              </p:style>
+              <p:txBody>
+                <a:bodyPr rtlCol="0" anchor="ctr"/>
+                <a:p>
+                  <a:pPr algn="ctr"/>
+                  <a:endParaRPr lang="en-US"/>
+                </a:p>
+              </p:txBody>
+            </p:sp>
+          </p:grpSp>
+          <p:grpSp>
+            <p:nvGrpSpPr>
+              <p:cNvPr id="33" name="Group 32"/>
+              <p:cNvGrpSpPr/>
+              <p:nvPr/>
+            </p:nvGrpSpPr>
+            <p:grpSpPr>
+              <a:xfrm>
+                <a:off x="9314" y="2165"/>
+                <a:ext cx="1794" cy="681"/>
+                <a:chOff x="2829" y="5587"/>
+                <a:chExt cx="1794" cy="681"/>
+              </a:xfrm>
+            </p:grpSpPr>
+            <p:sp>
+              <p:nvSpPr>
+                <p:cNvPr id="34" name="Oval 33"/>
+                <p:cNvSpPr/>
+                <p:nvPr/>
+              </p:nvSpPr>
+              <p:spPr>
+                <a:xfrm>
+                  <a:off x="2975" y="5928"/>
+                  <a:ext cx="341" cy="341"/>
+                </a:xfrm>
+                <a:prstGeom prst="ellipse">
+                  <a:avLst/>
+                </a:prstGeom>
+                <a:noFill/>
+                <a:ln>
+                  <a:solidFill>
+                    <a:schemeClr val="tx1"/>
+                  </a:solidFill>
+                </a:ln>
+              </p:spPr>
+              <p:style>
+                <a:lnRef idx="2">
+                  <a:schemeClr val="accent1">
+                    <a:shade val="50000"/>
+                  </a:schemeClr>
+                </a:lnRef>
+                <a:fillRef idx="1">
+                  <a:schemeClr val="accent1"/>
+                </a:fillRef>
+                <a:effectRef idx="0">
+                  <a:schemeClr val="accent1"/>
+                </a:effectRef>
+                <a:fontRef idx="minor">
+                  <a:schemeClr val="lt1"/>
+                </a:fontRef>
+              </p:style>
+              <p:txBody>
+                <a:bodyPr rtlCol="0" anchor="ctr"/>
+                <a:p>
+                  <a:pPr algn="ctr"/>
+                  <a:endParaRPr lang="en-US"/>
+                </a:p>
+              </p:txBody>
+            </p:sp>
+            <p:sp>
+              <p:nvSpPr>
+                <p:cNvPr id="35" name="Oval 34"/>
+                <p:cNvSpPr/>
+                <p:nvPr/>
+              </p:nvSpPr>
+              <p:spPr>
+                <a:xfrm>
+                  <a:off x="3316" y="5587"/>
+                  <a:ext cx="341" cy="341"/>
+                </a:xfrm>
+                <a:prstGeom prst="ellipse">
+                  <a:avLst/>
+                </a:prstGeom>
+                <a:noFill/>
+                <a:ln>
+                  <a:solidFill>
+                    <a:schemeClr val="tx1"/>
+                  </a:solidFill>
+                </a:ln>
+              </p:spPr>
+              <p:style>
+                <a:lnRef idx="2">
+                  <a:schemeClr val="accent1">
+                    <a:shade val="50000"/>
+                  </a:schemeClr>
+                </a:lnRef>
+                <a:fillRef idx="1">
+                  <a:schemeClr val="accent1"/>
+                </a:fillRef>
+                <a:effectRef idx="0">
+                  <a:schemeClr val="accent1"/>
+                </a:effectRef>
+                <a:fontRef idx="minor">
+                  <a:schemeClr val="lt1"/>
+                </a:fontRef>
+              </p:style>
+              <p:txBody>
+                <a:bodyPr rtlCol="0" anchor="ctr"/>
+                <a:p>
+                  <a:pPr algn="ctr"/>
+                  <a:endParaRPr lang="en-US"/>
+                </a:p>
+              </p:txBody>
+            </p:sp>
+            <p:sp>
+              <p:nvSpPr>
+                <p:cNvPr id="36" name="Oval 35"/>
+                <p:cNvSpPr/>
+                <p:nvPr/>
+              </p:nvSpPr>
+              <p:spPr>
+                <a:xfrm>
+                  <a:off x="4283" y="5928"/>
+                  <a:ext cx="341" cy="341"/>
+                </a:xfrm>
+                <a:prstGeom prst="ellipse">
+                  <a:avLst/>
+                </a:prstGeom>
+                <a:noFill/>
+                <a:ln>
+                  <a:solidFill>
+                    <a:schemeClr val="tx1"/>
+                  </a:solidFill>
+                </a:ln>
+              </p:spPr>
+              <p:style>
+                <a:lnRef idx="2">
+                  <a:schemeClr val="accent1">
+                    <a:shade val="50000"/>
+                  </a:schemeClr>
+                </a:lnRef>
+                <a:fillRef idx="1">
+                  <a:schemeClr val="accent1"/>
+                </a:fillRef>
+                <a:effectRef idx="0">
+                  <a:schemeClr val="accent1"/>
+                </a:effectRef>
+                <a:fontRef idx="minor">
+                  <a:schemeClr val="lt1"/>
+                </a:fontRef>
+              </p:style>
+              <p:txBody>
+                <a:bodyPr rtlCol="0" anchor="ctr"/>
+                <a:p>
+                  <a:pPr algn="ctr"/>
+                  <a:endParaRPr lang="en-US"/>
+                </a:p>
+              </p:txBody>
+            </p:sp>
+            <p:sp>
+              <p:nvSpPr>
+                <p:cNvPr id="37" name="Oval 36"/>
+                <p:cNvSpPr/>
+                <p:nvPr/>
+              </p:nvSpPr>
+              <p:spPr>
+                <a:xfrm>
+                  <a:off x="2829" y="5782"/>
+                  <a:ext cx="1795" cy="340"/>
+                </a:xfrm>
+                <a:prstGeom prst="ellipse">
+                  <a:avLst/>
+                </a:prstGeom>
+                <a:noFill/>
+                <a:ln>
+                  <a:solidFill>
+                    <a:schemeClr val="tx1"/>
+                  </a:solidFill>
+                </a:ln>
+              </p:spPr>
+              <p:style>
+                <a:lnRef idx="2">
+                  <a:schemeClr val="accent1">
+                    <a:shade val="50000"/>
+                  </a:schemeClr>
+                </a:lnRef>
+                <a:fillRef idx="1">
+                  <a:schemeClr val="accent1"/>
+                </a:fillRef>
+                <a:effectRef idx="0">
+                  <a:schemeClr val="accent1"/>
+                </a:effectRef>
+                <a:fontRef idx="minor">
+                  <a:schemeClr val="lt1"/>
+                </a:fontRef>
+              </p:style>
+              <p:txBody>
+                <a:bodyPr rtlCol="0" anchor="ctr"/>
+                <a:p>
+                  <a:pPr algn="ctr"/>
+                  <a:endParaRPr lang="en-US"/>
+                </a:p>
+              </p:txBody>
+            </p:sp>
+          </p:grpSp>
+        </p:grpSp>
+        <p:grpSp>
+          <p:nvGrpSpPr>
+            <p:cNvPr id="62" name="Group 61"/>
+            <p:cNvGrpSpPr/>
+            <p:nvPr/>
+          </p:nvGrpSpPr>
+          <p:grpSpPr>
+            <a:xfrm>
+              <a:off x="284" y="4123"/>
+              <a:ext cx="7887" cy="1436"/>
+              <a:chOff x="-193" y="4918"/>
+              <a:chExt cx="13186" cy="2401"/>
+            </a:xfrm>
+          </p:grpSpPr>
+          <p:grpSp>
+            <p:nvGrpSpPr>
+              <p:cNvPr id="38" name="Group 37"/>
+              <p:cNvGrpSpPr/>
+              <p:nvPr/>
+            </p:nvGrpSpPr>
+            <p:grpSpPr>
+              <a:xfrm>
+                <a:off x="-193" y="4918"/>
+                <a:ext cx="13186" cy="2390"/>
+                <a:chOff x="2538" y="1757"/>
+                <a:chExt cx="13186" cy="2390"/>
+              </a:xfrm>
+            </p:grpSpPr>
+            <p:sp>
+              <p:nvSpPr>
+                <p:cNvPr id="39" name="Freeform 38"/>
+                <p:cNvSpPr/>
+                <p:nvPr/>
+              </p:nvSpPr>
+              <p:spPr>
+                <a:xfrm>
+                  <a:off x="2538" y="2137"/>
+                  <a:ext cx="13186" cy="2010"/>
+                </a:xfrm>
+                <a:custGeom>
+                  <a:avLst/>
+                  <a:gdLst>
+                    <a:gd name="connisteX0" fmla="*/ 2000885 w 8373110"/>
+                    <a:gd name="connsiteY0" fmla="*/ 183515 h 1276350"/>
+                    <a:gd name="connisteX1" fmla="*/ 0 w 8373110"/>
+                    <a:gd name="connsiteY1" fmla="*/ 1276350 h 1276350"/>
+                    <a:gd name="connisteX2" fmla="*/ 6533515 w 8373110"/>
+                    <a:gd name="connsiteY2" fmla="*/ 1276350 h 1276350"/>
+                    <a:gd name="connisteX3" fmla="*/ 8373110 w 8373110"/>
+                    <a:gd name="connsiteY3" fmla="*/ 292100 h 1276350"/>
+                    <a:gd name="connisteX4" fmla="*/ 1817370 w 8373110"/>
+                    <a:gd name="connsiteY4" fmla="*/ 292100 h 1276350"/>
+                    <a:gd name="connisteX5" fmla="*/ 2292985 w 8373110"/>
+                    <a:gd name="connsiteY5" fmla="*/ 32385 h 1276350"/>
+                    <a:gd name="connisteX6" fmla="*/ 2357755 w 8373110"/>
+                    <a:gd name="connsiteY6" fmla="*/ 0 h 1276350"/>
+                  </a:gdLst>
+                  <a:ahLst/>
+                  <a:cxnLst>
+                    <a:cxn ang="0">
+                      <a:pos x="connisteX0" y="connsiteY0"/>
+                    </a:cxn>
+                    <a:cxn ang="0">
+                      <a:pos x="connisteX1" y="connsiteY1"/>
+                    </a:cxn>
+                    <a:cxn ang="0">
+                      <a:pos x="connisteX2" y="connsiteY2"/>
+                    </a:cxn>
+                    <a:cxn ang="0">
+                      <a:pos x="connisteX3" y="connsiteY3"/>
+                    </a:cxn>
+                    <a:cxn ang="0">
+                      <a:pos x="connisteX4" y="connsiteY4"/>
+                    </a:cxn>
+                    <a:cxn ang="0">
+                      <a:pos x="connisteX5" y="connsiteY5"/>
+                    </a:cxn>
+                    <a:cxn ang="0">
+                      <a:pos x="connisteX6" y="connsiteY6"/>
+                    </a:cxn>
+                  </a:cxnLst>
+                  <a:rect l="l" t="t" r="r" b="b"/>
+                  <a:pathLst>
+                    <a:path w="8373110" h="1276350">
+                      <a:moveTo>
+                        <a:pt x="2000885" y="183515"/>
+                      </a:moveTo>
+                      <a:lnTo>
+                        <a:pt x="0" y="1276350"/>
+                      </a:lnTo>
+                      <a:lnTo>
+                        <a:pt x="6533515" y="1276350"/>
+                      </a:lnTo>
+                      <a:lnTo>
+                        <a:pt x="8373110" y="292100"/>
+                      </a:lnTo>
+                      <a:lnTo>
+                        <a:pt x="1817370" y="292100"/>
+                      </a:lnTo>
+                      <a:lnTo>
+                        <a:pt x="2292985" y="32385"/>
+                      </a:lnTo>
+                      <a:lnTo>
+                        <a:pt x="2357755" y="0"/>
+                      </a:lnTo>
+                    </a:path>
+                  </a:pathLst>
+                </a:custGeom>
+                <a:noFill/>
+                <a:ln>
+                  <a:solidFill>
+                    <a:schemeClr val="tx1"/>
+                  </a:solidFill>
+                </a:ln>
+              </p:spPr>
+              <p:style>
+                <a:lnRef idx="2">
+                  <a:schemeClr val="accent1">
+                    <a:shade val="50000"/>
+                  </a:schemeClr>
+                </a:lnRef>
+                <a:fillRef idx="1">
+                  <a:schemeClr val="accent1"/>
+                </a:fillRef>
+                <a:effectRef idx="0">
+                  <a:schemeClr val="accent1"/>
+                </a:effectRef>
+                <a:fontRef idx="minor">
+                  <a:schemeClr val="lt1"/>
+                </a:fontRef>
+              </p:style>
+              <p:txBody>
+                <a:bodyPr rtlCol="0" anchor="ctr"/>
+                <a:p>
+                  <a:pPr algn="ctr"/>
+                  <a:endParaRPr lang="en-US"/>
+                </a:p>
+              </p:txBody>
+            </p:sp>
+            <p:sp>
+              <p:nvSpPr>
+                <p:cNvPr id="40" name="Rectangle 39"/>
+                <p:cNvSpPr/>
+                <p:nvPr/>
+              </p:nvSpPr>
+              <p:spPr>
+                <a:xfrm>
+                  <a:off x="4803" y="1757"/>
+                  <a:ext cx="2300" cy="767"/>
+                </a:xfrm>
+                <a:prstGeom prst="rect">
+                  <a:avLst/>
+                </a:prstGeom>
+                <a:ln>
+                  <a:solidFill>
+                    <a:schemeClr val="bg1"/>
+                  </a:solidFill>
+                </a:ln>
+              </p:spPr>
+              <p:style>
+                <a:lnRef idx="2">
+                  <a:schemeClr val="accent6"/>
+                </a:lnRef>
+                <a:fillRef idx="1">
+                  <a:schemeClr val="lt1"/>
+                </a:fillRef>
+                <a:effectRef idx="0">
+                  <a:schemeClr val="accent6"/>
+                </a:effectRef>
+                <a:fontRef idx="minor">
+                  <a:schemeClr val="dk1"/>
+                </a:fontRef>
+              </p:style>
+              <p:txBody>
+                <a:bodyPr rtlCol="0" anchor="ctr"/>
+                <a:p>
+                  <a:pPr algn="ctr"/>
+                  <a:endParaRPr lang="en-US"/>
+                </a:p>
+              </p:txBody>
+            </p:sp>
+          </p:grpSp>
+          <p:sp>
+            <p:nvSpPr>
+              <p:cNvPr id="41" name="Oval 40"/>
+              <p:cNvSpPr/>
+              <p:nvPr/>
+            </p:nvSpPr>
+            <p:spPr>
+              <a:xfrm>
+                <a:off x="3060" y="5962"/>
+                <a:ext cx="6711" cy="1108"/>
+              </a:xfrm>
+              <a:prstGeom prst="ellipse">
+                <a:avLst/>
+              </a:prstGeom>
+              <a:noFill/>
+              <a:ln>
+                <a:solidFill>
+                  <a:schemeClr val="tx1"/>
+                </a:solidFill>
+              </a:ln>
+            </p:spPr>
+            <p:style>
+              <a:lnRef idx="2">
+                <a:schemeClr val="accent1">
+                  <a:shade val="50000"/>
+                </a:schemeClr>
+              </a:lnRef>
+              <a:fillRef idx="1">
+                <a:schemeClr val="accent1"/>
+              </a:fillRef>
+              <a:effectRef idx="0">
+                <a:schemeClr val="accent1"/>
+              </a:effectRef>
+              <a:fontRef idx="minor">
+                <a:schemeClr val="lt1"/>
+              </a:fontRef>
+            </p:style>
+            <p:txBody>
+              <a:bodyPr rtlCol="0" anchor="ctr"/>
+              <a:p>
+                <a:pPr algn="ctr"/>
+                <a:endParaRPr lang="en-US"/>
+              </a:p>
+            </p:txBody>
+          </p:sp>
+          <p:grpSp>
+            <p:nvGrpSpPr>
+              <p:cNvPr id="42" name="Group 41"/>
+              <p:cNvGrpSpPr/>
+              <p:nvPr/>
+            </p:nvGrpSpPr>
+            <p:grpSpPr>
+              <a:xfrm>
+                <a:off x="2459" y="6443"/>
+                <a:ext cx="1794" cy="681"/>
+                <a:chOff x="2829" y="5587"/>
+                <a:chExt cx="1794" cy="681"/>
+              </a:xfrm>
+            </p:grpSpPr>
+            <p:sp>
+              <p:nvSpPr>
+                <p:cNvPr id="43" name="Oval 42"/>
+                <p:cNvSpPr/>
+                <p:nvPr/>
+              </p:nvSpPr>
+              <p:spPr>
+                <a:xfrm>
+                  <a:off x="2975" y="5928"/>
+                  <a:ext cx="341" cy="341"/>
+                </a:xfrm>
+                <a:prstGeom prst="ellipse">
+                  <a:avLst/>
+                </a:prstGeom>
+                <a:noFill/>
+                <a:ln>
+                  <a:solidFill>
+                    <a:schemeClr val="tx1"/>
+                  </a:solidFill>
+                </a:ln>
+              </p:spPr>
+              <p:style>
+                <a:lnRef idx="2">
+                  <a:schemeClr val="accent1">
+                    <a:shade val="50000"/>
+                  </a:schemeClr>
+                </a:lnRef>
+                <a:fillRef idx="1">
+                  <a:schemeClr val="accent1"/>
+                </a:fillRef>
+                <a:effectRef idx="0">
+                  <a:schemeClr val="accent1"/>
+                </a:effectRef>
+                <a:fontRef idx="minor">
+                  <a:schemeClr val="lt1"/>
+                </a:fontRef>
+              </p:style>
+              <p:txBody>
+                <a:bodyPr rtlCol="0" anchor="ctr"/>
+                <a:p>
+                  <a:pPr algn="ctr"/>
+                  <a:endParaRPr lang="en-US"/>
+                </a:p>
+              </p:txBody>
+            </p:sp>
+            <p:sp>
+              <p:nvSpPr>
+                <p:cNvPr id="44" name="Oval 43"/>
+                <p:cNvSpPr/>
+                <p:nvPr/>
+              </p:nvSpPr>
+              <p:spPr>
+                <a:xfrm>
+                  <a:off x="3316" y="5587"/>
+                  <a:ext cx="341" cy="341"/>
+                </a:xfrm>
+                <a:prstGeom prst="ellipse">
+                  <a:avLst/>
+                </a:prstGeom>
+                <a:noFill/>
+                <a:ln>
+                  <a:solidFill>
+                    <a:schemeClr val="tx1"/>
+                  </a:solidFill>
+                </a:ln>
+              </p:spPr>
+              <p:style>
+                <a:lnRef idx="2">
+                  <a:schemeClr val="accent1">
+                    <a:shade val="50000"/>
+                  </a:schemeClr>
+                </a:lnRef>
+                <a:fillRef idx="1">
+                  <a:schemeClr val="accent1"/>
+                </a:fillRef>
+                <a:effectRef idx="0">
+                  <a:schemeClr val="accent1"/>
+                </a:effectRef>
+                <a:fontRef idx="minor">
+                  <a:schemeClr val="lt1"/>
+                </a:fontRef>
+              </p:style>
+              <p:txBody>
+                <a:bodyPr rtlCol="0" anchor="ctr"/>
+                <a:p>
+                  <a:pPr algn="ctr"/>
+                  <a:endParaRPr lang="en-US"/>
+                </a:p>
+              </p:txBody>
+            </p:sp>
+            <p:sp>
+              <p:nvSpPr>
+                <p:cNvPr id="45" name="Oval 44"/>
+                <p:cNvSpPr/>
+                <p:nvPr/>
+              </p:nvSpPr>
+              <p:spPr>
+                <a:xfrm>
+                  <a:off x="4283" y="5928"/>
+                  <a:ext cx="341" cy="341"/>
+                </a:xfrm>
+                <a:prstGeom prst="ellipse">
+                  <a:avLst/>
+                </a:prstGeom>
+                <a:noFill/>
+                <a:ln>
+                  <a:solidFill>
+                    <a:schemeClr val="tx1"/>
+                  </a:solidFill>
+                </a:ln>
+              </p:spPr>
+              <p:style>
+                <a:lnRef idx="2">
+                  <a:schemeClr val="accent1">
+                    <a:shade val="50000"/>
+                  </a:schemeClr>
+                </a:lnRef>
+                <a:fillRef idx="1">
+                  <a:schemeClr val="accent1"/>
+                </a:fillRef>
+                <a:effectRef idx="0">
+                  <a:schemeClr val="accent1"/>
+                </a:effectRef>
+                <a:fontRef idx="minor">
+                  <a:schemeClr val="lt1"/>
+                </a:fontRef>
+              </p:style>
+              <p:txBody>
+                <a:bodyPr rtlCol="0" anchor="ctr"/>
+                <a:p>
+                  <a:pPr algn="ctr"/>
+                  <a:endParaRPr lang="en-US"/>
+                </a:p>
+              </p:txBody>
+            </p:sp>
+            <p:sp>
+              <p:nvSpPr>
+                <p:cNvPr id="46" name="Oval 45"/>
+                <p:cNvSpPr/>
+                <p:nvPr/>
+              </p:nvSpPr>
+              <p:spPr>
+                <a:xfrm>
+                  <a:off x="2829" y="5782"/>
+                  <a:ext cx="1795" cy="340"/>
+                </a:xfrm>
+                <a:prstGeom prst="ellipse">
+                  <a:avLst/>
+                </a:prstGeom>
+                <a:noFill/>
+                <a:ln>
+                  <a:solidFill>
+                    <a:schemeClr val="tx1"/>
+                  </a:solidFill>
+                </a:ln>
+              </p:spPr>
+              <p:style>
+                <a:lnRef idx="2">
+                  <a:schemeClr val="accent1">
+                    <a:shade val="50000"/>
+                  </a:schemeClr>
+                </a:lnRef>
+                <a:fillRef idx="1">
+                  <a:schemeClr val="accent1"/>
+                </a:fillRef>
+                <a:effectRef idx="0">
+                  <a:schemeClr val="accent1"/>
+                </a:effectRef>
+                <a:fontRef idx="minor">
+                  <a:schemeClr val="lt1"/>
+                </a:fontRef>
+              </p:style>
+              <p:txBody>
+                <a:bodyPr rtlCol="0" anchor="ctr"/>
+                <a:p>
+                  <a:pPr algn="ctr"/>
+                  <a:endParaRPr lang="en-US"/>
+                </a:p>
+              </p:txBody>
+            </p:sp>
+          </p:grpSp>
+          <p:grpSp>
+            <p:nvGrpSpPr>
+              <p:cNvPr id="47" name="Group 46"/>
+              <p:cNvGrpSpPr/>
+              <p:nvPr/>
+            </p:nvGrpSpPr>
+            <p:grpSpPr>
+              <a:xfrm>
+                <a:off x="7877" y="5767"/>
+                <a:ext cx="1794" cy="681"/>
+                <a:chOff x="2829" y="5587"/>
+                <a:chExt cx="1794" cy="681"/>
+              </a:xfrm>
+            </p:grpSpPr>
+            <p:sp>
+              <p:nvSpPr>
+                <p:cNvPr id="48" name="Oval 47"/>
+                <p:cNvSpPr/>
+                <p:nvPr/>
+              </p:nvSpPr>
+              <p:spPr>
+                <a:xfrm>
+                  <a:off x="2975" y="5928"/>
+                  <a:ext cx="341" cy="341"/>
+                </a:xfrm>
+                <a:prstGeom prst="ellipse">
+                  <a:avLst/>
+                </a:prstGeom>
+                <a:noFill/>
+                <a:ln>
+                  <a:solidFill>
+                    <a:schemeClr val="tx1"/>
+                  </a:solidFill>
+                </a:ln>
+              </p:spPr>
+              <p:style>
+                <a:lnRef idx="2">
+                  <a:schemeClr val="accent1">
+                    <a:shade val="50000"/>
+                  </a:schemeClr>
+                </a:lnRef>
+                <a:fillRef idx="1">
+                  <a:schemeClr val="accent1"/>
+                </a:fillRef>
+                <a:effectRef idx="0">
+                  <a:schemeClr val="accent1"/>
+                </a:effectRef>
+                <a:fontRef idx="minor">
+                  <a:schemeClr val="lt1"/>
+                </a:fontRef>
+              </p:style>
+              <p:txBody>
+                <a:bodyPr rtlCol="0" anchor="ctr"/>
+                <a:p>
+                  <a:pPr algn="ctr"/>
+                  <a:endParaRPr lang="en-US"/>
+                </a:p>
+              </p:txBody>
+            </p:sp>
+            <p:sp>
+              <p:nvSpPr>
+                <p:cNvPr id="49" name="Oval 48"/>
+                <p:cNvSpPr/>
+                <p:nvPr/>
+              </p:nvSpPr>
+              <p:spPr>
+                <a:xfrm>
+                  <a:off x="3316" y="5587"/>
+                  <a:ext cx="341" cy="341"/>
+                </a:xfrm>
+                <a:prstGeom prst="ellipse">
+                  <a:avLst/>
+                </a:prstGeom>
+                <a:noFill/>
+                <a:ln>
+                  <a:solidFill>
+                    <a:schemeClr val="tx1"/>
+                  </a:solidFill>
+                </a:ln>
+              </p:spPr>
+              <p:style>
+                <a:lnRef idx="2">
+                  <a:schemeClr val="accent1">
+                    <a:shade val="50000"/>
+                  </a:schemeClr>
+                </a:lnRef>
+                <a:fillRef idx="1">
+                  <a:schemeClr val="accent1"/>
+                </a:fillRef>
+                <a:effectRef idx="0">
+                  <a:schemeClr val="accent1"/>
+                </a:effectRef>
+                <a:fontRef idx="minor">
+                  <a:schemeClr val="lt1"/>
+                </a:fontRef>
+              </p:style>
+              <p:txBody>
+                <a:bodyPr rtlCol="0" anchor="ctr"/>
+                <a:p>
+                  <a:pPr algn="ctr"/>
+                  <a:endParaRPr lang="en-US"/>
+                </a:p>
+              </p:txBody>
+            </p:sp>
+            <p:sp>
+              <p:nvSpPr>
+                <p:cNvPr id="50" name="Oval 49"/>
+                <p:cNvSpPr/>
+                <p:nvPr/>
+              </p:nvSpPr>
+              <p:spPr>
+                <a:xfrm>
+                  <a:off x="4283" y="5928"/>
+                  <a:ext cx="341" cy="341"/>
+                </a:xfrm>
+                <a:prstGeom prst="ellipse">
+                  <a:avLst/>
+                </a:prstGeom>
+                <a:noFill/>
+                <a:ln>
+                  <a:solidFill>
+                    <a:schemeClr val="tx1"/>
+                  </a:solidFill>
+                </a:ln>
+              </p:spPr>
+              <p:style>
+                <a:lnRef idx="2">
+                  <a:schemeClr val="accent1">
+                    <a:shade val="50000"/>
+                  </a:schemeClr>
+                </a:lnRef>
+                <a:fillRef idx="1">
+                  <a:schemeClr val="accent1"/>
+                </a:fillRef>
+                <a:effectRef idx="0">
+                  <a:schemeClr val="accent1"/>
+                </a:effectRef>
+                <a:fontRef idx="minor">
+                  <a:schemeClr val="lt1"/>
+                </a:fontRef>
+              </p:style>
+              <p:txBody>
+                <a:bodyPr rtlCol="0" anchor="ctr"/>
+                <a:p>
+                  <a:pPr algn="ctr"/>
+                  <a:endParaRPr lang="en-US"/>
+                </a:p>
+              </p:txBody>
+            </p:sp>
+            <p:sp>
+              <p:nvSpPr>
+                <p:cNvPr id="51" name="Oval 50"/>
+                <p:cNvSpPr/>
+                <p:nvPr/>
+              </p:nvSpPr>
+              <p:spPr>
+                <a:xfrm>
+                  <a:off x="2829" y="5782"/>
+                  <a:ext cx="1795" cy="340"/>
+                </a:xfrm>
+                <a:prstGeom prst="ellipse">
+                  <a:avLst/>
+                </a:prstGeom>
+                <a:noFill/>
+                <a:ln>
+                  <a:solidFill>
+                    <a:schemeClr val="tx1"/>
+                  </a:solidFill>
+                </a:ln>
+              </p:spPr>
+              <p:style>
+                <a:lnRef idx="2">
+                  <a:schemeClr val="accent1">
+                    <a:shade val="50000"/>
+                  </a:schemeClr>
+                </a:lnRef>
+                <a:fillRef idx="1">
+                  <a:schemeClr val="accent1"/>
+                </a:fillRef>
+                <a:effectRef idx="0">
+                  <a:schemeClr val="accent1"/>
+                </a:effectRef>
+                <a:fontRef idx="minor">
+                  <a:schemeClr val="lt1"/>
+                </a:fontRef>
+              </p:style>
+              <p:txBody>
+                <a:bodyPr rtlCol="0" anchor="ctr"/>
+                <a:p>
+                  <a:pPr algn="ctr"/>
+                  <a:endParaRPr lang="en-US"/>
+                </a:p>
+              </p:txBody>
+            </p:sp>
+          </p:grpSp>
+          <p:grpSp>
+            <p:nvGrpSpPr>
+              <p:cNvPr id="52" name="Group 51"/>
+              <p:cNvGrpSpPr/>
+              <p:nvPr/>
+            </p:nvGrpSpPr>
+            <p:grpSpPr>
+              <a:xfrm>
+                <a:off x="3947" y="5616"/>
+                <a:ext cx="1794" cy="681"/>
+                <a:chOff x="2829" y="5587"/>
+                <a:chExt cx="1794" cy="681"/>
+              </a:xfrm>
+            </p:grpSpPr>
+            <p:sp>
+              <p:nvSpPr>
+                <p:cNvPr id="53" name="Oval 52"/>
+                <p:cNvSpPr/>
+                <p:nvPr/>
+              </p:nvSpPr>
+              <p:spPr>
+                <a:xfrm>
+                  <a:off x="2975" y="5928"/>
+                  <a:ext cx="341" cy="341"/>
+                </a:xfrm>
+                <a:prstGeom prst="ellipse">
+                  <a:avLst/>
+                </a:prstGeom>
+                <a:noFill/>
+                <a:ln>
+                  <a:solidFill>
+                    <a:schemeClr val="tx1"/>
+                  </a:solidFill>
+                </a:ln>
+              </p:spPr>
+              <p:style>
+                <a:lnRef idx="2">
+                  <a:schemeClr val="accent1">
+                    <a:shade val="50000"/>
+                  </a:schemeClr>
+                </a:lnRef>
+                <a:fillRef idx="1">
+                  <a:schemeClr val="accent1"/>
+                </a:fillRef>
+                <a:effectRef idx="0">
+                  <a:schemeClr val="accent1"/>
+                </a:effectRef>
+                <a:fontRef idx="minor">
+                  <a:schemeClr val="lt1"/>
+                </a:fontRef>
+              </p:style>
+              <p:txBody>
+                <a:bodyPr rtlCol="0" anchor="ctr"/>
+                <a:p>
+                  <a:pPr algn="ctr"/>
+                  <a:endParaRPr lang="en-US"/>
+                </a:p>
+              </p:txBody>
+            </p:sp>
+            <p:sp>
+              <p:nvSpPr>
+                <p:cNvPr id="54" name="Oval 53"/>
+                <p:cNvSpPr/>
+                <p:nvPr/>
+              </p:nvSpPr>
+              <p:spPr>
+                <a:xfrm>
+                  <a:off x="3316" y="5587"/>
+                  <a:ext cx="341" cy="341"/>
+                </a:xfrm>
+                <a:prstGeom prst="ellipse">
+                  <a:avLst/>
+                </a:prstGeom>
+                <a:noFill/>
+                <a:ln>
+                  <a:solidFill>
+                    <a:schemeClr val="tx1"/>
+                  </a:solidFill>
+                </a:ln>
+              </p:spPr>
+              <p:style>
+                <a:lnRef idx="2">
+                  <a:schemeClr val="accent1">
+                    <a:shade val="50000"/>
+                  </a:schemeClr>
+                </a:lnRef>
+                <a:fillRef idx="1">
+                  <a:schemeClr val="accent1"/>
+                </a:fillRef>
+                <a:effectRef idx="0">
+                  <a:schemeClr val="accent1"/>
+                </a:effectRef>
+                <a:fontRef idx="minor">
+                  <a:schemeClr val="lt1"/>
+                </a:fontRef>
+              </p:style>
+              <p:txBody>
+                <a:bodyPr rtlCol="0" anchor="ctr"/>
+                <a:p>
+                  <a:pPr algn="ctr"/>
+                  <a:endParaRPr lang="en-US"/>
+                </a:p>
+              </p:txBody>
+            </p:sp>
+            <p:sp>
+              <p:nvSpPr>
+                <p:cNvPr id="55" name="Oval 54"/>
+                <p:cNvSpPr/>
+                <p:nvPr/>
+              </p:nvSpPr>
+              <p:spPr>
+                <a:xfrm>
+                  <a:off x="4283" y="5928"/>
+                  <a:ext cx="341" cy="341"/>
+                </a:xfrm>
+                <a:prstGeom prst="ellipse">
+                  <a:avLst/>
+                </a:prstGeom>
+                <a:noFill/>
+                <a:ln>
+                  <a:solidFill>
+                    <a:schemeClr val="tx1"/>
+                  </a:solidFill>
+                </a:ln>
+              </p:spPr>
+              <p:style>
+                <a:lnRef idx="2">
+                  <a:schemeClr val="accent1">
+                    <a:shade val="50000"/>
+                  </a:schemeClr>
+                </a:lnRef>
+                <a:fillRef idx="1">
+                  <a:schemeClr val="accent1"/>
+                </a:fillRef>
+                <a:effectRef idx="0">
+                  <a:schemeClr val="accent1"/>
+                </a:effectRef>
+                <a:fontRef idx="minor">
+                  <a:schemeClr val="lt1"/>
+                </a:fontRef>
+              </p:style>
+              <p:txBody>
+                <a:bodyPr rtlCol="0" anchor="ctr"/>
+                <a:p>
+                  <a:pPr algn="ctr"/>
+                  <a:endParaRPr lang="en-US"/>
+                </a:p>
+              </p:txBody>
+            </p:sp>
+            <p:sp>
+              <p:nvSpPr>
+                <p:cNvPr id="56" name="Oval 55"/>
+                <p:cNvSpPr/>
+                <p:nvPr/>
+              </p:nvSpPr>
+              <p:spPr>
+                <a:xfrm>
+                  <a:off x="2829" y="5782"/>
+                  <a:ext cx="1795" cy="340"/>
+                </a:xfrm>
+                <a:prstGeom prst="ellipse">
+                  <a:avLst/>
+                </a:prstGeom>
+                <a:noFill/>
+                <a:ln>
+                  <a:solidFill>
+                    <a:schemeClr val="tx1"/>
+                  </a:solidFill>
+                </a:ln>
+              </p:spPr>
+              <p:style>
+                <a:lnRef idx="2">
+                  <a:schemeClr val="accent1">
+                    <a:shade val="50000"/>
+                  </a:schemeClr>
+                </a:lnRef>
+                <a:fillRef idx="1">
+                  <a:schemeClr val="accent1"/>
+                </a:fillRef>
+                <a:effectRef idx="0">
+                  <a:schemeClr val="accent1"/>
+                </a:effectRef>
+                <a:fontRef idx="minor">
+                  <a:schemeClr val="lt1"/>
+                </a:fontRef>
+              </p:style>
+              <p:txBody>
+                <a:bodyPr rtlCol="0" anchor="ctr"/>
+                <a:p>
+                  <a:pPr algn="ctr"/>
+                  <a:endParaRPr lang="en-US"/>
+                </a:p>
+              </p:txBody>
+            </p:sp>
+          </p:grpSp>
+          <p:grpSp>
+            <p:nvGrpSpPr>
+              <p:cNvPr id="57" name="Group 56"/>
+              <p:cNvGrpSpPr/>
+              <p:nvPr/>
+            </p:nvGrpSpPr>
+            <p:grpSpPr>
+              <a:xfrm>
+                <a:off x="6396" y="6638"/>
+                <a:ext cx="1794" cy="681"/>
+                <a:chOff x="2829" y="5587"/>
+                <a:chExt cx="1794" cy="681"/>
+              </a:xfrm>
+            </p:grpSpPr>
+            <p:sp>
+              <p:nvSpPr>
+                <p:cNvPr id="58" name="Oval 57"/>
+                <p:cNvSpPr/>
+                <p:nvPr/>
+              </p:nvSpPr>
+              <p:spPr>
+                <a:xfrm>
+                  <a:off x="2975" y="5928"/>
+                  <a:ext cx="341" cy="341"/>
+                </a:xfrm>
+                <a:prstGeom prst="ellipse">
+                  <a:avLst/>
+                </a:prstGeom>
+                <a:noFill/>
+                <a:ln>
+                  <a:solidFill>
+                    <a:schemeClr val="tx1"/>
+                  </a:solidFill>
+                </a:ln>
+              </p:spPr>
+              <p:style>
+                <a:lnRef idx="2">
+                  <a:schemeClr val="accent1">
+                    <a:shade val="50000"/>
+                  </a:schemeClr>
+                </a:lnRef>
+                <a:fillRef idx="1">
+                  <a:schemeClr val="accent1"/>
+                </a:fillRef>
+                <a:effectRef idx="0">
+                  <a:schemeClr val="accent1"/>
+                </a:effectRef>
+                <a:fontRef idx="minor">
+                  <a:schemeClr val="lt1"/>
+                </a:fontRef>
+              </p:style>
+              <p:txBody>
+                <a:bodyPr rtlCol="0" anchor="ctr"/>
+                <a:p>
+                  <a:pPr algn="ctr"/>
+                  <a:endParaRPr lang="en-US"/>
+                </a:p>
+              </p:txBody>
+            </p:sp>
+            <p:sp>
+              <p:nvSpPr>
+                <p:cNvPr id="59" name="Oval 58"/>
+                <p:cNvSpPr/>
+                <p:nvPr/>
+              </p:nvSpPr>
+              <p:spPr>
+                <a:xfrm>
+                  <a:off x="3316" y="5587"/>
+                  <a:ext cx="341" cy="341"/>
+                </a:xfrm>
+                <a:prstGeom prst="ellipse">
+                  <a:avLst/>
+                </a:prstGeom>
+                <a:noFill/>
+                <a:ln>
+                  <a:solidFill>
+                    <a:schemeClr val="tx1"/>
+                  </a:solidFill>
+                </a:ln>
+              </p:spPr>
+              <p:style>
+                <a:lnRef idx="2">
+                  <a:schemeClr val="accent1">
+                    <a:shade val="50000"/>
+                  </a:schemeClr>
+                </a:lnRef>
+                <a:fillRef idx="1">
+                  <a:schemeClr val="accent1"/>
+                </a:fillRef>
+                <a:effectRef idx="0">
+                  <a:schemeClr val="accent1"/>
+                </a:effectRef>
+                <a:fontRef idx="minor">
+                  <a:schemeClr val="lt1"/>
+                </a:fontRef>
+              </p:style>
+              <p:txBody>
+                <a:bodyPr rtlCol="0" anchor="ctr"/>
+                <a:p>
+                  <a:pPr algn="ctr"/>
+                  <a:endParaRPr lang="en-US"/>
+                </a:p>
+              </p:txBody>
+            </p:sp>
+            <p:sp>
+              <p:nvSpPr>
+                <p:cNvPr id="60" name="Oval 59"/>
+                <p:cNvSpPr/>
+                <p:nvPr/>
+              </p:nvSpPr>
+              <p:spPr>
+                <a:xfrm>
+                  <a:off x="4283" y="5928"/>
+                  <a:ext cx="341" cy="341"/>
+                </a:xfrm>
+                <a:prstGeom prst="ellipse">
+                  <a:avLst/>
+                </a:prstGeom>
+                <a:noFill/>
+                <a:ln>
+                  <a:solidFill>
+                    <a:schemeClr val="tx1"/>
+                  </a:solidFill>
+                </a:ln>
+              </p:spPr>
+              <p:style>
+                <a:lnRef idx="2">
+                  <a:schemeClr val="accent1">
+                    <a:shade val="50000"/>
+                  </a:schemeClr>
+                </a:lnRef>
+                <a:fillRef idx="1">
+                  <a:schemeClr val="accent1"/>
+                </a:fillRef>
+                <a:effectRef idx="0">
+                  <a:schemeClr val="accent1"/>
+                </a:effectRef>
+                <a:fontRef idx="minor">
+                  <a:schemeClr val="lt1"/>
+                </a:fontRef>
+              </p:style>
+              <p:txBody>
+                <a:bodyPr rtlCol="0" anchor="ctr"/>
+                <a:p>
+                  <a:pPr algn="ctr"/>
+                  <a:endParaRPr lang="en-US"/>
+                </a:p>
+              </p:txBody>
+            </p:sp>
+            <p:sp>
+              <p:nvSpPr>
+                <p:cNvPr id="61" name="Oval 60"/>
+                <p:cNvSpPr/>
+                <p:nvPr/>
+              </p:nvSpPr>
+              <p:spPr>
+                <a:xfrm>
+                  <a:off x="2829" y="5782"/>
+                  <a:ext cx="1795" cy="340"/>
+                </a:xfrm>
+                <a:prstGeom prst="ellipse">
+                  <a:avLst/>
+                </a:prstGeom>
+                <a:noFill/>
+                <a:ln>
+                  <a:solidFill>
+                    <a:schemeClr val="tx1"/>
+                  </a:solidFill>
+                </a:ln>
+              </p:spPr>
+              <p:style>
+                <a:lnRef idx="2">
+                  <a:schemeClr val="accent1">
+                    <a:shade val="50000"/>
+                  </a:schemeClr>
+                </a:lnRef>
+                <a:fillRef idx="1">
+                  <a:schemeClr val="accent1"/>
+                </a:fillRef>
+                <a:effectRef idx="0">
+                  <a:schemeClr val="accent1"/>
+                </a:effectRef>
+                <a:fontRef idx="minor">
+                  <a:schemeClr val="lt1"/>
+                </a:fontRef>
+              </p:style>
+              <p:txBody>
+                <a:bodyPr rtlCol="0" anchor="ctr"/>
+                <a:p>
+                  <a:pPr algn="ctr"/>
+                  <a:endParaRPr lang="en-US"/>
+                </a:p>
+              </p:txBody>
+            </p:sp>
+          </p:grpSp>
+        </p:grpSp>
+        <p:grpSp>
+          <p:nvGrpSpPr>
+            <p:cNvPr id="63" name="Group 62"/>
+            <p:cNvGrpSpPr/>
+            <p:nvPr/>
+          </p:nvGrpSpPr>
+          <p:grpSpPr>
+            <a:xfrm>
+              <a:off x="8660" y="4123"/>
+              <a:ext cx="7887" cy="1436"/>
+              <a:chOff x="-193" y="4918"/>
+              <a:chExt cx="13186" cy="2401"/>
+            </a:xfrm>
+          </p:grpSpPr>
+          <p:grpSp>
+            <p:nvGrpSpPr>
+              <p:cNvPr id="64" name="Group 63"/>
+              <p:cNvGrpSpPr/>
+              <p:nvPr/>
+            </p:nvGrpSpPr>
+            <p:grpSpPr>
+              <a:xfrm>
+                <a:off x="-193" y="4918"/>
+                <a:ext cx="13186" cy="2390"/>
+                <a:chOff x="2538" y="1757"/>
+                <a:chExt cx="13186" cy="2390"/>
+              </a:xfrm>
+            </p:grpSpPr>
+            <p:sp>
+              <p:nvSpPr>
+                <p:cNvPr id="65" name="Freeform 64"/>
+                <p:cNvSpPr/>
+                <p:nvPr/>
+              </p:nvSpPr>
+              <p:spPr>
+                <a:xfrm>
+                  <a:off x="2538" y="2137"/>
+                  <a:ext cx="13186" cy="2010"/>
+                </a:xfrm>
+                <a:custGeom>
+                  <a:avLst/>
+                  <a:gdLst>
+                    <a:gd name="connisteX0" fmla="*/ 2000885 w 8373110"/>
+                    <a:gd name="connsiteY0" fmla="*/ 183515 h 1276350"/>
+                    <a:gd name="connisteX1" fmla="*/ 0 w 8373110"/>
+                    <a:gd name="connsiteY1" fmla="*/ 1276350 h 1276350"/>
+                    <a:gd name="connisteX2" fmla="*/ 6533515 w 8373110"/>
+                    <a:gd name="connsiteY2" fmla="*/ 1276350 h 1276350"/>
+                    <a:gd name="connisteX3" fmla="*/ 8373110 w 8373110"/>
+                    <a:gd name="connsiteY3" fmla="*/ 292100 h 1276350"/>
+                    <a:gd name="connisteX4" fmla="*/ 1817370 w 8373110"/>
+                    <a:gd name="connsiteY4" fmla="*/ 292100 h 1276350"/>
+                    <a:gd name="connisteX5" fmla="*/ 2292985 w 8373110"/>
+                    <a:gd name="connsiteY5" fmla="*/ 32385 h 1276350"/>
+                    <a:gd name="connisteX6" fmla="*/ 2357755 w 8373110"/>
+                    <a:gd name="connsiteY6" fmla="*/ 0 h 1276350"/>
+                  </a:gdLst>
+                  <a:ahLst/>
+                  <a:cxnLst>
+                    <a:cxn ang="0">
+                      <a:pos x="connisteX0" y="connsiteY0"/>
+                    </a:cxn>
+                    <a:cxn ang="0">
+                      <a:pos x="connisteX1" y="connsiteY1"/>
+                    </a:cxn>
+                    <a:cxn ang="0">
+                      <a:pos x="connisteX2" y="connsiteY2"/>
+                    </a:cxn>
+                    <a:cxn ang="0">
+                      <a:pos x="connisteX3" y="connsiteY3"/>
+                    </a:cxn>
+                    <a:cxn ang="0">
+                      <a:pos x="connisteX4" y="connsiteY4"/>
+                    </a:cxn>
+                    <a:cxn ang="0">
+                      <a:pos x="connisteX5" y="connsiteY5"/>
+                    </a:cxn>
+                    <a:cxn ang="0">
+                      <a:pos x="connisteX6" y="connsiteY6"/>
+                    </a:cxn>
+                  </a:cxnLst>
+                  <a:rect l="l" t="t" r="r" b="b"/>
+                  <a:pathLst>
+                    <a:path w="8373110" h="1276350">
+                      <a:moveTo>
+                        <a:pt x="2000885" y="183515"/>
+                      </a:moveTo>
+                      <a:lnTo>
+                        <a:pt x="0" y="1276350"/>
+                      </a:lnTo>
+                      <a:lnTo>
+                        <a:pt x="6533515" y="1276350"/>
+                      </a:lnTo>
+                      <a:lnTo>
+                        <a:pt x="8373110" y="292100"/>
+                      </a:lnTo>
+                      <a:lnTo>
+                        <a:pt x="1817370" y="292100"/>
+                      </a:lnTo>
+                      <a:lnTo>
+                        <a:pt x="2292985" y="32385"/>
+                      </a:lnTo>
+                      <a:lnTo>
+                        <a:pt x="2357755" y="0"/>
+                      </a:lnTo>
+                    </a:path>
+                  </a:pathLst>
+                </a:custGeom>
+                <a:noFill/>
+                <a:ln>
+                  <a:solidFill>
+                    <a:schemeClr val="tx1"/>
+                  </a:solidFill>
+                </a:ln>
+              </p:spPr>
+              <p:style>
+                <a:lnRef idx="2">
+                  <a:schemeClr val="accent1">
+                    <a:shade val="50000"/>
+                  </a:schemeClr>
+                </a:lnRef>
+                <a:fillRef idx="1">
+                  <a:schemeClr val="accent1"/>
+                </a:fillRef>
+                <a:effectRef idx="0">
+                  <a:schemeClr val="accent1"/>
+                </a:effectRef>
+                <a:fontRef idx="minor">
+                  <a:schemeClr val="lt1"/>
+                </a:fontRef>
+              </p:style>
+              <p:txBody>
+                <a:bodyPr rtlCol="0" anchor="ctr"/>
+                <a:p>
+                  <a:pPr algn="ctr"/>
+                  <a:endParaRPr lang="en-US"/>
+                </a:p>
+              </p:txBody>
+            </p:sp>
+            <p:sp>
+              <p:nvSpPr>
+                <p:cNvPr id="66" name="Rectangle 65"/>
+                <p:cNvSpPr/>
+                <p:nvPr/>
+              </p:nvSpPr>
+              <p:spPr>
+                <a:xfrm>
+                  <a:off x="4803" y="1757"/>
+                  <a:ext cx="2300" cy="767"/>
+                </a:xfrm>
+                <a:prstGeom prst="rect">
+                  <a:avLst/>
+                </a:prstGeom>
+                <a:ln>
+                  <a:solidFill>
+                    <a:schemeClr val="bg1"/>
+                  </a:solidFill>
+                </a:ln>
+              </p:spPr>
+              <p:style>
+                <a:lnRef idx="2">
+                  <a:schemeClr val="accent6"/>
+                </a:lnRef>
+                <a:fillRef idx="1">
+                  <a:schemeClr val="lt1"/>
+                </a:fillRef>
+                <a:effectRef idx="0">
+                  <a:schemeClr val="accent6"/>
+                </a:effectRef>
+                <a:fontRef idx="minor">
+                  <a:schemeClr val="dk1"/>
+                </a:fontRef>
+              </p:style>
+              <p:txBody>
+                <a:bodyPr rtlCol="0" anchor="ctr"/>
+                <a:p>
+                  <a:pPr algn="ctr"/>
+                  <a:endParaRPr lang="en-US"/>
+                </a:p>
+              </p:txBody>
+            </p:sp>
+          </p:grpSp>
+          <p:sp>
+            <p:nvSpPr>
+              <p:cNvPr id="67" name="Oval 66"/>
+              <p:cNvSpPr/>
+              <p:nvPr/>
+            </p:nvSpPr>
+            <p:spPr>
+              <a:xfrm>
+                <a:off x="3060" y="5962"/>
+                <a:ext cx="6711" cy="1108"/>
+              </a:xfrm>
+              <a:prstGeom prst="ellipse">
+                <a:avLst/>
+              </a:prstGeom>
+              <a:noFill/>
+              <a:ln>
+                <a:solidFill>
+                  <a:schemeClr val="tx1"/>
+                </a:solidFill>
+              </a:ln>
+            </p:spPr>
+            <p:style>
+              <a:lnRef idx="2">
+                <a:schemeClr val="accent1">
+                  <a:shade val="50000"/>
+                </a:schemeClr>
+              </a:lnRef>
+              <a:fillRef idx="1">
+                <a:schemeClr val="accent1"/>
+              </a:fillRef>
+              <a:effectRef idx="0">
+                <a:schemeClr val="accent1"/>
+              </a:effectRef>
+              <a:fontRef idx="minor">
+                <a:schemeClr val="lt1"/>
+              </a:fontRef>
+            </p:style>
+            <p:txBody>
+              <a:bodyPr rtlCol="0" anchor="ctr"/>
+              <a:p>
+                <a:pPr algn="ctr"/>
+                <a:endParaRPr lang="en-US"/>
+              </a:p>
+            </p:txBody>
+          </p:sp>
+          <p:grpSp>
+            <p:nvGrpSpPr>
+              <p:cNvPr id="68" name="Group 67"/>
+              <p:cNvGrpSpPr/>
+              <p:nvPr/>
+            </p:nvGrpSpPr>
+            <p:grpSpPr>
+              <a:xfrm>
+                <a:off x="2459" y="6443"/>
+                <a:ext cx="1794" cy="681"/>
+                <a:chOff x="2829" y="5587"/>
+                <a:chExt cx="1794" cy="681"/>
+              </a:xfrm>
+            </p:grpSpPr>
+            <p:sp>
+              <p:nvSpPr>
+                <p:cNvPr id="69" name="Oval 68"/>
+                <p:cNvSpPr/>
+                <p:nvPr/>
+              </p:nvSpPr>
+              <p:spPr>
+                <a:xfrm>
+                  <a:off x="2975" y="5928"/>
+                  <a:ext cx="341" cy="341"/>
+                </a:xfrm>
+                <a:prstGeom prst="ellipse">
+                  <a:avLst/>
+                </a:prstGeom>
+                <a:noFill/>
+                <a:ln>
+                  <a:solidFill>
+                    <a:schemeClr val="tx1"/>
+                  </a:solidFill>
+                </a:ln>
+              </p:spPr>
+              <p:style>
+                <a:lnRef idx="2">
+                  <a:schemeClr val="accent1">
+                    <a:shade val="50000"/>
+                  </a:schemeClr>
+                </a:lnRef>
+                <a:fillRef idx="1">
+                  <a:schemeClr val="accent1"/>
+                </a:fillRef>
+                <a:effectRef idx="0">
+                  <a:schemeClr val="accent1"/>
+                </a:effectRef>
+                <a:fontRef idx="minor">
+                  <a:schemeClr val="lt1"/>
+                </a:fontRef>
+              </p:style>
+              <p:txBody>
+                <a:bodyPr rtlCol="0" anchor="ctr"/>
+                <a:p>
+                  <a:pPr algn="ctr"/>
+                  <a:endParaRPr lang="en-US"/>
+                </a:p>
+              </p:txBody>
+            </p:sp>
+            <p:sp>
+              <p:nvSpPr>
+                <p:cNvPr id="70" name="Oval 69"/>
+                <p:cNvSpPr/>
+                <p:nvPr/>
+              </p:nvSpPr>
+              <p:spPr>
+                <a:xfrm>
+                  <a:off x="3316" y="5587"/>
+                  <a:ext cx="341" cy="341"/>
+                </a:xfrm>
+                <a:prstGeom prst="ellipse">
+                  <a:avLst/>
+                </a:prstGeom>
+                <a:noFill/>
+                <a:ln>
+                  <a:solidFill>
+                    <a:schemeClr val="tx1"/>
+                  </a:solidFill>
+                </a:ln>
+              </p:spPr>
+              <p:style>
+                <a:lnRef idx="2">
+                  <a:schemeClr val="accent1">
+                    <a:shade val="50000"/>
+                  </a:schemeClr>
+                </a:lnRef>
+                <a:fillRef idx="1">
+                  <a:schemeClr val="accent1"/>
+                </a:fillRef>
+                <a:effectRef idx="0">
+                  <a:schemeClr val="accent1"/>
+                </a:effectRef>
+                <a:fontRef idx="minor">
+                  <a:schemeClr val="lt1"/>
+                </a:fontRef>
+              </p:style>
+              <p:txBody>
+                <a:bodyPr rtlCol="0" anchor="ctr"/>
+                <a:p>
+                  <a:pPr algn="ctr"/>
+                  <a:endParaRPr lang="en-US"/>
+                </a:p>
+              </p:txBody>
+            </p:sp>
+            <p:sp>
+              <p:nvSpPr>
+                <p:cNvPr id="71" name="Oval 70"/>
+                <p:cNvSpPr/>
+                <p:nvPr/>
+              </p:nvSpPr>
+              <p:spPr>
+                <a:xfrm>
+                  <a:off x="4283" y="5928"/>
+                  <a:ext cx="341" cy="341"/>
+                </a:xfrm>
+                <a:prstGeom prst="ellipse">
+                  <a:avLst/>
+                </a:prstGeom>
+                <a:noFill/>
+                <a:ln>
+                  <a:solidFill>
+                    <a:schemeClr val="tx1"/>
+                  </a:solidFill>
+                </a:ln>
+              </p:spPr>
+              <p:style>
+                <a:lnRef idx="2">
+                  <a:schemeClr val="accent1">
+                    <a:shade val="50000"/>
+                  </a:schemeClr>
+                </a:lnRef>
+                <a:fillRef idx="1">
+                  <a:schemeClr val="accent1"/>
+                </a:fillRef>
+                <a:effectRef idx="0">
+                  <a:schemeClr val="accent1"/>
+                </a:effectRef>
+                <a:fontRef idx="minor">
+                  <a:schemeClr val="lt1"/>
+                </a:fontRef>
+              </p:style>
+              <p:txBody>
+                <a:bodyPr rtlCol="0" anchor="ctr"/>
+                <a:p>
+                  <a:pPr algn="ctr"/>
+                  <a:endParaRPr lang="en-US"/>
+                </a:p>
+              </p:txBody>
+            </p:sp>
+            <p:sp>
+              <p:nvSpPr>
+                <p:cNvPr id="72" name="Oval 71"/>
+                <p:cNvSpPr/>
+                <p:nvPr/>
+              </p:nvSpPr>
+              <p:spPr>
+                <a:xfrm>
+                  <a:off x="2829" y="5782"/>
+                  <a:ext cx="1795" cy="340"/>
+                </a:xfrm>
+                <a:prstGeom prst="ellipse">
+                  <a:avLst/>
+                </a:prstGeom>
+                <a:noFill/>
+                <a:ln>
+                  <a:solidFill>
+                    <a:schemeClr val="tx1"/>
+                  </a:solidFill>
+                </a:ln>
+              </p:spPr>
+              <p:style>
+                <a:lnRef idx="2">
+                  <a:schemeClr val="accent1">
+                    <a:shade val="50000"/>
+                  </a:schemeClr>
+                </a:lnRef>
+                <a:fillRef idx="1">
+                  <a:schemeClr val="accent1"/>
+                </a:fillRef>
+                <a:effectRef idx="0">
+                  <a:schemeClr val="accent1"/>
+                </a:effectRef>
+                <a:fontRef idx="minor">
+                  <a:schemeClr val="lt1"/>
+                </a:fontRef>
+              </p:style>
+              <p:txBody>
+                <a:bodyPr rtlCol="0" anchor="ctr"/>
+                <a:p>
+                  <a:pPr algn="ctr"/>
+                  <a:endParaRPr lang="en-US"/>
+                </a:p>
+              </p:txBody>
+            </p:sp>
+          </p:grpSp>
+          <p:grpSp>
+            <p:nvGrpSpPr>
+              <p:cNvPr id="73" name="Group 72"/>
+              <p:cNvGrpSpPr/>
+              <p:nvPr/>
+            </p:nvGrpSpPr>
+            <p:grpSpPr>
+              <a:xfrm>
+                <a:off x="7877" y="5767"/>
+                <a:ext cx="1794" cy="681"/>
+                <a:chOff x="2829" y="5587"/>
+                <a:chExt cx="1794" cy="681"/>
+              </a:xfrm>
+            </p:grpSpPr>
+            <p:sp>
+              <p:nvSpPr>
+                <p:cNvPr id="74" name="Oval 73"/>
+                <p:cNvSpPr/>
+                <p:nvPr/>
+              </p:nvSpPr>
+              <p:spPr>
+                <a:xfrm>
+                  <a:off x="2975" y="5928"/>
+                  <a:ext cx="341" cy="341"/>
+                </a:xfrm>
+                <a:prstGeom prst="ellipse">
+                  <a:avLst/>
+                </a:prstGeom>
+                <a:noFill/>
+                <a:ln>
+                  <a:solidFill>
+                    <a:schemeClr val="tx1"/>
+                  </a:solidFill>
+                </a:ln>
+              </p:spPr>
+              <p:style>
+                <a:lnRef idx="2">
+                  <a:schemeClr val="accent1">
+                    <a:shade val="50000"/>
+                  </a:schemeClr>
+                </a:lnRef>
+                <a:fillRef idx="1">
+                  <a:schemeClr val="accent1"/>
+                </a:fillRef>
+                <a:effectRef idx="0">
+                  <a:schemeClr val="accent1"/>
+                </a:effectRef>
+                <a:fontRef idx="minor">
+                  <a:schemeClr val="lt1"/>
+                </a:fontRef>
+              </p:style>
+              <p:txBody>
+                <a:bodyPr rtlCol="0" anchor="ctr"/>
+                <a:p>
+                  <a:pPr algn="ctr"/>
+                  <a:endParaRPr lang="en-US"/>
+                </a:p>
+              </p:txBody>
+            </p:sp>
+            <p:sp>
+              <p:nvSpPr>
+                <p:cNvPr id="75" name="Oval 74"/>
+                <p:cNvSpPr/>
+                <p:nvPr/>
+              </p:nvSpPr>
+              <p:spPr>
+                <a:xfrm>
+                  <a:off x="3316" y="5587"/>
+                  <a:ext cx="341" cy="341"/>
+                </a:xfrm>
+                <a:prstGeom prst="ellipse">
+                  <a:avLst/>
+                </a:prstGeom>
+                <a:noFill/>
+                <a:ln>
+                  <a:solidFill>
+                    <a:schemeClr val="tx1"/>
+                  </a:solidFill>
+                </a:ln>
+              </p:spPr>
+              <p:style>
+                <a:lnRef idx="2">
+                  <a:schemeClr val="accent1">
+                    <a:shade val="50000"/>
+                  </a:schemeClr>
+                </a:lnRef>
+                <a:fillRef idx="1">
+                  <a:schemeClr val="accent1"/>
+                </a:fillRef>
+                <a:effectRef idx="0">
+                  <a:schemeClr val="accent1"/>
+                </a:effectRef>
+                <a:fontRef idx="minor">
+                  <a:schemeClr val="lt1"/>
+                </a:fontRef>
+              </p:style>
+              <p:txBody>
+                <a:bodyPr rtlCol="0" anchor="ctr"/>
+                <a:p>
+                  <a:pPr algn="ctr"/>
+                  <a:endParaRPr lang="en-US"/>
+                </a:p>
+              </p:txBody>
+            </p:sp>
+            <p:sp>
+              <p:nvSpPr>
+                <p:cNvPr id="76" name="Oval 75"/>
+                <p:cNvSpPr/>
+                <p:nvPr/>
+              </p:nvSpPr>
+              <p:spPr>
+                <a:xfrm>
+                  <a:off x="4283" y="5928"/>
+                  <a:ext cx="341" cy="341"/>
+                </a:xfrm>
+                <a:prstGeom prst="ellipse">
+                  <a:avLst/>
+                </a:prstGeom>
+                <a:noFill/>
+                <a:ln>
+                  <a:solidFill>
+                    <a:schemeClr val="tx1"/>
+                  </a:solidFill>
+                </a:ln>
+              </p:spPr>
+              <p:style>
+                <a:lnRef idx="2">
+                  <a:schemeClr val="accent1">
+                    <a:shade val="50000"/>
+                  </a:schemeClr>
+                </a:lnRef>
+                <a:fillRef idx="1">
+                  <a:schemeClr val="accent1"/>
+                </a:fillRef>
+                <a:effectRef idx="0">
+                  <a:schemeClr val="accent1"/>
+                </a:effectRef>
+                <a:fontRef idx="minor">
+                  <a:schemeClr val="lt1"/>
+                </a:fontRef>
+              </p:style>
+              <p:txBody>
+                <a:bodyPr rtlCol="0" anchor="ctr"/>
+                <a:p>
+                  <a:pPr algn="ctr"/>
+                  <a:endParaRPr lang="en-US"/>
+                </a:p>
+              </p:txBody>
+            </p:sp>
+            <p:sp>
+              <p:nvSpPr>
+                <p:cNvPr id="77" name="Oval 76"/>
+                <p:cNvSpPr/>
+                <p:nvPr/>
+              </p:nvSpPr>
+              <p:spPr>
+                <a:xfrm>
+                  <a:off x="2829" y="5782"/>
+                  <a:ext cx="1795" cy="340"/>
+                </a:xfrm>
+                <a:prstGeom prst="ellipse">
+                  <a:avLst/>
+                </a:prstGeom>
+                <a:noFill/>
+                <a:ln>
+                  <a:solidFill>
+                    <a:schemeClr val="tx1"/>
+                  </a:solidFill>
+                </a:ln>
+              </p:spPr>
+              <p:style>
+                <a:lnRef idx="2">
+                  <a:schemeClr val="accent1">
+                    <a:shade val="50000"/>
+                  </a:schemeClr>
+                </a:lnRef>
+                <a:fillRef idx="1">
+                  <a:schemeClr val="accent1"/>
+                </a:fillRef>
+                <a:effectRef idx="0">
+                  <a:schemeClr val="accent1"/>
+                </a:effectRef>
+                <a:fontRef idx="minor">
+                  <a:schemeClr val="lt1"/>
+                </a:fontRef>
+              </p:style>
+              <p:txBody>
+                <a:bodyPr rtlCol="0" anchor="ctr"/>
+                <a:p>
+                  <a:pPr algn="ctr"/>
+                  <a:endParaRPr lang="en-US"/>
+                </a:p>
+              </p:txBody>
+            </p:sp>
+          </p:grpSp>
+          <p:grpSp>
+            <p:nvGrpSpPr>
+              <p:cNvPr id="78" name="Group 77"/>
+              <p:cNvGrpSpPr/>
+              <p:nvPr/>
+            </p:nvGrpSpPr>
+            <p:grpSpPr>
+              <a:xfrm>
+                <a:off x="3947" y="5616"/>
+                <a:ext cx="1794" cy="681"/>
+                <a:chOff x="2829" y="5587"/>
+                <a:chExt cx="1794" cy="681"/>
+              </a:xfrm>
+            </p:grpSpPr>
+            <p:sp>
+              <p:nvSpPr>
+                <p:cNvPr id="80" name="Oval 79"/>
+                <p:cNvSpPr/>
+                <p:nvPr/>
+              </p:nvSpPr>
+              <p:spPr>
+                <a:xfrm>
+                  <a:off x="2975" y="5928"/>
+                  <a:ext cx="341" cy="341"/>
+                </a:xfrm>
+                <a:prstGeom prst="ellipse">
+                  <a:avLst/>
+                </a:prstGeom>
+                <a:noFill/>
+                <a:ln>
+                  <a:solidFill>
+                    <a:schemeClr val="tx1"/>
+                  </a:solidFill>
+                </a:ln>
+              </p:spPr>
+              <p:style>
+                <a:lnRef idx="2">
+                  <a:schemeClr val="accent1">
+                    <a:shade val="50000"/>
+                  </a:schemeClr>
+                </a:lnRef>
+                <a:fillRef idx="1">
+                  <a:schemeClr val="accent1"/>
+                </a:fillRef>
+                <a:effectRef idx="0">
+                  <a:schemeClr val="accent1"/>
+                </a:effectRef>
+                <a:fontRef idx="minor">
+                  <a:schemeClr val="lt1"/>
+                </a:fontRef>
+              </p:style>
+              <p:txBody>
+                <a:bodyPr rtlCol="0" anchor="ctr"/>
+                <a:p>
+                  <a:pPr algn="ctr"/>
+                  <a:endParaRPr lang="en-US"/>
+                </a:p>
+              </p:txBody>
+            </p:sp>
+            <p:sp>
+              <p:nvSpPr>
+                <p:cNvPr id="81" name="Oval 80"/>
+                <p:cNvSpPr/>
+                <p:nvPr/>
+              </p:nvSpPr>
+              <p:spPr>
+                <a:xfrm>
+                  <a:off x="3316" y="5587"/>
+                  <a:ext cx="341" cy="341"/>
+                </a:xfrm>
+                <a:prstGeom prst="ellipse">
+                  <a:avLst/>
+                </a:prstGeom>
+                <a:noFill/>
+                <a:ln>
+                  <a:solidFill>
+                    <a:schemeClr val="tx1"/>
+                  </a:solidFill>
+                </a:ln>
+              </p:spPr>
+              <p:style>
+                <a:lnRef idx="2">
+                  <a:schemeClr val="accent1">
+                    <a:shade val="50000"/>
+                  </a:schemeClr>
+                </a:lnRef>
+                <a:fillRef idx="1">
+                  <a:schemeClr val="accent1"/>
+                </a:fillRef>
+                <a:effectRef idx="0">
+                  <a:schemeClr val="accent1"/>
+                </a:effectRef>
+                <a:fontRef idx="minor">
+                  <a:schemeClr val="lt1"/>
+                </a:fontRef>
+              </p:style>
+              <p:txBody>
+                <a:bodyPr rtlCol="0" anchor="ctr"/>
+                <a:p>
+                  <a:pPr algn="ctr"/>
+                  <a:endParaRPr lang="en-US"/>
+                </a:p>
+              </p:txBody>
+            </p:sp>
+            <p:sp>
+              <p:nvSpPr>
+                <p:cNvPr id="82" name="Oval 81"/>
+                <p:cNvSpPr/>
+                <p:nvPr/>
+              </p:nvSpPr>
+              <p:spPr>
+                <a:xfrm>
+                  <a:off x="4283" y="5928"/>
+                  <a:ext cx="341" cy="341"/>
+                </a:xfrm>
+                <a:prstGeom prst="ellipse">
+                  <a:avLst/>
+                </a:prstGeom>
+                <a:noFill/>
+                <a:ln>
+                  <a:solidFill>
+                    <a:schemeClr val="tx1"/>
+                  </a:solidFill>
+                </a:ln>
+              </p:spPr>
+              <p:style>
+                <a:lnRef idx="2">
+                  <a:schemeClr val="accent1">
+                    <a:shade val="50000"/>
+                  </a:schemeClr>
+                </a:lnRef>
+                <a:fillRef idx="1">
+                  <a:schemeClr val="accent1"/>
+                </a:fillRef>
+                <a:effectRef idx="0">
+                  <a:schemeClr val="accent1"/>
+                </a:effectRef>
+                <a:fontRef idx="minor">
+                  <a:schemeClr val="lt1"/>
+                </a:fontRef>
+              </p:style>
+              <p:txBody>
+                <a:bodyPr rtlCol="0" anchor="ctr"/>
+                <a:p>
+                  <a:pPr algn="ctr"/>
+                  <a:endParaRPr lang="en-US"/>
+                </a:p>
+              </p:txBody>
+            </p:sp>
+            <p:sp>
+              <p:nvSpPr>
+                <p:cNvPr id="83" name="Oval 82"/>
+                <p:cNvSpPr/>
+                <p:nvPr/>
+              </p:nvSpPr>
+              <p:spPr>
+                <a:xfrm>
+                  <a:off x="2829" y="5782"/>
+                  <a:ext cx="1795" cy="340"/>
+                </a:xfrm>
+                <a:prstGeom prst="ellipse">
+                  <a:avLst/>
+                </a:prstGeom>
+                <a:noFill/>
+                <a:ln>
+                  <a:solidFill>
+                    <a:schemeClr val="tx1"/>
+                  </a:solidFill>
+                </a:ln>
+              </p:spPr>
+              <p:style>
+                <a:lnRef idx="2">
+                  <a:schemeClr val="accent1">
+                    <a:shade val="50000"/>
+                  </a:schemeClr>
+                </a:lnRef>
+                <a:fillRef idx="1">
+                  <a:schemeClr val="accent1"/>
+                </a:fillRef>
+                <a:effectRef idx="0">
+                  <a:schemeClr val="accent1"/>
+                </a:effectRef>
+                <a:fontRef idx="minor">
+                  <a:schemeClr val="lt1"/>
+                </a:fontRef>
+              </p:style>
+              <p:txBody>
+                <a:bodyPr rtlCol="0" anchor="ctr"/>
+                <a:p>
+                  <a:pPr algn="ctr"/>
+                  <a:endParaRPr lang="en-US"/>
+                </a:p>
+              </p:txBody>
+            </p:sp>
+          </p:grpSp>
+          <p:grpSp>
+            <p:nvGrpSpPr>
+              <p:cNvPr id="84" name="Group 83"/>
+              <p:cNvGrpSpPr/>
+              <p:nvPr/>
+            </p:nvGrpSpPr>
+            <p:grpSpPr>
+              <a:xfrm>
+                <a:off x="6396" y="6638"/>
+                <a:ext cx="1794" cy="681"/>
+                <a:chOff x="2829" y="5587"/>
+                <a:chExt cx="1794" cy="681"/>
+              </a:xfrm>
+            </p:grpSpPr>
+            <p:sp>
+              <p:nvSpPr>
+                <p:cNvPr id="85" name="Oval 84"/>
+                <p:cNvSpPr/>
+                <p:nvPr/>
+              </p:nvSpPr>
+              <p:spPr>
+                <a:xfrm>
+                  <a:off x="2975" y="5928"/>
+                  <a:ext cx="341" cy="341"/>
+                </a:xfrm>
+                <a:prstGeom prst="ellipse">
+                  <a:avLst/>
+                </a:prstGeom>
+                <a:noFill/>
+                <a:ln>
+                  <a:solidFill>
+                    <a:schemeClr val="tx1"/>
+                  </a:solidFill>
+                </a:ln>
+              </p:spPr>
+              <p:style>
+                <a:lnRef idx="2">
+                  <a:schemeClr val="accent1">
+                    <a:shade val="50000"/>
+                  </a:schemeClr>
+                </a:lnRef>
+                <a:fillRef idx="1">
+                  <a:schemeClr val="accent1"/>
+                </a:fillRef>
+                <a:effectRef idx="0">
+                  <a:schemeClr val="accent1"/>
+                </a:effectRef>
+                <a:fontRef idx="minor">
+                  <a:schemeClr val="lt1"/>
+                </a:fontRef>
+              </p:style>
+              <p:txBody>
+                <a:bodyPr rtlCol="0" anchor="ctr"/>
+                <a:p>
+                  <a:pPr algn="ctr"/>
+                  <a:endParaRPr lang="en-US"/>
+                </a:p>
+              </p:txBody>
+            </p:sp>
+            <p:sp>
+              <p:nvSpPr>
+                <p:cNvPr id="86" name="Oval 85"/>
+                <p:cNvSpPr/>
+                <p:nvPr/>
+              </p:nvSpPr>
+              <p:spPr>
+                <a:xfrm>
+                  <a:off x="3316" y="5587"/>
+                  <a:ext cx="341" cy="341"/>
+                </a:xfrm>
+                <a:prstGeom prst="ellipse">
+                  <a:avLst/>
+                </a:prstGeom>
+                <a:noFill/>
+                <a:ln>
+                  <a:solidFill>
+                    <a:schemeClr val="tx1"/>
+                  </a:solidFill>
+                </a:ln>
+              </p:spPr>
+              <p:style>
+                <a:lnRef idx="2">
+                  <a:schemeClr val="accent1">
+                    <a:shade val="50000"/>
+                  </a:schemeClr>
+                </a:lnRef>
+                <a:fillRef idx="1">
+                  <a:schemeClr val="accent1"/>
+                </a:fillRef>
+                <a:effectRef idx="0">
+                  <a:schemeClr val="accent1"/>
+                </a:effectRef>
+                <a:fontRef idx="minor">
+                  <a:schemeClr val="lt1"/>
+                </a:fontRef>
+              </p:style>
+              <p:txBody>
+                <a:bodyPr rtlCol="0" anchor="ctr"/>
+                <a:p>
+                  <a:pPr algn="ctr"/>
+                  <a:endParaRPr lang="en-US"/>
+                </a:p>
+              </p:txBody>
+            </p:sp>
+            <p:sp>
+              <p:nvSpPr>
+                <p:cNvPr id="87" name="Oval 86"/>
+                <p:cNvSpPr/>
+                <p:nvPr/>
+              </p:nvSpPr>
+              <p:spPr>
+                <a:xfrm>
+                  <a:off x="4283" y="5928"/>
+                  <a:ext cx="341" cy="341"/>
+                </a:xfrm>
+                <a:prstGeom prst="ellipse">
+                  <a:avLst/>
+                </a:prstGeom>
+                <a:noFill/>
+                <a:ln>
+                  <a:solidFill>
+                    <a:schemeClr val="tx1"/>
+                  </a:solidFill>
+                </a:ln>
+              </p:spPr>
+              <p:style>
+                <a:lnRef idx="2">
+                  <a:schemeClr val="accent1">
+                    <a:shade val="50000"/>
+                  </a:schemeClr>
+                </a:lnRef>
+                <a:fillRef idx="1">
+                  <a:schemeClr val="accent1"/>
+                </a:fillRef>
+                <a:effectRef idx="0">
+                  <a:schemeClr val="accent1"/>
+                </a:effectRef>
+                <a:fontRef idx="minor">
+                  <a:schemeClr val="lt1"/>
+                </a:fontRef>
+              </p:style>
+              <p:txBody>
+                <a:bodyPr rtlCol="0" anchor="ctr"/>
+                <a:p>
+                  <a:pPr algn="ctr"/>
+                  <a:endParaRPr lang="en-US"/>
+                </a:p>
+              </p:txBody>
+            </p:sp>
+            <p:sp>
+              <p:nvSpPr>
+                <p:cNvPr id="88" name="Oval 87"/>
+                <p:cNvSpPr/>
+                <p:nvPr/>
+              </p:nvSpPr>
+              <p:spPr>
+                <a:xfrm>
+                  <a:off x="2829" y="5782"/>
+                  <a:ext cx="1795" cy="340"/>
+                </a:xfrm>
+                <a:prstGeom prst="ellipse">
+                  <a:avLst/>
+                </a:prstGeom>
+                <a:noFill/>
+                <a:ln>
+                  <a:solidFill>
+                    <a:schemeClr val="tx1"/>
+                  </a:solidFill>
+                </a:ln>
+              </p:spPr>
+              <p:style>
+                <a:lnRef idx="2">
+                  <a:schemeClr val="accent1">
+                    <a:shade val="50000"/>
+                  </a:schemeClr>
+                </a:lnRef>
+                <a:fillRef idx="1">
+                  <a:schemeClr val="accent1"/>
+                </a:fillRef>
+                <a:effectRef idx="0">
+                  <a:schemeClr val="accent1"/>
+                </a:effectRef>
+                <a:fontRef idx="minor">
+                  <a:schemeClr val="lt1"/>
+                </a:fontRef>
+              </p:style>
+              <p:txBody>
+                <a:bodyPr rtlCol="0" anchor="ctr"/>
+                <a:p>
+                  <a:pPr algn="ctr"/>
+                  <a:endParaRPr lang="en-US"/>
+                </a:p>
+              </p:txBody>
+            </p:sp>
+          </p:grpSp>
+        </p:grpSp>
+        <p:cxnSp>
+          <p:nvCxnSpPr>
+            <p:cNvPr id="89" name="Straight Connector 88"/>
+            <p:cNvCxnSpPr>
+              <a:stCxn id="21" idx="2"/>
+              <a:endCxn id="39" idx="1"/>
+            </p:cNvCxnSpPr>
+            <p:nvPr/>
+          </p:nvCxnSpPr>
+          <p:spPr>
+            <a:xfrm flipH="1">
+              <a:off x="284" y="2335"/>
+              <a:ext cx="5093" cy="3217"/>
+            </a:xfrm>
+            <a:prstGeom prst="line">
+              <a:avLst/>
+            </a:prstGeom>
+            <a:ln>
+              <a:solidFill>
+                <a:schemeClr val="bg1">
+                  <a:lumMod val="65000"/>
+                </a:schemeClr>
+              </a:solidFill>
+            </a:ln>
+          </p:spPr>
+          <p:style>
+            <a:lnRef idx="1">
+              <a:schemeClr val="accent1"/>
+            </a:lnRef>
+            <a:fillRef idx="0">
+              <a:schemeClr val="accent1"/>
+            </a:fillRef>
+            <a:effectRef idx="0">
+              <a:schemeClr val="accent1"/>
+            </a:effectRef>
+            <a:fontRef idx="minor">
+              <a:schemeClr val="tx1"/>
+            </a:fontRef>
+          </p:style>
+        </p:cxnSp>
+        <p:cxnSp>
+          <p:nvCxnSpPr>
+            <p:cNvPr id="90" name="Straight Connector 89"/>
+            <p:cNvCxnSpPr>
+              <a:stCxn id="21" idx="6"/>
+              <a:endCxn id="39" idx="3"/>
+            </p:cNvCxnSpPr>
+            <p:nvPr/>
+          </p:nvCxnSpPr>
+          <p:spPr>
+            <a:xfrm>
+              <a:off x="7172" y="2335"/>
+              <a:ext cx="999" cy="2290"/>
+            </a:xfrm>
+            <a:prstGeom prst="line">
+              <a:avLst/>
+            </a:prstGeom>
+            <a:ln>
+              <a:solidFill>
+                <a:schemeClr val="bg1">
+                  <a:lumMod val="65000"/>
+                </a:schemeClr>
+              </a:solidFill>
+            </a:ln>
+          </p:spPr>
+          <p:style>
+            <a:lnRef idx="1">
+              <a:schemeClr val="accent1"/>
+            </a:lnRef>
+            <a:fillRef idx="0">
+              <a:schemeClr val="accent1"/>
+            </a:fillRef>
+            <a:effectRef idx="0">
+              <a:schemeClr val="accent1"/>
+            </a:effectRef>
+            <a:fontRef idx="minor">
+              <a:schemeClr val="tx1"/>
+            </a:fontRef>
+          </p:style>
+        </p:cxnSp>
+        <p:cxnSp>
+          <p:nvCxnSpPr>
+            <p:cNvPr id="91" name="Straight Connector 90"/>
+            <p:cNvCxnSpPr>
+              <a:stCxn id="37" idx="2"/>
+              <a:endCxn id="65" idx="1"/>
+            </p:cNvCxnSpPr>
+            <p:nvPr/>
+          </p:nvCxnSpPr>
+          <p:spPr>
+            <a:xfrm flipH="1">
+              <a:off x="8660" y="2530"/>
+              <a:ext cx="654" cy="3022"/>
+            </a:xfrm>
+            <a:prstGeom prst="line">
+              <a:avLst/>
+            </a:prstGeom>
+            <a:ln>
+              <a:solidFill>
+                <a:schemeClr val="bg1">
+                  <a:lumMod val="65000"/>
+                </a:schemeClr>
+              </a:solidFill>
+            </a:ln>
+          </p:spPr>
+          <p:style>
+            <a:lnRef idx="1">
+              <a:schemeClr val="accent1"/>
+            </a:lnRef>
+            <a:fillRef idx="0">
+              <a:schemeClr val="accent1"/>
+            </a:fillRef>
+            <a:effectRef idx="0">
+              <a:schemeClr val="accent1"/>
+            </a:effectRef>
+            <a:fontRef idx="minor">
+              <a:schemeClr val="tx1"/>
+            </a:fontRef>
+          </p:style>
+        </p:cxnSp>
+        <p:cxnSp>
+          <p:nvCxnSpPr>
+            <p:cNvPr id="92" name="Straight Connector 91"/>
+            <p:cNvCxnSpPr>
+              <a:stCxn id="37" idx="6"/>
+              <a:endCxn id="65" idx="3"/>
+            </p:cNvCxnSpPr>
+            <p:nvPr/>
+          </p:nvCxnSpPr>
+          <p:spPr>
+            <a:xfrm>
+              <a:off x="11109" y="2530"/>
+              <a:ext cx="5438" cy="2095"/>
+            </a:xfrm>
+            <a:prstGeom prst="line">
+              <a:avLst/>
+            </a:prstGeom>
+            <a:ln>
+              <a:solidFill>
+                <a:schemeClr val="bg1">
+                  <a:lumMod val="65000"/>
+                </a:schemeClr>
+              </a:solidFill>
+            </a:ln>
+          </p:spPr>
+          <p:style>
+            <a:lnRef idx="1">
+              <a:schemeClr val="accent1"/>
+            </a:lnRef>
+            <a:fillRef idx="0">
+              <a:schemeClr val="accent1"/>
+            </a:fillRef>
+            <a:effectRef idx="0">
+              <a:schemeClr val="accent1"/>
+            </a:effectRef>
+            <a:fontRef idx="minor">
+              <a:schemeClr val="tx1"/>
+            </a:fontRef>
+          </p:style>
+        </p:cxnSp>
+        <p:grpSp>
+          <p:nvGrpSpPr>
+            <p:cNvPr id="95" name="Group 94"/>
+            <p:cNvGrpSpPr/>
+            <p:nvPr/>
+          </p:nvGrpSpPr>
+          <p:grpSpPr>
+            <a:xfrm rot="0">
+              <a:off x="1870" y="6953"/>
+              <a:ext cx="13186" cy="2351"/>
+              <a:chOff x="2538" y="1796"/>
+              <a:chExt cx="13186" cy="2351"/>
+            </a:xfrm>
+          </p:grpSpPr>
+          <p:sp>
+            <p:nvSpPr>
+              <p:cNvPr id="96" name="Freeform 95"/>
+              <p:cNvSpPr/>
+              <p:nvPr/>
+            </p:nvSpPr>
+            <p:spPr>
+              <a:xfrm>
+                <a:off x="2538" y="2137"/>
+                <a:ext cx="13186" cy="2010"/>
+              </a:xfrm>
+              <a:custGeom>
+                <a:avLst/>
+                <a:gdLst>
+                  <a:gd name="connisteX0" fmla="*/ 2000885 w 8373110"/>
+                  <a:gd name="connsiteY0" fmla="*/ 183515 h 1276350"/>
+                  <a:gd name="connisteX1" fmla="*/ 0 w 8373110"/>
+                  <a:gd name="connsiteY1" fmla="*/ 1276350 h 1276350"/>
+                  <a:gd name="connisteX2" fmla="*/ 6533515 w 8373110"/>
+                  <a:gd name="connsiteY2" fmla="*/ 1276350 h 1276350"/>
+                  <a:gd name="connisteX3" fmla="*/ 8373110 w 8373110"/>
+                  <a:gd name="connsiteY3" fmla="*/ 292100 h 1276350"/>
+                  <a:gd name="connisteX4" fmla="*/ 1817370 w 8373110"/>
+                  <a:gd name="connsiteY4" fmla="*/ 292100 h 1276350"/>
+                  <a:gd name="connisteX5" fmla="*/ 2292985 w 8373110"/>
+                  <a:gd name="connsiteY5" fmla="*/ 32385 h 1276350"/>
+                  <a:gd name="connisteX6" fmla="*/ 2357755 w 8373110"/>
+                  <a:gd name="connsiteY6" fmla="*/ 0 h 1276350"/>
+                </a:gdLst>
+                <a:ahLst/>
+                <a:cxnLst>
+                  <a:cxn ang="0">
+                    <a:pos x="connisteX0" y="connsiteY0"/>
+                  </a:cxn>
+                  <a:cxn ang="0">
+                    <a:pos x="connisteX1" y="connsiteY1"/>
+                  </a:cxn>
+                  <a:cxn ang="0">
+                    <a:pos x="connisteX2" y="connsiteY2"/>
+                  </a:cxn>
+                  <a:cxn ang="0">
+                    <a:pos x="connisteX3" y="connsiteY3"/>
+                  </a:cxn>
+                  <a:cxn ang="0">
+                    <a:pos x="connisteX4" y="connsiteY4"/>
+                  </a:cxn>
+                  <a:cxn ang="0">
+                    <a:pos x="connisteX5" y="connsiteY5"/>
+                  </a:cxn>
+                  <a:cxn ang="0">
+                    <a:pos x="connisteX6" y="connsiteY6"/>
+                  </a:cxn>
+                </a:cxnLst>
+                <a:rect l="l" t="t" r="r" b="b"/>
+                <a:pathLst>
+                  <a:path w="8373110" h="1276350">
+                    <a:moveTo>
+                      <a:pt x="2000885" y="183515"/>
+                    </a:moveTo>
+                    <a:lnTo>
+                      <a:pt x="0" y="1276350"/>
+                    </a:lnTo>
+                    <a:lnTo>
+                      <a:pt x="6533515" y="1276350"/>
+                    </a:lnTo>
+                    <a:lnTo>
+                      <a:pt x="8373110" y="292100"/>
+                    </a:lnTo>
+                    <a:lnTo>
+                      <a:pt x="1817370" y="292100"/>
+                    </a:lnTo>
+                    <a:lnTo>
+                      <a:pt x="2292985" y="32385"/>
+                    </a:lnTo>
+                    <a:lnTo>
+                      <a:pt x="2357755" y="0"/>
+                    </a:lnTo>
+                  </a:path>
+                </a:pathLst>
+              </a:custGeom>
+              <a:noFill/>
+              <a:ln>
+                <a:solidFill>
+                  <a:schemeClr val="tx1"/>
+                </a:solidFill>
+              </a:ln>
+            </p:spPr>
+            <p:style>
+              <a:lnRef idx="2">
+                <a:schemeClr val="accent1">
+                  <a:shade val="50000"/>
+                </a:schemeClr>
+              </a:lnRef>
+              <a:fillRef idx="1">
+                <a:schemeClr val="accent1"/>
+              </a:fillRef>
+              <a:effectRef idx="0">
+                <a:schemeClr val="accent1"/>
+              </a:effectRef>
+              <a:fontRef idx="minor">
+                <a:schemeClr val="lt1"/>
+              </a:fontRef>
+            </p:style>
+            <p:txBody>
+              <a:bodyPr rtlCol="0" anchor="ctr"/>
+              <a:p>
+                <a:pPr algn="ctr"/>
+                <a:endParaRPr lang="en-US"/>
+              </a:p>
+            </p:txBody>
+          </p:sp>
+          <p:sp>
+            <p:nvSpPr>
+              <p:cNvPr id="97" name="Rectangle 96"/>
+              <p:cNvSpPr/>
+              <p:nvPr/>
+            </p:nvSpPr>
+            <p:spPr>
+              <a:xfrm>
+                <a:off x="4803" y="1796"/>
+                <a:ext cx="2300" cy="767"/>
+              </a:xfrm>
+              <a:prstGeom prst="rect">
+                <a:avLst/>
+              </a:prstGeom>
+              <a:ln>
+                <a:solidFill>
+                  <a:schemeClr val="bg1"/>
+                </a:solidFill>
+              </a:ln>
+            </p:spPr>
+            <p:style>
+              <a:lnRef idx="2">
+                <a:schemeClr val="accent6"/>
+              </a:lnRef>
+              <a:fillRef idx="1">
+                <a:schemeClr val="lt1"/>
+              </a:fillRef>
+              <a:effectRef idx="0">
+                <a:schemeClr val="accent6"/>
+              </a:effectRef>
+              <a:fontRef idx="minor">
+                <a:schemeClr val="dk1"/>
+              </a:fontRef>
+            </p:style>
+            <p:txBody>
+              <a:bodyPr rtlCol="0" anchor="ctr"/>
+              <a:p>
+                <a:pPr algn="ctr"/>
+                <a:endParaRPr lang="en-US"/>
+              </a:p>
+            </p:txBody>
+          </p:sp>
+        </p:grpSp>
+        <p:sp>
+          <p:nvSpPr>
+            <p:cNvPr id="98" name="Oval 97"/>
+            <p:cNvSpPr/>
+            <p:nvPr/>
+          </p:nvSpPr>
+          <p:spPr>
+            <a:xfrm>
+              <a:off x="5123" y="7958"/>
+              <a:ext cx="6711" cy="1108"/>
+            </a:xfrm>
+            <a:prstGeom prst="ellipse">
+              <a:avLst/>
+            </a:prstGeom>
+            <a:noFill/>
+            <a:ln>
+              <a:solidFill>
+                <a:schemeClr val="tx1"/>
+              </a:solidFill>
+            </a:ln>
+          </p:spPr>
+          <p:style>
+            <a:lnRef idx="2">
+              <a:schemeClr val="accent1">
+                <a:shade val="50000"/>
+              </a:schemeClr>
+            </a:lnRef>
+            <a:fillRef idx="1">
+              <a:schemeClr val="accent1"/>
+            </a:fillRef>
+            <a:effectRef idx="0">
+              <a:schemeClr val="accent1"/>
+            </a:effectRef>
+            <a:fontRef idx="minor">
+              <a:schemeClr val="lt1"/>
+            </a:fontRef>
+          </p:style>
+          <p:txBody>
+            <a:bodyPr rtlCol="0" anchor="ctr"/>
+            <a:p>
+              <a:pPr algn="ctr"/>
+              <a:endParaRPr lang="en-US"/>
+            </a:p>
+          </p:txBody>
+        </p:sp>
+        <p:sp>
+          <p:nvSpPr>
+            <p:cNvPr id="100" name="Oval 99"/>
+            <p:cNvSpPr/>
+            <p:nvPr/>
+          </p:nvSpPr>
+          <p:spPr>
+            <a:xfrm>
+              <a:off x="7201" y="7809"/>
+              <a:ext cx="341" cy="341"/>
+            </a:xfrm>
+            <a:prstGeom prst="ellipse">
+              <a:avLst/>
+            </a:prstGeom>
+            <a:noFill/>
+            <a:ln>
+              <a:solidFill>
+                <a:schemeClr val="tx1"/>
+              </a:solidFill>
+            </a:ln>
+          </p:spPr>
+          <p:style>
+            <a:lnRef idx="2">
+              <a:schemeClr val="accent1">
+                <a:shade val="50000"/>
+              </a:schemeClr>
+            </a:lnRef>
+            <a:fillRef idx="1">
+              <a:schemeClr val="accent1"/>
+            </a:fillRef>
+            <a:effectRef idx="0">
+              <a:schemeClr val="accent1"/>
+            </a:effectRef>
+            <a:fontRef idx="minor">
+              <a:schemeClr val="lt1"/>
+            </a:fontRef>
+          </p:style>
+          <p:txBody>
+            <a:bodyPr rtlCol="0" anchor="ctr"/>
+            <a:p>
+              <a:pPr algn="ctr"/>
+              <a:endParaRPr lang="en-US"/>
+            </a:p>
+          </p:txBody>
+        </p:sp>
+        <p:sp>
+          <p:nvSpPr>
+            <p:cNvPr id="101" name="Oval 100"/>
+            <p:cNvSpPr/>
+            <p:nvPr/>
+          </p:nvSpPr>
+          <p:spPr>
+            <a:xfrm>
+              <a:off x="5903" y="7916"/>
+              <a:ext cx="341" cy="341"/>
+            </a:xfrm>
+            <a:prstGeom prst="ellipse">
+              <a:avLst/>
+            </a:prstGeom>
+            <a:noFill/>
+            <a:ln>
+              <a:solidFill>
+                <a:schemeClr val="tx1"/>
+              </a:solidFill>
+            </a:ln>
+          </p:spPr>
+          <p:style>
+            <a:lnRef idx="2">
+              <a:schemeClr val="accent1">
+                <a:shade val="50000"/>
+              </a:schemeClr>
+            </a:lnRef>
+            <a:fillRef idx="1">
+              <a:schemeClr val="accent1"/>
+            </a:fillRef>
+            <a:effectRef idx="0">
+              <a:schemeClr val="accent1"/>
+            </a:effectRef>
+            <a:fontRef idx="minor">
+              <a:schemeClr val="lt1"/>
+            </a:fontRef>
+          </p:style>
+          <p:txBody>
+            <a:bodyPr rtlCol="0" anchor="ctr"/>
+            <a:p>
+              <a:pPr algn="ctr"/>
+              <a:endParaRPr lang="en-US"/>
+            </a:p>
+          </p:txBody>
+        </p:sp>
+        <p:sp>
+          <p:nvSpPr>
+            <p:cNvPr id="102" name="Oval 101"/>
+            <p:cNvSpPr/>
+            <p:nvPr/>
+          </p:nvSpPr>
+          <p:spPr>
+            <a:xfrm>
+              <a:off x="8789" y="7792"/>
+              <a:ext cx="341" cy="341"/>
+            </a:xfrm>
+            <a:prstGeom prst="ellipse">
+              <a:avLst/>
+            </a:prstGeom>
+            <a:noFill/>
+            <a:ln>
+              <a:solidFill>
+                <a:schemeClr val="tx1"/>
+              </a:solidFill>
+            </a:ln>
+          </p:spPr>
+          <p:style>
+            <a:lnRef idx="2">
+              <a:schemeClr val="accent1">
+                <a:shade val="50000"/>
+              </a:schemeClr>
+            </a:lnRef>
+            <a:fillRef idx="1">
+              <a:schemeClr val="accent1"/>
+            </a:fillRef>
+            <a:effectRef idx="0">
+              <a:schemeClr val="accent1"/>
+            </a:effectRef>
+            <a:fontRef idx="minor">
+              <a:schemeClr val="lt1"/>
+            </a:fontRef>
+          </p:style>
+          <p:txBody>
+            <a:bodyPr rtlCol="0" anchor="ctr"/>
+            <a:p>
+              <a:pPr algn="ctr"/>
+              <a:endParaRPr lang="en-US"/>
+            </a:p>
+          </p:txBody>
+        </p:sp>
+        <p:sp>
+          <p:nvSpPr>
+            <p:cNvPr id="135" name="Oval 134"/>
+            <p:cNvSpPr/>
+            <p:nvPr/>
+          </p:nvSpPr>
+          <p:spPr>
+            <a:xfrm>
+              <a:off x="10266" y="7916"/>
+              <a:ext cx="341" cy="341"/>
+            </a:xfrm>
+            <a:prstGeom prst="ellipse">
+              <a:avLst/>
+            </a:prstGeom>
+            <a:noFill/>
+            <a:ln>
+              <a:solidFill>
+                <a:schemeClr val="tx1"/>
+              </a:solidFill>
+            </a:ln>
+          </p:spPr>
+          <p:style>
+            <a:lnRef idx="2">
+              <a:schemeClr val="accent1">
+                <a:shade val="50000"/>
+              </a:schemeClr>
+            </a:lnRef>
+            <a:fillRef idx="1">
+              <a:schemeClr val="accent1"/>
+            </a:fillRef>
+            <a:effectRef idx="0">
+              <a:schemeClr val="accent1"/>
+            </a:effectRef>
+            <a:fontRef idx="minor">
+              <a:schemeClr val="lt1"/>
+            </a:fontRef>
+          </p:style>
+          <p:txBody>
+            <a:bodyPr rtlCol="0" anchor="ctr"/>
+            <a:p>
+              <a:pPr algn="ctr"/>
+              <a:endParaRPr lang="en-US"/>
+            </a:p>
+          </p:txBody>
+        </p:sp>
+        <p:sp>
+          <p:nvSpPr>
+            <p:cNvPr id="136" name="Oval 135"/>
+            <p:cNvSpPr/>
+            <p:nvPr/>
+          </p:nvSpPr>
+          <p:spPr>
+            <a:xfrm>
+              <a:off x="11391" y="8116"/>
+              <a:ext cx="341" cy="341"/>
+            </a:xfrm>
+            <a:prstGeom prst="ellipse">
+              <a:avLst/>
+            </a:prstGeom>
+            <a:noFill/>
+            <a:ln>
+              <a:solidFill>
+                <a:schemeClr val="tx1"/>
+              </a:solidFill>
+            </a:ln>
+          </p:spPr>
+          <p:style>
+            <a:lnRef idx="2">
+              <a:schemeClr val="accent1">
+                <a:shade val="50000"/>
+              </a:schemeClr>
+            </a:lnRef>
+            <a:fillRef idx="1">
+              <a:schemeClr val="accent1"/>
+            </a:fillRef>
+            <a:effectRef idx="0">
+              <a:schemeClr val="accent1"/>
+            </a:effectRef>
+            <a:fontRef idx="minor">
+              <a:schemeClr val="lt1"/>
+            </a:fontRef>
+          </p:style>
+          <p:txBody>
+            <a:bodyPr rtlCol="0" anchor="ctr"/>
+            <a:p>
+              <a:pPr algn="ctr"/>
+              <a:endParaRPr lang="en-US"/>
+            </a:p>
+          </p:txBody>
+        </p:sp>
+        <p:sp>
+          <p:nvSpPr>
+            <p:cNvPr id="137" name="Oval 136"/>
+            <p:cNvSpPr/>
+            <p:nvPr/>
+          </p:nvSpPr>
+          <p:spPr>
+            <a:xfrm>
+              <a:off x="10979" y="8716"/>
+              <a:ext cx="341" cy="341"/>
+            </a:xfrm>
+            <a:prstGeom prst="ellipse">
+              <a:avLst/>
+            </a:prstGeom>
+            <a:noFill/>
+            <a:ln>
+              <a:solidFill>
+                <a:schemeClr val="tx1"/>
+              </a:solidFill>
+            </a:ln>
+          </p:spPr>
+          <p:style>
+            <a:lnRef idx="2">
+              <a:schemeClr val="accent1">
+                <a:shade val="50000"/>
+              </a:schemeClr>
+            </a:lnRef>
+            <a:fillRef idx="1">
+              <a:schemeClr val="accent1"/>
+            </a:fillRef>
+            <a:effectRef idx="0">
+              <a:schemeClr val="accent1"/>
+            </a:effectRef>
+            <a:fontRef idx="minor">
+              <a:schemeClr val="lt1"/>
+            </a:fontRef>
+          </p:style>
+          <p:txBody>
+            <a:bodyPr rtlCol="0" anchor="ctr"/>
+            <a:p>
+              <a:pPr algn="ctr"/>
+              <a:endParaRPr lang="en-US"/>
+            </a:p>
+          </p:txBody>
+        </p:sp>
+        <p:sp>
+          <p:nvSpPr>
+            <p:cNvPr id="138" name="Oval 137"/>
+            <p:cNvSpPr/>
+            <p:nvPr/>
+          </p:nvSpPr>
+          <p:spPr>
+            <a:xfrm>
+              <a:off x="10041" y="8848"/>
+              <a:ext cx="341" cy="341"/>
+            </a:xfrm>
+            <a:prstGeom prst="ellipse">
+              <a:avLst/>
+            </a:prstGeom>
+            <a:noFill/>
+            <a:ln>
+              <a:solidFill>
+                <a:schemeClr val="tx1"/>
+              </a:solidFill>
+            </a:ln>
+          </p:spPr>
+          <p:style>
+            <a:lnRef idx="2">
+              <a:schemeClr val="accent1">
+                <a:shade val="50000"/>
+              </a:schemeClr>
+            </a:lnRef>
+            <a:fillRef idx="1">
+              <a:schemeClr val="accent1"/>
+            </a:fillRef>
+            <a:effectRef idx="0">
+              <a:schemeClr val="accent1"/>
+            </a:effectRef>
+            <a:fontRef idx="minor">
+              <a:schemeClr val="lt1"/>
+            </a:fontRef>
+          </p:style>
+          <p:txBody>
+            <a:bodyPr rtlCol="0" anchor="ctr"/>
+            <a:p>
+              <a:pPr algn="ctr"/>
+              <a:endParaRPr lang="en-US"/>
+            </a:p>
+          </p:txBody>
+        </p:sp>
+        <p:sp>
+          <p:nvSpPr>
+            <p:cNvPr id="139" name="Oval 138"/>
+            <p:cNvSpPr/>
+            <p:nvPr/>
+          </p:nvSpPr>
+          <p:spPr>
+            <a:xfrm>
+              <a:off x="8822" y="8865"/>
+              <a:ext cx="341" cy="341"/>
+            </a:xfrm>
+            <a:prstGeom prst="ellipse">
+              <a:avLst/>
+            </a:prstGeom>
+            <a:noFill/>
+            <a:ln>
+              <a:solidFill>
+                <a:schemeClr val="tx1"/>
+              </a:solidFill>
+            </a:ln>
+          </p:spPr>
+          <p:style>
+            <a:lnRef idx="2">
+              <a:schemeClr val="accent1">
+                <a:shade val="50000"/>
+              </a:schemeClr>
+            </a:lnRef>
+            <a:fillRef idx="1">
+              <a:schemeClr val="accent1"/>
+            </a:fillRef>
+            <a:effectRef idx="0">
+              <a:schemeClr val="accent1"/>
+            </a:effectRef>
+            <a:fontRef idx="minor">
+              <a:schemeClr val="lt1"/>
+            </a:fontRef>
+          </p:style>
+          <p:txBody>
+            <a:bodyPr rtlCol="0" anchor="ctr"/>
+            <a:p>
+              <a:pPr algn="ctr"/>
+              <a:endParaRPr lang="en-US"/>
+            </a:p>
+          </p:txBody>
+        </p:sp>
+        <p:sp>
+          <p:nvSpPr>
+            <p:cNvPr id="140" name="Oval 139"/>
+            <p:cNvSpPr/>
+            <p:nvPr/>
+          </p:nvSpPr>
+          <p:spPr>
+            <a:xfrm>
+              <a:off x="7574" y="8848"/>
+              <a:ext cx="341" cy="341"/>
+            </a:xfrm>
+            <a:prstGeom prst="ellipse">
+              <a:avLst/>
+            </a:prstGeom>
+            <a:noFill/>
+            <a:ln>
+              <a:solidFill>
+                <a:schemeClr val="tx1"/>
+              </a:solidFill>
+            </a:ln>
+          </p:spPr>
+          <p:style>
+            <a:lnRef idx="2">
+              <a:schemeClr val="accent1">
+                <a:shade val="50000"/>
+              </a:schemeClr>
+            </a:lnRef>
+            <a:fillRef idx="1">
+              <a:schemeClr val="accent1"/>
+            </a:fillRef>
+            <a:effectRef idx="0">
+              <a:schemeClr val="accent1"/>
+            </a:effectRef>
+            <a:fontRef idx="minor">
+              <a:schemeClr val="lt1"/>
+            </a:fontRef>
+          </p:style>
+          <p:txBody>
+            <a:bodyPr rtlCol="0" anchor="ctr"/>
+            <a:p>
+              <a:pPr algn="ctr"/>
+              <a:endParaRPr lang="en-US"/>
+            </a:p>
+          </p:txBody>
+        </p:sp>
+        <p:sp>
+          <p:nvSpPr>
+            <p:cNvPr id="141" name="Oval 140"/>
+            <p:cNvSpPr/>
+            <p:nvPr/>
+          </p:nvSpPr>
+          <p:spPr>
+            <a:xfrm>
+              <a:off x="6185" y="8725"/>
+              <a:ext cx="341" cy="341"/>
+            </a:xfrm>
+            <a:prstGeom prst="ellipse">
+              <a:avLst/>
+            </a:prstGeom>
+            <a:noFill/>
+            <a:ln>
+              <a:solidFill>
+                <a:schemeClr val="tx1"/>
+              </a:solidFill>
+            </a:ln>
+          </p:spPr>
+          <p:style>
+            <a:lnRef idx="2">
+              <a:schemeClr val="accent1">
+                <a:shade val="50000"/>
+              </a:schemeClr>
+            </a:lnRef>
+            <a:fillRef idx="1">
+              <a:schemeClr val="accent1"/>
+            </a:fillRef>
+            <a:effectRef idx="0">
+              <a:schemeClr val="accent1"/>
+            </a:effectRef>
+            <a:fontRef idx="minor">
+              <a:schemeClr val="lt1"/>
+            </a:fontRef>
+          </p:style>
+          <p:txBody>
+            <a:bodyPr rtlCol="0" anchor="ctr"/>
+            <a:p>
+              <a:pPr algn="ctr"/>
+              <a:endParaRPr lang="en-US"/>
+            </a:p>
+          </p:txBody>
+        </p:sp>
+        <p:sp>
+          <p:nvSpPr>
+            <p:cNvPr id="142" name="Oval 141"/>
+            <p:cNvSpPr/>
+            <p:nvPr/>
+          </p:nvSpPr>
+          <p:spPr>
+            <a:xfrm>
+              <a:off x="4990" y="8384"/>
+              <a:ext cx="341" cy="341"/>
+            </a:xfrm>
+            <a:prstGeom prst="ellipse">
+              <a:avLst/>
+            </a:prstGeom>
+            <a:noFill/>
+            <a:ln>
+              <a:solidFill>
+                <a:schemeClr val="tx1"/>
+              </a:solidFill>
+            </a:ln>
+          </p:spPr>
+          <p:style>
+            <a:lnRef idx="2">
+              <a:schemeClr val="accent1">
+                <a:shade val="50000"/>
+              </a:schemeClr>
+            </a:lnRef>
+            <a:fillRef idx="1">
+              <a:schemeClr val="accent1"/>
+            </a:fillRef>
+            <a:effectRef idx="0">
+              <a:schemeClr val="accent1"/>
+            </a:effectRef>
+            <a:fontRef idx="minor">
+              <a:schemeClr val="lt1"/>
+            </a:fontRef>
+          </p:style>
+          <p:txBody>
+            <a:bodyPr rtlCol="0" anchor="ctr"/>
+            <a:p>
+              <a:pPr algn="ctr"/>
+              <a:endParaRPr lang="en-US"/>
+            </a:p>
+          </p:txBody>
+        </p:sp>
+        <p:cxnSp>
+          <p:nvCxnSpPr>
+            <p:cNvPr id="143" name="Straight Connector 142"/>
+            <p:cNvCxnSpPr>
+              <a:stCxn id="61" idx="2"/>
+              <a:endCxn id="96" idx="1"/>
+            </p:cNvCxnSpPr>
+            <p:nvPr/>
+          </p:nvCxnSpPr>
+          <p:spPr>
+            <a:xfrm flipH="1">
+              <a:off x="1870" y="5370"/>
+              <a:ext cx="2355" cy="3934"/>
+            </a:xfrm>
+            <a:prstGeom prst="line">
+              <a:avLst/>
+            </a:prstGeom>
+            <a:ln>
+              <a:solidFill>
+                <a:schemeClr val="bg1">
+                  <a:lumMod val="65000"/>
+                </a:schemeClr>
+              </a:solidFill>
+            </a:ln>
+          </p:spPr>
+          <p:style>
+            <a:lnRef idx="1">
+              <a:schemeClr val="accent1"/>
+            </a:lnRef>
+            <a:fillRef idx="0">
+              <a:schemeClr val="accent1"/>
+            </a:fillRef>
+            <a:effectRef idx="0">
+              <a:schemeClr val="accent1"/>
+            </a:effectRef>
+            <a:fontRef idx="minor">
+              <a:schemeClr val="tx1"/>
+            </a:fontRef>
+          </p:style>
+        </p:cxnSp>
+        <p:cxnSp>
+          <p:nvCxnSpPr>
+            <p:cNvPr id="144" name="Straight Connector 143"/>
+            <p:cNvCxnSpPr>
+              <a:stCxn id="61" idx="6"/>
+              <a:endCxn id="96" idx="3"/>
+            </p:cNvCxnSpPr>
+            <p:nvPr/>
+          </p:nvCxnSpPr>
+          <p:spPr>
+            <a:xfrm>
+              <a:off x="5299" y="5370"/>
+              <a:ext cx="9757" cy="2384"/>
+            </a:xfrm>
+            <a:prstGeom prst="line">
+              <a:avLst/>
+            </a:prstGeom>
+            <a:ln>
+              <a:solidFill>
+                <a:schemeClr val="bg1">
+                  <a:lumMod val="65000"/>
+                </a:schemeClr>
+              </a:solidFill>
+            </a:ln>
+          </p:spPr>
+          <p:style>
+            <a:lnRef idx="1">
+              <a:schemeClr val="accent1"/>
+            </a:lnRef>
+            <a:fillRef idx="0">
+              <a:schemeClr val="accent1"/>
+            </a:fillRef>
+            <a:effectRef idx="0">
+              <a:schemeClr val="accent1"/>
+            </a:effectRef>
+            <a:fontRef idx="minor">
+              <a:schemeClr val="tx1"/>
+            </a:fontRef>
+          </p:style>
+        </p:cxnSp>
+      </p:grpSp>
+    </p:spTree>
+  </p:cSld>
+  <p:clrMapOvr>
+    <a:masterClrMapping/>
+  </p:clrMapOvr>
+</p:sld>
+</file>
+
+<file path=ppt/slides/slide3.xml><?xml version="1.0" encoding="utf-8"?>
+<p:sld xmlns:a="http://schemas.openxmlformats.org/drawingml/2006/main" xmlns:r="http://schemas.openxmlformats.org/officeDocument/2006/relationships" xmlns:p="http://schemas.openxmlformats.org/presentationml/2006/main">
+  <p:cSld>
+    <p:spTree>
+      <p:nvGrpSpPr>
+        <p:cNvPr id="1" name=""/>
+        <p:cNvGrpSpPr/>
+        <p:nvPr/>
+      </p:nvGrpSpPr>
       <p:grpSpPr>
         <a:xfrm>
           <a:off x="0" y="0"/>
@@ -16879,7 +20884,7 @@
 </p:sld>
 </file>
 
-<file path=ppt/slides/slide3.xml><?xml version="1.0" encoding="utf-8"?>
+<file path=ppt/slides/slide4.xml><?xml version="1.0" encoding="utf-8"?>
 <p:sld xmlns:a="http://schemas.openxmlformats.org/drawingml/2006/main" xmlns:r="http://schemas.openxmlformats.org/officeDocument/2006/relationships" xmlns:p="http://schemas.openxmlformats.org/presentationml/2006/main">
   <p:cSld>
     <p:spTree>
@@ -19047,7 +23052,7 @@
 </p:sld>
 </file>
 
-<file path=ppt/slides/slide4.xml><?xml version="1.0" encoding="utf-8"?>
+<file path=ppt/slides/slide5.xml><?xml version="1.0" encoding="utf-8"?>
 <p:sld xmlns:a="http://schemas.openxmlformats.org/drawingml/2006/main" xmlns:r="http://schemas.openxmlformats.org/officeDocument/2006/relationships" xmlns:p="http://schemas.openxmlformats.org/presentationml/2006/main">
   <p:cSld>
     <p:spTree>
@@ -26160,7 +30165,7 @@
 </p:sld>
 </file>
 
-<file path=ppt/slides/slide5.xml><?xml version="1.0" encoding="utf-8"?>
+<file path=ppt/slides/slide6.xml><?xml version="1.0" encoding="utf-8"?>
 <p:sld xmlns:a="http://schemas.openxmlformats.org/drawingml/2006/main" xmlns:r="http://schemas.openxmlformats.org/officeDocument/2006/relationships" xmlns:p="http://schemas.openxmlformats.org/presentationml/2006/main">
   <p:cSld>
     <p:spTree>
@@ -27678,7 +31683,7 @@
 </p:sld>
 </file>
 
-<file path=ppt/slides/slide6.xml><?xml version="1.0" encoding="utf-8"?>
+<file path=ppt/slides/slide7.xml><?xml version="1.0" encoding="utf-8"?>
 <p:sld xmlns:a="http://schemas.openxmlformats.org/drawingml/2006/main" xmlns:r="http://schemas.openxmlformats.org/officeDocument/2006/relationships" xmlns:p="http://schemas.openxmlformats.org/presentationml/2006/main">
   <p:cSld>
     <p:spTree>
@@ -29827,7 +33832,7 @@
 </p:sld>
 </file>
 
-<file path=ppt/slides/slide7.xml><?xml version="1.0" encoding="utf-8"?>
+<file path=ppt/slides/slide8.xml><?xml version="1.0" encoding="utf-8"?>
 <p:sld xmlns:a="http://schemas.openxmlformats.org/drawingml/2006/main" xmlns:r="http://schemas.openxmlformats.org/officeDocument/2006/relationships" xmlns:p="http://schemas.openxmlformats.org/presentationml/2006/main">
   <p:cSld>
     <p:spTree>
@@ -30548,4011 +34553,6 @@
             </a:p>
           </p:txBody>
         </p:sp>
-      </p:grpSp>
-    </p:spTree>
-  </p:cSld>
-  <p:clrMapOvr>
-    <a:masterClrMapping/>
-  </p:clrMapOvr>
-</p:sld>
-</file>
-
-<file path=ppt/slides/slide8.xml><?xml version="1.0" encoding="utf-8"?>
-<p:sld xmlns:a="http://schemas.openxmlformats.org/drawingml/2006/main" xmlns:r="http://schemas.openxmlformats.org/officeDocument/2006/relationships" xmlns:p="http://schemas.openxmlformats.org/presentationml/2006/main">
-  <p:cSld>
-    <p:spTree>
-      <p:nvGrpSpPr>
-        <p:cNvPr id="1" name=""/>
-        <p:cNvGrpSpPr/>
-        <p:nvPr/>
-      </p:nvGrpSpPr>
-      <p:grpSpPr/>
-      <p:grpSp>
-        <p:nvGrpSpPr>
-          <p:cNvPr id="145" name="Group 144"/>
-          <p:cNvGrpSpPr/>
-          <p:nvPr/>
-        </p:nvGrpSpPr>
-        <p:grpSpPr>
-          <a:xfrm>
-            <a:off x="180340" y="307340"/>
-            <a:ext cx="10327005" cy="5600700"/>
-            <a:chOff x="284" y="484"/>
-            <a:chExt cx="16263" cy="8820"/>
-          </a:xfrm>
-        </p:grpSpPr>
-        <p:grpSp>
-          <p:nvGrpSpPr>
-            <p:cNvPr id="93" name="Group 92"/>
-            <p:cNvGrpSpPr/>
-            <p:nvPr/>
-          </p:nvGrpSpPr>
-          <p:grpSpPr>
-            <a:xfrm>
-              <a:off x="2725" y="484"/>
-              <a:ext cx="13186" cy="2362"/>
-              <a:chOff x="2725" y="484"/>
-              <a:chExt cx="13186" cy="2362"/>
-            </a:xfrm>
-          </p:grpSpPr>
-          <p:grpSp>
-            <p:nvGrpSpPr>
-              <p:cNvPr id="9" name="Group 8"/>
-              <p:cNvGrpSpPr/>
-              <p:nvPr/>
-            </p:nvGrpSpPr>
-            <p:grpSpPr>
-              <a:xfrm>
-                <a:off x="2725" y="484"/>
-                <a:ext cx="13186" cy="2351"/>
-                <a:chOff x="2538" y="1796"/>
-                <a:chExt cx="13186" cy="2351"/>
-              </a:xfrm>
-            </p:grpSpPr>
-            <p:sp>
-              <p:nvSpPr>
-                <p:cNvPr id="7" name="Freeform 6"/>
-                <p:cNvSpPr/>
-                <p:nvPr/>
-              </p:nvSpPr>
-              <p:spPr>
-                <a:xfrm>
-                  <a:off x="2538" y="2137"/>
-                  <a:ext cx="13186" cy="2010"/>
-                </a:xfrm>
-                <a:custGeom>
-                  <a:avLst/>
-                  <a:gdLst>
-                    <a:gd name="connisteX0" fmla="*/ 2000885 w 8373110"/>
-                    <a:gd name="connsiteY0" fmla="*/ 183515 h 1276350"/>
-                    <a:gd name="connisteX1" fmla="*/ 0 w 8373110"/>
-                    <a:gd name="connsiteY1" fmla="*/ 1276350 h 1276350"/>
-                    <a:gd name="connisteX2" fmla="*/ 6533515 w 8373110"/>
-                    <a:gd name="connsiteY2" fmla="*/ 1276350 h 1276350"/>
-                    <a:gd name="connisteX3" fmla="*/ 8373110 w 8373110"/>
-                    <a:gd name="connsiteY3" fmla="*/ 292100 h 1276350"/>
-                    <a:gd name="connisteX4" fmla="*/ 1817370 w 8373110"/>
-                    <a:gd name="connsiteY4" fmla="*/ 292100 h 1276350"/>
-                    <a:gd name="connisteX5" fmla="*/ 2292985 w 8373110"/>
-                    <a:gd name="connsiteY5" fmla="*/ 32385 h 1276350"/>
-                    <a:gd name="connisteX6" fmla="*/ 2357755 w 8373110"/>
-                    <a:gd name="connsiteY6" fmla="*/ 0 h 1276350"/>
-                  </a:gdLst>
-                  <a:ahLst/>
-                  <a:cxnLst>
-                    <a:cxn ang="0">
-                      <a:pos x="connisteX0" y="connsiteY0"/>
-                    </a:cxn>
-                    <a:cxn ang="0">
-                      <a:pos x="connisteX1" y="connsiteY1"/>
-                    </a:cxn>
-                    <a:cxn ang="0">
-                      <a:pos x="connisteX2" y="connsiteY2"/>
-                    </a:cxn>
-                    <a:cxn ang="0">
-                      <a:pos x="connisteX3" y="connsiteY3"/>
-                    </a:cxn>
-                    <a:cxn ang="0">
-                      <a:pos x="connisteX4" y="connsiteY4"/>
-                    </a:cxn>
-                    <a:cxn ang="0">
-                      <a:pos x="connisteX5" y="connsiteY5"/>
-                    </a:cxn>
-                    <a:cxn ang="0">
-                      <a:pos x="connisteX6" y="connsiteY6"/>
-                    </a:cxn>
-                  </a:cxnLst>
-                  <a:rect l="l" t="t" r="r" b="b"/>
-                  <a:pathLst>
-                    <a:path w="8373110" h="1276350">
-                      <a:moveTo>
-                        <a:pt x="2000885" y="183515"/>
-                      </a:moveTo>
-                      <a:lnTo>
-                        <a:pt x="0" y="1276350"/>
-                      </a:lnTo>
-                      <a:lnTo>
-                        <a:pt x="6533515" y="1276350"/>
-                      </a:lnTo>
-                      <a:lnTo>
-                        <a:pt x="8373110" y="292100"/>
-                      </a:lnTo>
-                      <a:lnTo>
-                        <a:pt x="1817370" y="292100"/>
-                      </a:lnTo>
-                      <a:lnTo>
-                        <a:pt x="2292985" y="32385"/>
-                      </a:lnTo>
-                      <a:lnTo>
-                        <a:pt x="2357755" y="0"/>
-                      </a:lnTo>
-                    </a:path>
-                  </a:pathLst>
-                </a:custGeom>
-                <a:noFill/>
-                <a:ln>
-                  <a:solidFill>
-                    <a:schemeClr val="tx1"/>
-                  </a:solidFill>
-                </a:ln>
-              </p:spPr>
-              <p:style>
-                <a:lnRef idx="2">
-                  <a:schemeClr val="accent1">
-                    <a:shade val="50000"/>
-                  </a:schemeClr>
-                </a:lnRef>
-                <a:fillRef idx="1">
-                  <a:schemeClr val="accent1"/>
-                </a:fillRef>
-                <a:effectRef idx="0">
-                  <a:schemeClr val="accent1"/>
-                </a:effectRef>
-                <a:fontRef idx="minor">
-                  <a:schemeClr val="lt1"/>
-                </a:fontRef>
-              </p:style>
-              <p:txBody>
-                <a:bodyPr rtlCol="0" anchor="ctr"/>
-                <a:p>
-                  <a:pPr algn="ctr"/>
-                  <a:endParaRPr lang="en-US"/>
-                </a:p>
-              </p:txBody>
-            </p:sp>
-            <p:sp>
-              <p:nvSpPr>
-                <p:cNvPr id="8" name="Rectangle 7"/>
-                <p:cNvSpPr/>
-                <p:nvPr/>
-              </p:nvSpPr>
-              <p:spPr>
-                <a:xfrm>
-                  <a:off x="4803" y="1796"/>
-                  <a:ext cx="2300" cy="767"/>
-                </a:xfrm>
-                <a:prstGeom prst="rect">
-                  <a:avLst/>
-                </a:prstGeom>
-                <a:ln>
-                  <a:solidFill>
-                    <a:schemeClr val="bg1"/>
-                  </a:solidFill>
-                </a:ln>
-              </p:spPr>
-              <p:style>
-                <a:lnRef idx="2">
-                  <a:schemeClr val="accent6"/>
-                </a:lnRef>
-                <a:fillRef idx="1">
-                  <a:schemeClr val="lt1"/>
-                </a:fillRef>
-                <a:effectRef idx="0">
-                  <a:schemeClr val="accent6"/>
-                </a:effectRef>
-                <a:fontRef idx="minor">
-                  <a:schemeClr val="dk1"/>
-                </a:fontRef>
-              </p:style>
-              <p:txBody>
-                <a:bodyPr rtlCol="0" anchor="ctr"/>
-                <a:p>
-                  <a:pPr algn="ctr"/>
-                  <a:endParaRPr lang="en-US"/>
-                </a:p>
-              </p:txBody>
-            </p:sp>
-          </p:grpSp>
-          <p:sp>
-            <p:nvSpPr>
-              <p:cNvPr id="2" name="Oval 1"/>
-              <p:cNvSpPr/>
-              <p:nvPr/>
-            </p:nvSpPr>
-            <p:spPr>
-              <a:xfrm>
-                <a:off x="5978" y="1489"/>
-                <a:ext cx="6711" cy="1108"/>
-              </a:xfrm>
-              <a:prstGeom prst="ellipse">
-                <a:avLst/>
-              </a:prstGeom>
-              <a:noFill/>
-              <a:ln>
-                <a:solidFill>
-                  <a:schemeClr val="tx1"/>
-                </a:solidFill>
-              </a:ln>
-            </p:spPr>
-            <p:style>
-              <a:lnRef idx="2">
-                <a:schemeClr val="accent1">
-                  <a:shade val="50000"/>
-                </a:schemeClr>
-              </a:lnRef>
-              <a:fillRef idx="1">
-                <a:schemeClr val="accent1"/>
-              </a:fillRef>
-              <a:effectRef idx="0">
-                <a:schemeClr val="accent1"/>
-              </a:effectRef>
-              <a:fontRef idx="minor">
-                <a:schemeClr val="lt1"/>
-              </a:fontRef>
-            </p:style>
-            <p:txBody>
-              <a:bodyPr rtlCol="0" anchor="ctr"/>
-              <a:p>
-                <a:pPr algn="ctr"/>
-                <a:endParaRPr lang="en-US"/>
-              </a:p>
-            </p:txBody>
-          </p:sp>
-          <p:grpSp>
-            <p:nvGrpSpPr>
-              <p:cNvPr id="22" name="Group 21"/>
-              <p:cNvGrpSpPr/>
-              <p:nvPr/>
-            </p:nvGrpSpPr>
-            <p:grpSpPr>
-              <a:xfrm>
-                <a:off x="5377" y="1970"/>
-                <a:ext cx="1794" cy="681"/>
-                <a:chOff x="2829" y="5587"/>
-                <a:chExt cx="1794" cy="681"/>
-              </a:xfrm>
-            </p:grpSpPr>
-            <p:sp>
-              <p:nvSpPr>
-                <p:cNvPr id="4" name="Oval 3"/>
-                <p:cNvSpPr/>
-                <p:nvPr/>
-              </p:nvSpPr>
-              <p:spPr>
-                <a:xfrm>
-                  <a:off x="2975" y="5928"/>
-                  <a:ext cx="341" cy="341"/>
-                </a:xfrm>
-                <a:prstGeom prst="ellipse">
-                  <a:avLst/>
-                </a:prstGeom>
-                <a:noFill/>
-                <a:ln>
-                  <a:solidFill>
-                    <a:schemeClr val="tx1"/>
-                  </a:solidFill>
-                </a:ln>
-              </p:spPr>
-              <p:style>
-                <a:lnRef idx="2">
-                  <a:schemeClr val="accent1">
-                    <a:shade val="50000"/>
-                  </a:schemeClr>
-                </a:lnRef>
-                <a:fillRef idx="1">
-                  <a:schemeClr val="accent1"/>
-                </a:fillRef>
-                <a:effectRef idx="0">
-                  <a:schemeClr val="accent1"/>
-                </a:effectRef>
-                <a:fontRef idx="minor">
-                  <a:schemeClr val="lt1"/>
-                </a:fontRef>
-              </p:style>
-              <p:txBody>
-                <a:bodyPr rtlCol="0" anchor="ctr"/>
-                <a:p>
-                  <a:pPr algn="ctr"/>
-                  <a:endParaRPr lang="en-US"/>
-                </a:p>
-              </p:txBody>
-            </p:sp>
-            <p:sp>
-              <p:nvSpPr>
-                <p:cNvPr id="5" name="Oval 4"/>
-                <p:cNvSpPr/>
-                <p:nvPr/>
-              </p:nvSpPr>
-              <p:spPr>
-                <a:xfrm>
-                  <a:off x="3316" y="5587"/>
-                  <a:ext cx="341" cy="341"/>
-                </a:xfrm>
-                <a:prstGeom prst="ellipse">
-                  <a:avLst/>
-                </a:prstGeom>
-                <a:noFill/>
-                <a:ln>
-                  <a:solidFill>
-                    <a:schemeClr val="tx1"/>
-                  </a:solidFill>
-                </a:ln>
-              </p:spPr>
-              <p:style>
-                <a:lnRef idx="2">
-                  <a:schemeClr val="accent1">
-                    <a:shade val="50000"/>
-                  </a:schemeClr>
-                </a:lnRef>
-                <a:fillRef idx="1">
-                  <a:schemeClr val="accent1"/>
-                </a:fillRef>
-                <a:effectRef idx="0">
-                  <a:schemeClr val="accent1"/>
-                </a:effectRef>
-                <a:fontRef idx="minor">
-                  <a:schemeClr val="lt1"/>
-                </a:fontRef>
-              </p:style>
-              <p:txBody>
-                <a:bodyPr rtlCol="0" anchor="ctr"/>
-                <a:p>
-                  <a:pPr algn="ctr"/>
-                  <a:endParaRPr lang="en-US"/>
-                </a:p>
-              </p:txBody>
-            </p:sp>
-            <p:sp>
-              <p:nvSpPr>
-                <p:cNvPr id="6" name="Oval 5"/>
-                <p:cNvSpPr/>
-                <p:nvPr/>
-              </p:nvSpPr>
-              <p:spPr>
-                <a:xfrm>
-                  <a:off x="4283" y="5928"/>
-                  <a:ext cx="341" cy="341"/>
-                </a:xfrm>
-                <a:prstGeom prst="ellipse">
-                  <a:avLst/>
-                </a:prstGeom>
-                <a:noFill/>
-                <a:ln>
-                  <a:solidFill>
-                    <a:schemeClr val="tx1"/>
-                  </a:solidFill>
-                </a:ln>
-              </p:spPr>
-              <p:style>
-                <a:lnRef idx="2">
-                  <a:schemeClr val="accent1">
-                    <a:shade val="50000"/>
-                  </a:schemeClr>
-                </a:lnRef>
-                <a:fillRef idx="1">
-                  <a:schemeClr val="accent1"/>
-                </a:fillRef>
-                <a:effectRef idx="0">
-                  <a:schemeClr val="accent1"/>
-                </a:effectRef>
-                <a:fontRef idx="minor">
-                  <a:schemeClr val="lt1"/>
-                </a:fontRef>
-              </p:style>
-              <p:txBody>
-                <a:bodyPr rtlCol="0" anchor="ctr"/>
-                <a:p>
-                  <a:pPr algn="ctr"/>
-                  <a:endParaRPr lang="en-US"/>
-                </a:p>
-              </p:txBody>
-            </p:sp>
-            <p:sp>
-              <p:nvSpPr>
-                <p:cNvPr id="21" name="Oval 20"/>
-                <p:cNvSpPr/>
-                <p:nvPr/>
-              </p:nvSpPr>
-              <p:spPr>
-                <a:xfrm>
-                  <a:off x="2829" y="5782"/>
-                  <a:ext cx="1795" cy="340"/>
-                </a:xfrm>
-                <a:prstGeom prst="ellipse">
-                  <a:avLst/>
-                </a:prstGeom>
-                <a:noFill/>
-                <a:ln>
-                  <a:solidFill>
-                    <a:schemeClr val="tx1"/>
-                  </a:solidFill>
-                </a:ln>
-              </p:spPr>
-              <p:style>
-                <a:lnRef idx="2">
-                  <a:schemeClr val="accent1">
-                    <a:shade val="50000"/>
-                  </a:schemeClr>
-                </a:lnRef>
-                <a:fillRef idx="1">
-                  <a:schemeClr val="accent1"/>
-                </a:fillRef>
-                <a:effectRef idx="0">
-                  <a:schemeClr val="accent1"/>
-                </a:effectRef>
-                <a:fontRef idx="minor">
-                  <a:schemeClr val="lt1"/>
-                </a:fontRef>
-              </p:style>
-              <p:txBody>
-                <a:bodyPr rtlCol="0" anchor="ctr"/>
-                <a:p>
-                  <a:pPr algn="ctr"/>
-                  <a:endParaRPr lang="en-US"/>
-                </a:p>
-              </p:txBody>
-            </p:sp>
-          </p:grpSp>
-          <p:grpSp>
-            <p:nvGrpSpPr>
-              <p:cNvPr id="23" name="Group 22"/>
-              <p:cNvGrpSpPr/>
-              <p:nvPr/>
-            </p:nvGrpSpPr>
-            <p:grpSpPr>
-              <a:xfrm>
-                <a:off x="10795" y="1294"/>
-                <a:ext cx="1794" cy="681"/>
-                <a:chOff x="2829" y="5587"/>
-                <a:chExt cx="1794" cy="681"/>
-              </a:xfrm>
-            </p:grpSpPr>
-            <p:sp>
-              <p:nvSpPr>
-                <p:cNvPr id="24" name="Oval 23"/>
-                <p:cNvSpPr/>
-                <p:nvPr/>
-              </p:nvSpPr>
-              <p:spPr>
-                <a:xfrm>
-                  <a:off x="2975" y="5928"/>
-                  <a:ext cx="341" cy="341"/>
-                </a:xfrm>
-                <a:prstGeom prst="ellipse">
-                  <a:avLst/>
-                </a:prstGeom>
-                <a:noFill/>
-                <a:ln>
-                  <a:solidFill>
-                    <a:schemeClr val="tx1"/>
-                  </a:solidFill>
-                </a:ln>
-              </p:spPr>
-              <p:style>
-                <a:lnRef idx="2">
-                  <a:schemeClr val="accent1">
-                    <a:shade val="50000"/>
-                  </a:schemeClr>
-                </a:lnRef>
-                <a:fillRef idx="1">
-                  <a:schemeClr val="accent1"/>
-                </a:fillRef>
-                <a:effectRef idx="0">
-                  <a:schemeClr val="accent1"/>
-                </a:effectRef>
-                <a:fontRef idx="minor">
-                  <a:schemeClr val="lt1"/>
-                </a:fontRef>
-              </p:style>
-              <p:txBody>
-                <a:bodyPr rtlCol="0" anchor="ctr"/>
-                <a:p>
-                  <a:pPr algn="ctr"/>
-                  <a:endParaRPr lang="en-US"/>
-                </a:p>
-              </p:txBody>
-            </p:sp>
-            <p:sp>
-              <p:nvSpPr>
-                <p:cNvPr id="25" name="Oval 24"/>
-                <p:cNvSpPr/>
-                <p:nvPr/>
-              </p:nvSpPr>
-              <p:spPr>
-                <a:xfrm>
-                  <a:off x="3316" y="5587"/>
-                  <a:ext cx="341" cy="341"/>
-                </a:xfrm>
-                <a:prstGeom prst="ellipse">
-                  <a:avLst/>
-                </a:prstGeom>
-                <a:noFill/>
-                <a:ln>
-                  <a:solidFill>
-                    <a:schemeClr val="tx1"/>
-                  </a:solidFill>
-                </a:ln>
-              </p:spPr>
-              <p:style>
-                <a:lnRef idx="2">
-                  <a:schemeClr val="accent1">
-                    <a:shade val="50000"/>
-                  </a:schemeClr>
-                </a:lnRef>
-                <a:fillRef idx="1">
-                  <a:schemeClr val="accent1"/>
-                </a:fillRef>
-                <a:effectRef idx="0">
-                  <a:schemeClr val="accent1"/>
-                </a:effectRef>
-                <a:fontRef idx="minor">
-                  <a:schemeClr val="lt1"/>
-                </a:fontRef>
-              </p:style>
-              <p:txBody>
-                <a:bodyPr rtlCol="0" anchor="ctr"/>
-                <a:p>
-                  <a:pPr algn="ctr"/>
-                  <a:endParaRPr lang="en-US"/>
-                </a:p>
-              </p:txBody>
-            </p:sp>
-            <p:sp>
-              <p:nvSpPr>
-                <p:cNvPr id="26" name="Oval 25"/>
-                <p:cNvSpPr/>
-                <p:nvPr/>
-              </p:nvSpPr>
-              <p:spPr>
-                <a:xfrm>
-                  <a:off x="4283" y="5928"/>
-                  <a:ext cx="341" cy="341"/>
-                </a:xfrm>
-                <a:prstGeom prst="ellipse">
-                  <a:avLst/>
-                </a:prstGeom>
-                <a:noFill/>
-                <a:ln>
-                  <a:solidFill>
-                    <a:schemeClr val="tx1"/>
-                  </a:solidFill>
-                </a:ln>
-              </p:spPr>
-              <p:style>
-                <a:lnRef idx="2">
-                  <a:schemeClr val="accent1">
-                    <a:shade val="50000"/>
-                  </a:schemeClr>
-                </a:lnRef>
-                <a:fillRef idx="1">
-                  <a:schemeClr val="accent1"/>
-                </a:fillRef>
-                <a:effectRef idx="0">
-                  <a:schemeClr val="accent1"/>
-                </a:effectRef>
-                <a:fontRef idx="minor">
-                  <a:schemeClr val="lt1"/>
-                </a:fontRef>
-              </p:style>
-              <p:txBody>
-                <a:bodyPr rtlCol="0" anchor="ctr"/>
-                <a:p>
-                  <a:pPr algn="ctr"/>
-                  <a:endParaRPr lang="en-US"/>
-                </a:p>
-              </p:txBody>
-            </p:sp>
-            <p:sp>
-              <p:nvSpPr>
-                <p:cNvPr id="27" name="Oval 26"/>
-                <p:cNvSpPr/>
-                <p:nvPr/>
-              </p:nvSpPr>
-              <p:spPr>
-                <a:xfrm>
-                  <a:off x="2829" y="5782"/>
-                  <a:ext cx="1795" cy="340"/>
-                </a:xfrm>
-                <a:prstGeom prst="ellipse">
-                  <a:avLst/>
-                </a:prstGeom>
-                <a:noFill/>
-                <a:ln>
-                  <a:solidFill>
-                    <a:schemeClr val="tx1"/>
-                  </a:solidFill>
-                </a:ln>
-              </p:spPr>
-              <p:style>
-                <a:lnRef idx="2">
-                  <a:schemeClr val="accent1">
-                    <a:shade val="50000"/>
-                  </a:schemeClr>
-                </a:lnRef>
-                <a:fillRef idx="1">
-                  <a:schemeClr val="accent1"/>
-                </a:fillRef>
-                <a:effectRef idx="0">
-                  <a:schemeClr val="accent1"/>
-                </a:effectRef>
-                <a:fontRef idx="minor">
-                  <a:schemeClr val="lt1"/>
-                </a:fontRef>
-              </p:style>
-              <p:txBody>
-                <a:bodyPr rtlCol="0" anchor="ctr"/>
-                <a:p>
-                  <a:pPr algn="ctr"/>
-                  <a:endParaRPr lang="en-US"/>
-                </a:p>
-              </p:txBody>
-            </p:sp>
-          </p:grpSp>
-          <p:grpSp>
-            <p:nvGrpSpPr>
-              <p:cNvPr id="28" name="Group 27"/>
-              <p:cNvGrpSpPr/>
-              <p:nvPr/>
-            </p:nvGrpSpPr>
-            <p:grpSpPr>
-              <a:xfrm>
-                <a:off x="6865" y="1143"/>
-                <a:ext cx="1794" cy="681"/>
-                <a:chOff x="2829" y="5587"/>
-                <a:chExt cx="1794" cy="681"/>
-              </a:xfrm>
-            </p:grpSpPr>
-            <p:sp>
-              <p:nvSpPr>
-                <p:cNvPr id="29" name="Oval 28"/>
-                <p:cNvSpPr/>
-                <p:nvPr/>
-              </p:nvSpPr>
-              <p:spPr>
-                <a:xfrm>
-                  <a:off x="2975" y="5928"/>
-                  <a:ext cx="341" cy="341"/>
-                </a:xfrm>
-                <a:prstGeom prst="ellipse">
-                  <a:avLst/>
-                </a:prstGeom>
-                <a:noFill/>
-                <a:ln>
-                  <a:solidFill>
-                    <a:schemeClr val="tx1"/>
-                  </a:solidFill>
-                </a:ln>
-              </p:spPr>
-              <p:style>
-                <a:lnRef idx="2">
-                  <a:schemeClr val="accent1">
-                    <a:shade val="50000"/>
-                  </a:schemeClr>
-                </a:lnRef>
-                <a:fillRef idx="1">
-                  <a:schemeClr val="accent1"/>
-                </a:fillRef>
-                <a:effectRef idx="0">
-                  <a:schemeClr val="accent1"/>
-                </a:effectRef>
-                <a:fontRef idx="minor">
-                  <a:schemeClr val="lt1"/>
-                </a:fontRef>
-              </p:style>
-              <p:txBody>
-                <a:bodyPr rtlCol="0" anchor="ctr"/>
-                <a:p>
-                  <a:pPr algn="ctr"/>
-                  <a:endParaRPr lang="en-US"/>
-                </a:p>
-              </p:txBody>
-            </p:sp>
-            <p:sp>
-              <p:nvSpPr>
-                <p:cNvPr id="30" name="Oval 29"/>
-                <p:cNvSpPr/>
-                <p:nvPr/>
-              </p:nvSpPr>
-              <p:spPr>
-                <a:xfrm>
-                  <a:off x="3316" y="5587"/>
-                  <a:ext cx="341" cy="341"/>
-                </a:xfrm>
-                <a:prstGeom prst="ellipse">
-                  <a:avLst/>
-                </a:prstGeom>
-                <a:noFill/>
-                <a:ln>
-                  <a:solidFill>
-                    <a:schemeClr val="tx1"/>
-                  </a:solidFill>
-                </a:ln>
-              </p:spPr>
-              <p:style>
-                <a:lnRef idx="2">
-                  <a:schemeClr val="accent1">
-                    <a:shade val="50000"/>
-                  </a:schemeClr>
-                </a:lnRef>
-                <a:fillRef idx="1">
-                  <a:schemeClr val="accent1"/>
-                </a:fillRef>
-                <a:effectRef idx="0">
-                  <a:schemeClr val="accent1"/>
-                </a:effectRef>
-                <a:fontRef idx="minor">
-                  <a:schemeClr val="lt1"/>
-                </a:fontRef>
-              </p:style>
-              <p:txBody>
-                <a:bodyPr rtlCol="0" anchor="ctr"/>
-                <a:p>
-                  <a:pPr algn="ctr"/>
-                  <a:endParaRPr lang="en-US"/>
-                </a:p>
-              </p:txBody>
-            </p:sp>
-            <p:sp>
-              <p:nvSpPr>
-                <p:cNvPr id="31" name="Oval 30"/>
-                <p:cNvSpPr/>
-                <p:nvPr/>
-              </p:nvSpPr>
-              <p:spPr>
-                <a:xfrm>
-                  <a:off x="4283" y="5928"/>
-                  <a:ext cx="341" cy="341"/>
-                </a:xfrm>
-                <a:prstGeom prst="ellipse">
-                  <a:avLst/>
-                </a:prstGeom>
-                <a:noFill/>
-                <a:ln>
-                  <a:solidFill>
-                    <a:schemeClr val="tx1"/>
-                  </a:solidFill>
-                </a:ln>
-              </p:spPr>
-              <p:style>
-                <a:lnRef idx="2">
-                  <a:schemeClr val="accent1">
-                    <a:shade val="50000"/>
-                  </a:schemeClr>
-                </a:lnRef>
-                <a:fillRef idx="1">
-                  <a:schemeClr val="accent1"/>
-                </a:fillRef>
-                <a:effectRef idx="0">
-                  <a:schemeClr val="accent1"/>
-                </a:effectRef>
-                <a:fontRef idx="minor">
-                  <a:schemeClr val="lt1"/>
-                </a:fontRef>
-              </p:style>
-              <p:txBody>
-                <a:bodyPr rtlCol="0" anchor="ctr"/>
-                <a:p>
-                  <a:pPr algn="ctr"/>
-                  <a:endParaRPr lang="en-US"/>
-                </a:p>
-              </p:txBody>
-            </p:sp>
-            <p:sp>
-              <p:nvSpPr>
-                <p:cNvPr id="32" name="Oval 31"/>
-                <p:cNvSpPr/>
-                <p:nvPr/>
-              </p:nvSpPr>
-              <p:spPr>
-                <a:xfrm>
-                  <a:off x="2829" y="5782"/>
-                  <a:ext cx="1795" cy="340"/>
-                </a:xfrm>
-                <a:prstGeom prst="ellipse">
-                  <a:avLst/>
-                </a:prstGeom>
-                <a:noFill/>
-                <a:ln>
-                  <a:solidFill>
-                    <a:schemeClr val="tx1"/>
-                  </a:solidFill>
-                </a:ln>
-              </p:spPr>
-              <p:style>
-                <a:lnRef idx="2">
-                  <a:schemeClr val="accent1">
-                    <a:shade val="50000"/>
-                  </a:schemeClr>
-                </a:lnRef>
-                <a:fillRef idx="1">
-                  <a:schemeClr val="accent1"/>
-                </a:fillRef>
-                <a:effectRef idx="0">
-                  <a:schemeClr val="accent1"/>
-                </a:effectRef>
-                <a:fontRef idx="minor">
-                  <a:schemeClr val="lt1"/>
-                </a:fontRef>
-              </p:style>
-              <p:txBody>
-                <a:bodyPr rtlCol="0" anchor="ctr"/>
-                <a:p>
-                  <a:pPr algn="ctr"/>
-                  <a:endParaRPr lang="en-US"/>
-                </a:p>
-              </p:txBody>
-            </p:sp>
-          </p:grpSp>
-          <p:grpSp>
-            <p:nvGrpSpPr>
-              <p:cNvPr id="33" name="Group 32"/>
-              <p:cNvGrpSpPr/>
-              <p:nvPr/>
-            </p:nvGrpSpPr>
-            <p:grpSpPr>
-              <a:xfrm>
-                <a:off x="9314" y="2165"/>
-                <a:ext cx="1794" cy="681"/>
-                <a:chOff x="2829" y="5587"/>
-                <a:chExt cx="1794" cy="681"/>
-              </a:xfrm>
-            </p:grpSpPr>
-            <p:sp>
-              <p:nvSpPr>
-                <p:cNvPr id="34" name="Oval 33"/>
-                <p:cNvSpPr/>
-                <p:nvPr/>
-              </p:nvSpPr>
-              <p:spPr>
-                <a:xfrm>
-                  <a:off x="2975" y="5928"/>
-                  <a:ext cx="341" cy="341"/>
-                </a:xfrm>
-                <a:prstGeom prst="ellipse">
-                  <a:avLst/>
-                </a:prstGeom>
-                <a:noFill/>
-                <a:ln>
-                  <a:solidFill>
-                    <a:schemeClr val="tx1"/>
-                  </a:solidFill>
-                </a:ln>
-              </p:spPr>
-              <p:style>
-                <a:lnRef idx="2">
-                  <a:schemeClr val="accent1">
-                    <a:shade val="50000"/>
-                  </a:schemeClr>
-                </a:lnRef>
-                <a:fillRef idx="1">
-                  <a:schemeClr val="accent1"/>
-                </a:fillRef>
-                <a:effectRef idx="0">
-                  <a:schemeClr val="accent1"/>
-                </a:effectRef>
-                <a:fontRef idx="minor">
-                  <a:schemeClr val="lt1"/>
-                </a:fontRef>
-              </p:style>
-              <p:txBody>
-                <a:bodyPr rtlCol="0" anchor="ctr"/>
-                <a:p>
-                  <a:pPr algn="ctr"/>
-                  <a:endParaRPr lang="en-US"/>
-                </a:p>
-              </p:txBody>
-            </p:sp>
-            <p:sp>
-              <p:nvSpPr>
-                <p:cNvPr id="35" name="Oval 34"/>
-                <p:cNvSpPr/>
-                <p:nvPr/>
-              </p:nvSpPr>
-              <p:spPr>
-                <a:xfrm>
-                  <a:off x="3316" y="5587"/>
-                  <a:ext cx="341" cy="341"/>
-                </a:xfrm>
-                <a:prstGeom prst="ellipse">
-                  <a:avLst/>
-                </a:prstGeom>
-                <a:noFill/>
-                <a:ln>
-                  <a:solidFill>
-                    <a:schemeClr val="tx1"/>
-                  </a:solidFill>
-                </a:ln>
-              </p:spPr>
-              <p:style>
-                <a:lnRef idx="2">
-                  <a:schemeClr val="accent1">
-                    <a:shade val="50000"/>
-                  </a:schemeClr>
-                </a:lnRef>
-                <a:fillRef idx="1">
-                  <a:schemeClr val="accent1"/>
-                </a:fillRef>
-                <a:effectRef idx="0">
-                  <a:schemeClr val="accent1"/>
-                </a:effectRef>
-                <a:fontRef idx="minor">
-                  <a:schemeClr val="lt1"/>
-                </a:fontRef>
-              </p:style>
-              <p:txBody>
-                <a:bodyPr rtlCol="0" anchor="ctr"/>
-                <a:p>
-                  <a:pPr algn="ctr"/>
-                  <a:endParaRPr lang="en-US"/>
-                </a:p>
-              </p:txBody>
-            </p:sp>
-            <p:sp>
-              <p:nvSpPr>
-                <p:cNvPr id="36" name="Oval 35"/>
-                <p:cNvSpPr/>
-                <p:nvPr/>
-              </p:nvSpPr>
-              <p:spPr>
-                <a:xfrm>
-                  <a:off x="4283" y="5928"/>
-                  <a:ext cx="341" cy="341"/>
-                </a:xfrm>
-                <a:prstGeom prst="ellipse">
-                  <a:avLst/>
-                </a:prstGeom>
-                <a:noFill/>
-                <a:ln>
-                  <a:solidFill>
-                    <a:schemeClr val="tx1"/>
-                  </a:solidFill>
-                </a:ln>
-              </p:spPr>
-              <p:style>
-                <a:lnRef idx="2">
-                  <a:schemeClr val="accent1">
-                    <a:shade val="50000"/>
-                  </a:schemeClr>
-                </a:lnRef>
-                <a:fillRef idx="1">
-                  <a:schemeClr val="accent1"/>
-                </a:fillRef>
-                <a:effectRef idx="0">
-                  <a:schemeClr val="accent1"/>
-                </a:effectRef>
-                <a:fontRef idx="minor">
-                  <a:schemeClr val="lt1"/>
-                </a:fontRef>
-              </p:style>
-              <p:txBody>
-                <a:bodyPr rtlCol="0" anchor="ctr"/>
-                <a:p>
-                  <a:pPr algn="ctr"/>
-                  <a:endParaRPr lang="en-US"/>
-                </a:p>
-              </p:txBody>
-            </p:sp>
-            <p:sp>
-              <p:nvSpPr>
-                <p:cNvPr id="37" name="Oval 36"/>
-                <p:cNvSpPr/>
-                <p:nvPr/>
-              </p:nvSpPr>
-              <p:spPr>
-                <a:xfrm>
-                  <a:off x="2829" y="5782"/>
-                  <a:ext cx="1795" cy="340"/>
-                </a:xfrm>
-                <a:prstGeom prst="ellipse">
-                  <a:avLst/>
-                </a:prstGeom>
-                <a:noFill/>
-                <a:ln>
-                  <a:solidFill>
-                    <a:schemeClr val="tx1"/>
-                  </a:solidFill>
-                </a:ln>
-              </p:spPr>
-              <p:style>
-                <a:lnRef idx="2">
-                  <a:schemeClr val="accent1">
-                    <a:shade val="50000"/>
-                  </a:schemeClr>
-                </a:lnRef>
-                <a:fillRef idx="1">
-                  <a:schemeClr val="accent1"/>
-                </a:fillRef>
-                <a:effectRef idx="0">
-                  <a:schemeClr val="accent1"/>
-                </a:effectRef>
-                <a:fontRef idx="minor">
-                  <a:schemeClr val="lt1"/>
-                </a:fontRef>
-              </p:style>
-              <p:txBody>
-                <a:bodyPr rtlCol="0" anchor="ctr"/>
-                <a:p>
-                  <a:pPr algn="ctr"/>
-                  <a:endParaRPr lang="en-US"/>
-                </a:p>
-              </p:txBody>
-            </p:sp>
-          </p:grpSp>
-        </p:grpSp>
-        <p:grpSp>
-          <p:nvGrpSpPr>
-            <p:cNvPr id="62" name="Group 61"/>
-            <p:cNvGrpSpPr/>
-            <p:nvPr/>
-          </p:nvGrpSpPr>
-          <p:grpSpPr>
-            <a:xfrm>
-              <a:off x="284" y="4123"/>
-              <a:ext cx="7887" cy="1436"/>
-              <a:chOff x="-193" y="4918"/>
-              <a:chExt cx="13186" cy="2401"/>
-            </a:xfrm>
-          </p:grpSpPr>
-          <p:grpSp>
-            <p:nvGrpSpPr>
-              <p:cNvPr id="38" name="Group 37"/>
-              <p:cNvGrpSpPr/>
-              <p:nvPr/>
-            </p:nvGrpSpPr>
-            <p:grpSpPr>
-              <a:xfrm>
-                <a:off x="-193" y="4918"/>
-                <a:ext cx="13186" cy="2390"/>
-                <a:chOff x="2538" y="1757"/>
-                <a:chExt cx="13186" cy="2390"/>
-              </a:xfrm>
-            </p:grpSpPr>
-            <p:sp>
-              <p:nvSpPr>
-                <p:cNvPr id="39" name="Freeform 38"/>
-                <p:cNvSpPr/>
-                <p:nvPr/>
-              </p:nvSpPr>
-              <p:spPr>
-                <a:xfrm>
-                  <a:off x="2538" y="2137"/>
-                  <a:ext cx="13186" cy="2010"/>
-                </a:xfrm>
-                <a:custGeom>
-                  <a:avLst/>
-                  <a:gdLst>
-                    <a:gd name="connisteX0" fmla="*/ 2000885 w 8373110"/>
-                    <a:gd name="connsiteY0" fmla="*/ 183515 h 1276350"/>
-                    <a:gd name="connisteX1" fmla="*/ 0 w 8373110"/>
-                    <a:gd name="connsiteY1" fmla="*/ 1276350 h 1276350"/>
-                    <a:gd name="connisteX2" fmla="*/ 6533515 w 8373110"/>
-                    <a:gd name="connsiteY2" fmla="*/ 1276350 h 1276350"/>
-                    <a:gd name="connisteX3" fmla="*/ 8373110 w 8373110"/>
-                    <a:gd name="connsiteY3" fmla="*/ 292100 h 1276350"/>
-                    <a:gd name="connisteX4" fmla="*/ 1817370 w 8373110"/>
-                    <a:gd name="connsiteY4" fmla="*/ 292100 h 1276350"/>
-                    <a:gd name="connisteX5" fmla="*/ 2292985 w 8373110"/>
-                    <a:gd name="connsiteY5" fmla="*/ 32385 h 1276350"/>
-                    <a:gd name="connisteX6" fmla="*/ 2357755 w 8373110"/>
-                    <a:gd name="connsiteY6" fmla="*/ 0 h 1276350"/>
-                  </a:gdLst>
-                  <a:ahLst/>
-                  <a:cxnLst>
-                    <a:cxn ang="0">
-                      <a:pos x="connisteX0" y="connsiteY0"/>
-                    </a:cxn>
-                    <a:cxn ang="0">
-                      <a:pos x="connisteX1" y="connsiteY1"/>
-                    </a:cxn>
-                    <a:cxn ang="0">
-                      <a:pos x="connisteX2" y="connsiteY2"/>
-                    </a:cxn>
-                    <a:cxn ang="0">
-                      <a:pos x="connisteX3" y="connsiteY3"/>
-                    </a:cxn>
-                    <a:cxn ang="0">
-                      <a:pos x="connisteX4" y="connsiteY4"/>
-                    </a:cxn>
-                    <a:cxn ang="0">
-                      <a:pos x="connisteX5" y="connsiteY5"/>
-                    </a:cxn>
-                    <a:cxn ang="0">
-                      <a:pos x="connisteX6" y="connsiteY6"/>
-                    </a:cxn>
-                  </a:cxnLst>
-                  <a:rect l="l" t="t" r="r" b="b"/>
-                  <a:pathLst>
-                    <a:path w="8373110" h="1276350">
-                      <a:moveTo>
-                        <a:pt x="2000885" y="183515"/>
-                      </a:moveTo>
-                      <a:lnTo>
-                        <a:pt x="0" y="1276350"/>
-                      </a:lnTo>
-                      <a:lnTo>
-                        <a:pt x="6533515" y="1276350"/>
-                      </a:lnTo>
-                      <a:lnTo>
-                        <a:pt x="8373110" y="292100"/>
-                      </a:lnTo>
-                      <a:lnTo>
-                        <a:pt x="1817370" y="292100"/>
-                      </a:lnTo>
-                      <a:lnTo>
-                        <a:pt x="2292985" y="32385"/>
-                      </a:lnTo>
-                      <a:lnTo>
-                        <a:pt x="2357755" y="0"/>
-                      </a:lnTo>
-                    </a:path>
-                  </a:pathLst>
-                </a:custGeom>
-                <a:noFill/>
-                <a:ln>
-                  <a:solidFill>
-                    <a:schemeClr val="tx1"/>
-                  </a:solidFill>
-                </a:ln>
-              </p:spPr>
-              <p:style>
-                <a:lnRef idx="2">
-                  <a:schemeClr val="accent1">
-                    <a:shade val="50000"/>
-                  </a:schemeClr>
-                </a:lnRef>
-                <a:fillRef idx="1">
-                  <a:schemeClr val="accent1"/>
-                </a:fillRef>
-                <a:effectRef idx="0">
-                  <a:schemeClr val="accent1"/>
-                </a:effectRef>
-                <a:fontRef idx="minor">
-                  <a:schemeClr val="lt1"/>
-                </a:fontRef>
-              </p:style>
-              <p:txBody>
-                <a:bodyPr rtlCol="0" anchor="ctr"/>
-                <a:p>
-                  <a:pPr algn="ctr"/>
-                  <a:endParaRPr lang="en-US"/>
-                </a:p>
-              </p:txBody>
-            </p:sp>
-            <p:sp>
-              <p:nvSpPr>
-                <p:cNvPr id="40" name="Rectangle 39"/>
-                <p:cNvSpPr/>
-                <p:nvPr/>
-              </p:nvSpPr>
-              <p:spPr>
-                <a:xfrm>
-                  <a:off x="4803" y="1757"/>
-                  <a:ext cx="2300" cy="767"/>
-                </a:xfrm>
-                <a:prstGeom prst="rect">
-                  <a:avLst/>
-                </a:prstGeom>
-                <a:ln>
-                  <a:solidFill>
-                    <a:schemeClr val="bg1"/>
-                  </a:solidFill>
-                </a:ln>
-              </p:spPr>
-              <p:style>
-                <a:lnRef idx="2">
-                  <a:schemeClr val="accent6"/>
-                </a:lnRef>
-                <a:fillRef idx="1">
-                  <a:schemeClr val="lt1"/>
-                </a:fillRef>
-                <a:effectRef idx="0">
-                  <a:schemeClr val="accent6"/>
-                </a:effectRef>
-                <a:fontRef idx="minor">
-                  <a:schemeClr val="dk1"/>
-                </a:fontRef>
-              </p:style>
-              <p:txBody>
-                <a:bodyPr rtlCol="0" anchor="ctr"/>
-                <a:p>
-                  <a:pPr algn="ctr"/>
-                  <a:endParaRPr lang="en-US"/>
-                </a:p>
-              </p:txBody>
-            </p:sp>
-          </p:grpSp>
-          <p:sp>
-            <p:nvSpPr>
-              <p:cNvPr id="41" name="Oval 40"/>
-              <p:cNvSpPr/>
-              <p:nvPr/>
-            </p:nvSpPr>
-            <p:spPr>
-              <a:xfrm>
-                <a:off x="3060" y="5962"/>
-                <a:ext cx="6711" cy="1108"/>
-              </a:xfrm>
-              <a:prstGeom prst="ellipse">
-                <a:avLst/>
-              </a:prstGeom>
-              <a:noFill/>
-              <a:ln>
-                <a:solidFill>
-                  <a:schemeClr val="tx1"/>
-                </a:solidFill>
-              </a:ln>
-            </p:spPr>
-            <p:style>
-              <a:lnRef idx="2">
-                <a:schemeClr val="accent1">
-                  <a:shade val="50000"/>
-                </a:schemeClr>
-              </a:lnRef>
-              <a:fillRef idx="1">
-                <a:schemeClr val="accent1"/>
-              </a:fillRef>
-              <a:effectRef idx="0">
-                <a:schemeClr val="accent1"/>
-              </a:effectRef>
-              <a:fontRef idx="minor">
-                <a:schemeClr val="lt1"/>
-              </a:fontRef>
-            </p:style>
-            <p:txBody>
-              <a:bodyPr rtlCol="0" anchor="ctr"/>
-              <a:p>
-                <a:pPr algn="ctr"/>
-                <a:endParaRPr lang="en-US"/>
-              </a:p>
-            </p:txBody>
-          </p:sp>
-          <p:grpSp>
-            <p:nvGrpSpPr>
-              <p:cNvPr id="42" name="Group 41"/>
-              <p:cNvGrpSpPr/>
-              <p:nvPr/>
-            </p:nvGrpSpPr>
-            <p:grpSpPr>
-              <a:xfrm>
-                <a:off x="2459" y="6443"/>
-                <a:ext cx="1794" cy="681"/>
-                <a:chOff x="2829" y="5587"/>
-                <a:chExt cx="1794" cy="681"/>
-              </a:xfrm>
-            </p:grpSpPr>
-            <p:sp>
-              <p:nvSpPr>
-                <p:cNvPr id="43" name="Oval 42"/>
-                <p:cNvSpPr/>
-                <p:nvPr/>
-              </p:nvSpPr>
-              <p:spPr>
-                <a:xfrm>
-                  <a:off x="2975" y="5928"/>
-                  <a:ext cx="341" cy="341"/>
-                </a:xfrm>
-                <a:prstGeom prst="ellipse">
-                  <a:avLst/>
-                </a:prstGeom>
-                <a:noFill/>
-                <a:ln>
-                  <a:solidFill>
-                    <a:schemeClr val="tx1"/>
-                  </a:solidFill>
-                </a:ln>
-              </p:spPr>
-              <p:style>
-                <a:lnRef idx="2">
-                  <a:schemeClr val="accent1">
-                    <a:shade val="50000"/>
-                  </a:schemeClr>
-                </a:lnRef>
-                <a:fillRef idx="1">
-                  <a:schemeClr val="accent1"/>
-                </a:fillRef>
-                <a:effectRef idx="0">
-                  <a:schemeClr val="accent1"/>
-                </a:effectRef>
-                <a:fontRef idx="minor">
-                  <a:schemeClr val="lt1"/>
-                </a:fontRef>
-              </p:style>
-              <p:txBody>
-                <a:bodyPr rtlCol="0" anchor="ctr"/>
-                <a:p>
-                  <a:pPr algn="ctr"/>
-                  <a:endParaRPr lang="en-US"/>
-                </a:p>
-              </p:txBody>
-            </p:sp>
-            <p:sp>
-              <p:nvSpPr>
-                <p:cNvPr id="44" name="Oval 43"/>
-                <p:cNvSpPr/>
-                <p:nvPr/>
-              </p:nvSpPr>
-              <p:spPr>
-                <a:xfrm>
-                  <a:off x="3316" y="5587"/>
-                  <a:ext cx="341" cy="341"/>
-                </a:xfrm>
-                <a:prstGeom prst="ellipse">
-                  <a:avLst/>
-                </a:prstGeom>
-                <a:noFill/>
-                <a:ln>
-                  <a:solidFill>
-                    <a:schemeClr val="tx1"/>
-                  </a:solidFill>
-                </a:ln>
-              </p:spPr>
-              <p:style>
-                <a:lnRef idx="2">
-                  <a:schemeClr val="accent1">
-                    <a:shade val="50000"/>
-                  </a:schemeClr>
-                </a:lnRef>
-                <a:fillRef idx="1">
-                  <a:schemeClr val="accent1"/>
-                </a:fillRef>
-                <a:effectRef idx="0">
-                  <a:schemeClr val="accent1"/>
-                </a:effectRef>
-                <a:fontRef idx="minor">
-                  <a:schemeClr val="lt1"/>
-                </a:fontRef>
-              </p:style>
-              <p:txBody>
-                <a:bodyPr rtlCol="0" anchor="ctr"/>
-                <a:p>
-                  <a:pPr algn="ctr"/>
-                  <a:endParaRPr lang="en-US"/>
-                </a:p>
-              </p:txBody>
-            </p:sp>
-            <p:sp>
-              <p:nvSpPr>
-                <p:cNvPr id="45" name="Oval 44"/>
-                <p:cNvSpPr/>
-                <p:nvPr/>
-              </p:nvSpPr>
-              <p:spPr>
-                <a:xfrm>
-                  <a:off x="4283" y="5928"/>
-                  <a:ext cx="341" cy="341"/>
-                </a:xfrm>
-                <a:prstGeom prst="ellipse">
-                  <a:avLst/>
-                </a:prstGeom>
-                <a:noFill/>
-                <a:ln>
-                  <a:solidFill>
-                    <a:schemeClr val="tx1"/>
-                  </a:solidFill>
-                </a:ln>
-              </p:spPr>
-              <p:style>
-                <a:lnRef idx="2">
-                  <a:schemeClr val="accent1">
-                    <a:shade val="50000"/>
-                  </a:schemeClr>
-                </a:lnRef>
-                <a:fillRef idx="1">
-                  <a:schemeClr val="accent1"/>
-                </a:fillRef>
-                <a:effectRef idx="0">
-                  <a:schemeClr val="accent1"/>
-                </a:effectRef>
-                <a:fontRef idx="minor">
-                  <a:schemeClr val="lt1"/>
-                </a:fontRef>
-              </p:style>
-              <p:txBody>
-                <a:bodyPr rtlCol="0" anchor="ctr"/>
-                <a:p>
-                  <a:pPr algn="ctr"/>
-                  <a:endParaRPr lang="en-US"/>
-                </a:p>
-              </p:txBody>
-            </p:sp>
-            <p:sp>
-              <p:nvSpPr>
-                <p:cNvPr id="46" name="Oval 45"/>
-                <p:cNvSpPr/>
-                <p:nvPr/>
-              </p:nvSpPr>
-              <p:spPr>
-                <a:xfrm>
-                  <a:off x="2829" y="5782"/>
-                  <a:ext cx="1795" cy="340"/>
-                </a:xfrm>
-                <a:prstGeom prst="ellipse">
-                  <a:avLst/>
-                </a:prstGeom>
-                <a:noFill/>
-                <a:ln>
-                  <a:solidFill>
-                    <a:schemeClr val="tx1"/>
-                  </a:solidFill>
-                </a:ln>
-              </p:spPr>
-              <p:style>
-                <a:lnRef idx="2">
-                  <a:schemeClr val="accent1">
-                    <a:shade val="50000"/>
-                  </a:schemeClr>
-                </a:lnRef>
-                <a:fillRef idx="1">
-                  <a:schemeClr val="accent1"/>
-                </a:fillRef>
-                <a:effectRef idx="0">
-                  <a:schemeClr val="accent1"/>
-                </a:effectRef>
-                <a:fontRef idx="minor">
-                  <a:schemeClr val="lt1"/>
-                </a:fontRef>
-              </p:style>
-              <p:txBody>
-                <a:bodyPr rtlCol="0" anchor="ctr"/>
-                <a:p>
-                  <a:pPr algn="ctr"/>
-                  <a:endParaRPr lang="en-US"/>
-                </a:p>
-              </p:txBody>
-            </p:sp>
-          </p:grpSp>
-          <p:grpSp>
-            <p:nvGrpSpPr>
-              <p:cNvPr id="47" name="Group 46"/>
-              <p:cNvGrpSpPr/>
-              <p:nvPr/>
-            </p:nvGrpSpPr>
-            <p:grpSpPr>
-              <a:xfrm>
-                <a:off x="7877" y="5767"/>
-                <a:ext cx="1794" cy="681"/>
-                <a:chOff x="2829" y="5587"/>
-                <a:chExt cx="1794" cy="681"/>
-              </a:xfrm>
-            </p:grpSpPr>
-            <p:sp>
-              <p:nvSpPr>
-                <p:cNvPr id="48" name="Oval 47"/>
-                <p:cNvSpPr/>
-                <p:nvPr/>
-              </p:nvSpPr>
-              <p:spPr>
-                <a:xfrm>
-                  <a:off x="2975" y="5928"/>
-                  <a:ext cx="341" cy="341"/>
-                </a:xfrm>
-                <a:prstGeom prst="ellipse">
-                  <a:avLst/>
-                </a:prstGeom>
-                <a:noFill/>
-                <a:ln>
-                  <a:solidFill>
-                    <a:schemeClr val="tx1"/>
-                  </a:solidFill>
-                </a:ln>
-              </p:spPr>
-              <p:style>
-                <a:lnRef idx="2">
-                  <a:schemeClr val="accent1">
-                    <a:shade val="50000"/>
-                  </a:schemeClr>
-                </a:lnRef>
-                <a:fillRef idx="1">
-                  <a:schemeClr val="accent1"/>
-                </a:fillRef>
-                <a:effectRef idx="0">
-                  <a:schemeClr val="accent1"/>
-                </a:effectRef>
-                <a:fontRef idx="minor">
-                  <a:schemeClr val="lt1"/>
-                </a:fontRef>
-              </p:style>
-              <p:txBody>
-                <a:bodyPr rtlCol="0" anchor="ctr"/>
-                <a:p>
-                  <a:pPr algn="ctr"/>
-                  <a:endParaRPr lang="en-US"/>
-                </a:p>
-              </p:txBody>
-            </p:sp>
-            <p:sp>
-              <p:nvSpPr>
-                <p:cNvPr id="49" name="Oval 48"/>
-                <p:cNvSpPr/>
-                <p:nvPr/>
-              </p:nvSpPr>
-              <p:spPr>
-                <a:xfrm>
-                  <a:off x="3316" y="5587"/>
-                  <a:ext cx="341" cy="341"/>
-                </a:xfrm>
-                <a:prstGeom prst="ellipse">
-                  <a:avLst/>
-                </a:prstGeom>
-                <a:noFill/>
-                <a:ln>
-                  <a:solidFill>
-                    <a:schemeClr val="tx1"/>
-                  </a:solidFill>
-                </a:ln>
-              </p:spPr>
-              <p:style>
-                <a:lnRef idx="2">
-                  <a:schemeClr val="accent1">
-                    <a:shade val="50000"/>
-                  </a:schemeClr>
-                </a:lnRef>
-                <a:fillRef idx="1">
-                  <a:schemeClr val="accent1"/>
-                </a:fillRef>
-                <a:effectRef idx="0">
-                  <a:schemeClr val="accent1"/>
-                </a:effectRef>
-                <a:fontRef idx="minor">
-                  <a:schemeClr val="lt1"/>
-                </a:fontRef>
-              </p:style>
-              <p:txBody>
-                <a:bodyPr rtlCol="0" anchor="ctr"/>
-                <a:p>
-                  <a:pPr algn="ctr"/>
-                  <a:endParaRPr lang="en-US"/>
-                </a:p>
-              </p:txBody>
-            </p:sp>
-            <p:sp>
-              <p:nvSpPr>
-                <p:cNvPr id="50" name="Oval 49"/>
-                <p:cNvSpPr/>
-                <p:nvPr/>
-              </p:nvSpPr>
-              <p:spPr>
-                <a:xfrm>
-                  <a:off x="4283" y="5928"/>
-                  <a:ext cx="341" cy="341"/>
-                </a:xfrm>
-                <a:prstGeom prst="ellipse">
-                  <a:avLst/>
-                </a:prstGeom>
-                <a:noFill/>
-                <a:ln>
-                  <a:solidFill>
-                    <a:schemeClr val="tx1"/>
-                  </a:solidFill>
-                </a:ln>
-              </p:spPr>
-              <p:style>
-                <a:lnRef idx="2">
-                  <a:schemeClr val="accent1">
-                    <a:shade val="50000"/>
-                  </a:schemeClr>
-                </a:lnRef>
-                <a:fillRef idx="1">
-                  <a:schemeClr val="accent1"/>
-                </a:fillRef>
-                <a:effectRef idx="0">
-                  <a:schemeClr val="accent1"/>
-                </a:effectRef>
-                <a:fontRef idx="minor">
-                  <a:schemeClr val="lt1"/>
-                </a:fontRef>
-              </p:style>
-              <p:txBody>
-                <a:bodyPr rtlCol="0" anchor="ctr"/>
-                <a:p>
-                  <a:pPr algn="ctr"/>
-                  <a:endParaRPr lang="en-US"/>
-                </a:p>
-              </p:txBody>
-            </p:sp>
-            <p:sp>
-              <p:nvSpPr>
-                <p:cNvPr id="51" name="Oval 50"/>
-                <p:cNvSpPr/>
-                <p:nvPr/>
-              </p:nvSpPr>
-              <p:spPr>
-                <a:xfrm>
-                  <a:off x="2829" y="5782"/>
-                  <a:ext cx="1795" cy="340"/>
-                </a:xfrm>
-                <a:prstGeom prst="ellipse">
-                  <a:avLst/>
-                </a:prstGeom>
-                <a:noFill/>
-                <a:ln>
-                  <a:solidFill>
-                    <a:schemeClr val="tx1"/>
-                  </a:solidFill>
-                </a:ln>
-              </p:spPr>
-              <p:style>
-                <a:lnRef idx="2">
-                  <a:schemeClr val="accent1">
-                    <a:shade val="50000"/>
-                  </a:schemeClr>
-                </a:lnRef>
-                <a:fillRef idx="1">
-                  <a:schemeClr val="accent1"/>
-                </a:fillRef>
-                <a:effectRef idx="0">
-                  <a:schemeClr val="accent1"/>
-                </a:effectRef>
-                <a:fontRef idx="minor">
-                  <a:schemeClr val="lt1"/>
-                </a:fontRef>
-              </p:style>
-              <p:txBody>
-                <a:bodyPr rtlCol="0" anchor="ctr"/>
-                <a:p>
-                  <a:pPr algn="ctr"/>
-                  <a:endParaRPr lang="en-US"/>
-                </a:p>
-              </p:txBody>
-            </p:sp>
-          </p:grpSp>
-          <p:grpSp>
-            <p:nvGrpSpPr>
-              <p:cNvPr id="52" name="Group 51"/>
-              <p:cNvGrpSpPr/>
-              <p:nvPr/>
-            </p:nvGrpSpPr>
-            <p:grpSpPr>
-              <a:xfrm>
-                <a:off x="3947" y="5616"/>
-                <a:ext cx="1794" cy="681"/>
-                <a:chOff x="2829" y="5587"/>
-                <a:chExt cx="1794" cy="681"/>
-              </a:xfrm>
-            </p:grpSpPr>
-            <p:sp>
-              <p:nvSpPr>
-                <p:cNvPr id="53" name="Oval 52"/>
-                <p:cNvSpPr/>
-                <p:nvPr/>
-              </p:nvSpPr>
-              <p:spPr>
-                <a:xfrm>
-                  <a:off x="2975" y="5928"/>
-                  <a:ext cx="341" cy="341"/>
-                </a:xfrm>
-                <a:prstGeom prst="ellipse">
-                  <a:avLst/>
-                </a:prstGeom>
-                <a:noFill/>
-                <a:ln>
-                  <a:solidFill>
-                    <a:schemeClr val="tx1"/>
-                  </a:solidFill>
-                </a:ln>
-              </p:spPr>
-              <p:style>
-                <a:lnRef idx="2">
-                  <a:schemeClr val="accent1">
-                    <a:shade val="50000"/>
-                  </a:schemeClr>
-                </a:lnRef>
-                <a:fillRef idx="1">
-                  <a:schemeClr val="accent1"/>
-                </a:fillRef>
-                <a:effectRef idx="0">
-                  <a:schemeClr val="accent1"/>
-                </a:effectRef>
-                <a:fontRef idx="minor">
-                  <a:schemeClr val="lt1"/>
-                </a:fontRef>
-              </p:style>
-              <p:txBody>
-                <a:bodyPr rtlCol="0" anchor="ctr"/>
-                <a:p>
-                  <a:pPr algn="ctr"/>
-                  <a:endParaRPr lang="en-US"/>
-                </a:p>
-              </p:txBody>
-            </p:sp>
-            <p:sp>
-              <p:nvSpPr>
-                <p:cNvPr id="54" name="Oval 53"/>
-                <p:cNvSpPr/>
-                <p:nvPr/>
-              </p:nvSpPr>
-              <p:spPr>
-                <a:xfrm>
-                  <a:off x="3316" y="5587"/>
-                  <a:ext cx="341" cy="341"/>
-                </a:xfrm>
-                <a:prstGeom prst="ellipse">
-                  <a:avLst/>
-                </a:prstGeom>
-                <a:noFill/>
-                <a:ln>
-                  <a:solidFill>
-                    <a:schemeClr val="tx1"/>
-                  </a:solidFill>
-                </a:ln>
-              </p:spPr>
-              <p:style>
-                <a:lnRef idx="2">
-                  <a:schemeClr val="accent1">
-                    <a:shade val="50000"/>
-                  </a:schemeClr>
-                </a:lnRef>
-                <a:fillRef idx="1">
-                  <a:schemeClr val="accent1"/>
-                </a:fillRef>
-                <a:effectRef idx="0">
-                  <a:schemeClr val="accent1"/>
-                </a:effectRef>
-                <a:fontRef idx="minor">
-                  <a:schemeClr val="lt1"/>
-                </a:fontRef>
-              </p:style>
-              <p:txBody>
-                <a:bodyPr rtlCol="0" anchor="ctr"/>
-                <a:p>
-                  <a:pPr algn="ctr"/>
-                  <a:endParaRPr lang="en-US"/>
-                </a:p>
-              </p:txBody>
-            </p:sp>
-            <p:sp>
-              <p:nvSpPr>
-                <p:cNvPr id="55" name="Oval 54"/>
-                <p:cNvSpPr/>
-                <p:nvPr/>
-              </p:nvSpPr>
-              <p:spPr>
-                <a:xfrm>
-                  <a:off x="4283" y="5928"/>
-                  <a:ext cx="341" cy="341"/>
-                </a:xfrm>
-                <a:prstGeom prst="ellipse">
-                  <a:avLst/>
-                </a:prstGeom>
-                <a:noFill/>
-                <a:ln>
-                  <a:solidFill>
-                    <a:schemeClr val="tx1"/>
-                  </a:solidFill>
-                </a:ln>
-              </p:spPr>
-              <p:style>
-                <a:lnRef idx="2">
-                  <a:schemeClr val="accent1">
-                    <a:shade val="50000"/>
-                  </a:schemeClr>
-                </a:lnRef>
-                <a:fillRef idx="1">
-                  <a:schemeClr val="accent1"/>
-                </a:fillRef>
-                <a:effectRef idx="0">
-                  <a:schemeClr val="accent1"/>
-                </a:effectRef>
-                <a:fontRef idx="minor">
-                  <a:schemeClr val="lt1"/>
-                </a:fontRef>
-              </p:style>
-              <p:txBody>
-                <a:bodyPr rtlCol="0" anchor="ctr"/>
-                <a:p>
-                  <a:pPr algn="ctr"/>
-                  <a:endParaRPr lang="en-US"/>
-                </a:p>
-              </p:txBody>
-            </p:sp>
-            <p:sp>
-              <p:nvSpPr>
-                <p:cNvPr id="56" name="Oval 55"/>
-                <p:cNvSpPr/>
-                <p:nvPr/>
-              </p:nvSpPr>
-              <p:spPr>
-                <a:xfrm>
-                  <a:off x="2829" y="5782"/>
-                  <a:ext cx="1795" cy="340"/>
-                </a:xfrm>
-                <a:prstGeom prst="ellipse">
-                  <a:avLst/>
-                </a:prstGeom>
-                <a:noFill/>
-                <a:ln>
-                  <a:solidFill>
-                    <a:schemeClr val="tx1"/>
-                  </a:solidFill>
-                </a:ln>
-              </p:spPr>
-              <p:style>
-                <a:lnRef idx="2">
-                  <a:schemeClr val="accent1">
-                    <a:shade val="50000"/>
-                  </a:schemeClr>
-                </a:lnRef>
-                <a:fillRef idx="1">
-                  <a:schemeClr val="accent1"/>
-                </a:fillRef>
-                <a:effectRef idx="0">
-                  <a:schemeClr val="accent1"/>
-                </a:effectRef>
-                <a:fontRef idx="minor">
-                  <a:schemeClr val="lt1"/>
-                </a:fontRef>
-              </p:style>
-              <p:txBody>
-                <a:bodyPr rtlCol="0" anchor="ctr"/>
-                <a:p>
-                  <a:pPr algn="ctr"/>
-                  <a:endParaRPr lang="en-US"/>
-                </a:p>
-              </p:txBody>
-            </p:sp>
-          </p:grpSp>
-          <p:grpSp>
-            <p:nvGrpSpPr>
-              <p:cNvPr id="57" name="Group 56"/>
-              <p:cNvGrpSpPr/>
-              <p:nvPr/>
-            </p:nvGrpSpPr>
-            <p:grpSpPr>
-              <a:xfrm>
-                <a:off x="6396" y="6638"/>
-                <a:ext cx="1794" cy="681"/>
-                <a:chOff x="2829" y="5587"/>
-                <a:chExt cx="1794" cy="681"/>
-              </a:xfrm>
-            </p:grpSpPr>
-            <p:sp>
-              <p:nvSpPr>
-                <p:cNvPr id="58" name="Oval 57"/>
-                <p:cNvSpPr/>
-                <p:nvPr/>
-              </p:nvSpPr>
-              <p:spPr>
-                <a:xfrm>
-                  <a:off x="2975" y="5928"/>
-                  <a:ext cx="341" cy="341"/>
-                </a:xfrm>
-                <a:prstGeom prst="ellipse">
-                  <a:avLst/>
-                </a:prstGeom>
-                <a:noFill/>
-                <a:ln>
-                  <a:solidFill>
-                    <a:schemeClr val="tx1"/>
-                  </a:solidFill>
-                </a:ln>
-              </p:spPr>
-              <p:style>
-                <a:lnRef idx="2">
-                  <a:schemeClr val="accent1">
-                    <a:shade val="50000"/>
-                  </a:schemeClr>
-                </a:lnRef>
-                <a:fillRef idx="1">
-                  <a:schemeClr val="accent1"/>
-                </a:fillRef>
-                <a:effectRef idx="0">
-                  <a:schemeClr val="accent1"/>
-                </a:effectRef>
-                <a:fontRef idx="minor">
-                  <a:schemeClr val="lt1"/>
-                </a:fontRef>
-              </p:style>
-              <p:txBody>
-                <a:bodyPr rtlCol="0" anchor="ctr"/>
-                <a:p>
-                  <a:pPr algn="ctr"/>
-                  <a:endParaRPr lang="en-US"/>
-                </a:p>
-              </p:txBody>
-            </p:sp>
-            <p:sp>
-              <p:nvSpPr>
-                <p:cNvPr id="59" name="Oval 58"/>
-                <p:cNvSpPr/>
-                <p:nvPr/>
-              </p:nvSpPr>
-              <p:spPr>
-                <a:xfrm>
-                  <a:off x="3316" y="5587"/>
-                  <a:ext cx="341" cy="341"/>
-                </a:xfrm>
-                <a:prstGeom prst="ellipse">
-                  <a:avLst/>
-                </a:prstGeom>
-                <a:noFill/>
-                <a:ln>
-                  <a:solidFill>
-                    <a:schemeClr val="tx1"/>
-                  </a:solidFill>
-                </a:ln>
-              </p:spPr>
-              <p:style>
-                <a:lnRef idx="2">
-                  <a:schemeClr val="accent1">
-                    <a:shade val="50000"/>
-                  </a:schemeClr>
-                </a:lnRef>
-                <a:fillRef idx="1">
-                  <a:schemeClr val="accent1"/>
-                </a:fillRef>
-                <a:effectRef idx="0">
-                  <a:schemeClr val="accent1"/>
-                </a:effectRef>
-                <a:fontRef idx="minor">
-                  <a:schemeClr val="lt1"/>
-                </a:fontRef>
-              </p:style>
-              <p:txBody>
-                <a:bodyPr rtlCol="0" anchor="ctr"/>
-                <a:p>
-                  <a:pPr algn="ctr"/>
-                  <a:endParaRPr lang="en-US"/>
-                </a:p>
-              </p:txBody>
-            </p:sp>
-            <p:sp>
-              <p:nvSpPr>
-                <p:cNvPr id="60" name="Oval 59"/>
-                <p:cNvSpPr/>
-                <p:nvPr/>
-              </p:nvSpPr>
-              <p:spPr>
-                <a:xfrm>
-                  <a:off x="4283" y="5928"/>
-                  <a:ext cx="341" cy="341"/>
-                </a:xfrm>
-                <a:prstGeom prst="ellipse">
-                  <a:avLst/>
-                </a:prstGeom>
-                <a:noFill/>
-                <a:ln>
-                  <a:solidFill>
-                    <a:schemeClr val="tx1"/>
-                  </a:solidFill>
-                </a:ln>
-              </p:spPr>
-              <p:style>
-                <a:lnRef idx="2">
-                  <a:schemeClr val="accent1">
-                    <a:shade val="50000"/>
-                  </a:schemeClr>
-                </a:lnRef>
-                <a:fillRef idx="1">
-                  <a:schemeClr val="accent1"/>
-                </a:fillRef>
-                <a:effectRef idx="0">
-                  <a:schemeClr val="accent1"/>
-                </a:effectRef>
-                <a:fontRef idx="minor">
-                  <a:schemeClr val="lt1"/>
-                </a:fontRef>
-              </p:style>
-              <p:txBody>
-                <a:bodyPr rtlCol="0" anchor="ctr"/>
-                <a:p>
-                  <a:pPr algn="ctr"/>
-                  <a:endParaRPr lang="en-US"/>
-                </a:p>
-              </p:txBody>
-            </p:sp>
-            <p:sp>
-              <p:nvSpPr>
-                <p:cNvPr id="61" name="Oval 60"/>
-                <p:cNvSpPr/>
-                <p:nvPr/>
-              </p:nvSpPr>
-              <p:spPr>
-                <a:xfrm>
-                  <a:off x="2829" y="5782"/>
-                  <a:ext cx="1795" cy="340"/>
-                </a:xfrm>
-                <a:prstGeom prst="ellipse">
-                  <a:avLst/>
-                </a:prstGeom>
-                <a:noFill/>
-                <a:ln>
-                  <a:solidFill>
-                    <a:schemeClr val="tx1"/>
-                  </a:solidFill>
-                </a:ln>
-              </p:spPr>
-              <p:style>
-                <a:lnRef idx="2">
-                  <a:schemeClr val="accent1">
-                    <a:shade val="50000"/>
-                  </a:schemeClr>
-                </a:lnRef>
-                <a:fillRef idx="1">
-                  <a:schemeClr val="accent1"/>
-                </a:fillRef>
-                <a:effectRef idx="0">
-                  <a:schemeClr val="accent1"/>
-                </a:effectRef>
-                <a:fontRef idx="minor">
-                  <a:schemeClr val="lt1"/>
-                </a:fontRef>
-              </p:style>
-              <p:txBody>
-                <a:bodyPr rtlCol="0" anchor="ctr"/>
-                <a:p>
-                  <a:pPr algn="ctr"/>
-                  <a:endParaRPr lang="en-US"/>
-                </a:p>
-              </p:txBody>
-            </p:sp>
-          </p:grpSp>
-        </p:grpSp>
-        <p:grpSp>
-          <p:nvGrpSpPr>
-            <p:cNvPr id="63" name="Group 62"/>
-            <p:cNvGrpSpPr/>
-            <p:nvPr/>
-          </p:nvGrpSpPr>
-          <p:grpSpPr>
-            <a:xfrm>
-              <a:off x="8660" y="4123"/>
-              <a:ext cx="7887" cy="1436"/>
-              <a:chOff x="-193" y="4918"/>
-              <a:chExt cx="13186" cy="2401"/>
-            </a:xfrm>
-          </p:grpSpPr>
-          <p:grpSp>
-            <p:nvGrpSpPr>
-              <p:cNvPr id="64" name="Group 63"/>
-              <p:cNvGrpSpPr/>
-              <p:nvPr/>
-            </p:nvGrpSpPr>
-            <p:grpSpPr>
-              <a:xfrm>
-                <a:off x="-193" y="4918"/>
-                <a:ext cx="13186" cy="2390"/>
-                <a:chOff x="2538" y="1757"/>
-                <a:chExt cx="13186" cy="2390"/>
-              </a:xfrm>
-            </p:grpSpPr>
-            <p:sp>
-              <p:nvSpPr>
-                <p:cNvPr id="65" name="Freeform 64"/>
-                <p:cNvSpPr/>
-                <p:nvPr/>
-              </p:nvSpPr>
-              <p:spPr>
-                <a:xfrm>
-                  <a:off x="2538" y="2137"/>
-                  <a:ext cx="13186" cy="2010"/>
-                </a:xfrm>
-                <a:custGeom>
-                  <a:avLst/>
-                  <a:gdLst>
-                    <a:gd name="connisteX0" fmla="*/ 2000885 w 8373110"/>
-                    <a:gd name="connsiteY0" fmla="*/ 183515 h 1276350"/>
-                    <a:gd name="connisteX1" fmla="*/ 0 w 8373110"/>
-                    <a:gd name="connsiteY1" fmla="*/ 1276350 h 1276350"/>
-                    <a:gd name="connisteX2" fmla="*/ 6533515 w 8373110"/>
-                    <a:gd name="connsiteY2" fmla="*/ 1276350 h 1276350"/>
-                    <a:gd name="connisteX3" fmla="*/ 8373110 w 8373110"/>
-                    <a:gd name="connsiteY3" fmla="*/ 292100 h 1276350"/>
-                    <a:gd name="connisteX4" fmla="*/ 1817370 w 8373110"/>
-                    <a:gd name="connsiteY4" fmla="*/ 292100 h 1276350"/>
-                    <a:gd name="connisteX5" fmla="*/ 2292985 w 8373110"/>
-                    <a:gd name="connsiteY5" fmla="*/ 32385 h 1276350"/>
-                    <a:gd name="connisteX6" fmla="*/ 2357755 w 8373110"/>
-                    <a:gd name="connsiteY6" fmla="*/ 0 h 1276350"/>
-                  </a:gdLst>
-                  <a:ahLst/>
-                  <a:cxnLst>
-                    <a:cxn ang="0">
-                      <a:pos x="connisteX0" y="connsiteY0"/>
-                    </a:cxn>
-                    <a:cxn ang="0">
-                      <a:pos x="connisteX1" y="connsiteY1"/>
-                    </a:cxn>
-                    <a:cxn ang="0">
-                      <a:pos x="connisteX2" y="connsiteY2"/>
-                    </a:cxn>
-                    <a:cxn ang="0">
-                      <a:pos x="connisteX3" y="connsiteY3"/>
-                    </a:cxn>
-                    <a:cxn ang="0">
-                      <a:pos x="connisteX4" y="connsiteY4"/>
-                    </a:cxn>
-                    <a:cxn ang="0">
-                      <a:pos x="connisteX5" y="connsiteY5"/>
-                    </a:cxn>
-                    <a:cxn ang="0">
-                      <a:pos x="connisteX6" y="connsiteY6"/>
-                    </a:cxn>
-                  </a:cxnLst>
-                  <a:rect l="l" t="t" r="r" b="b"/>
-                  <a:pathLst>
-                    <a:path w="8373110" h="1276350">
-                      <a:moveTo>
-                        <a:pt x="2000885" y="183515"/>
-                      </a:moveTo>
-                      <a:lnTo>
-                        <a:pt x="0" y="1276350"/>
-                      </a:lnTo>
-                      <a:lnTo>
-                        <a:pt x="6533515" y="1276350"/>
-                      </a:lnTo>
-                      <a:lnTo>
-                        <a:pt x="8373110" y="292100"/>
-                      </a:lnTo>
-                      <a:lnTo>
-                        <a:pt x="1817370" y="292100"/>
-                      </a:lnTo>
-                      <a:lnTo>
-                        <a:pt x="2292985" y="32385"/>
-                      </a:lnTo>
-                      <a:lnTo>
-                        <a:pt x="2357755" y="0"/>
-                      </a:lnTo>
-                    </a:path>
-                  </a:pathLst>
-                </a:custGeom>
-                <a:noFill/>
-                <a:ln>
-                  <a:solidFill>
-                    <a:schemeClr val="tx1"/>
-                  </a:solidFill>
-                </a:ln>
-              </p:spPr>
-              <p:style>
-                <a:lnRef idx="2">
-                  <a:schemeClr val="accent1">
-                    <a:shade val="50000"/>
-                  </a:schemeClr>
-                </a:lnRef>
-                <a:fillRef idx="1">
-                  <a:schemeClr val="accent1"/>
-                </a:fillRef>
-                <a:effectRef idx="0">
-                  <a:schemeClr val="accent1"/>
-                </a:effectRef>
-                <a:fontRef idx="minor">
-                  <a:schemeClr val="lt1"/>
-                </a:fontRef>
-              </p:style>
-              <p:txBody>
-                <a:bodyPr rtlCol="0" anchor="ctr"/>
-                <a:p>
-                  <a:pPr algn="ctr"/>
-                  <a:endParaRPr lang="en-US"/>
-                </a:p>
-              </p:txBody>
-            </p:sp>
-            <p:sp>
-              <p:nvSpPr>
-                <p:cNvPr id="66" name="Rectangle 65"/>
-                <p:cNvSpPr/>
-                <p:nvPr/>
-              </p:nvSpPr>
-              <p:spPr>
-                <a:xfrm>
-                  <a:off x="4803" y="1757"/>
-                  <a:ext cx="2300" cy="767"/>
-                </a:xfrm>
-                <a:prstGeom prst="rect">
-                  <a:avLst/>
-                </a:prstGeom>
-                <a:ln>
-                  <a:solidFill>
-                    <a:schemeClr val="bg1"/>
-                  </a:solidFill>
-                </a:ln>
-              </p:spPr>
-              <p:style>
-                <a:lnRef idx="2">
-                  <a:schemeClr val="accent6"/>
-                </a:lnRef>
-                <a:fillRef idx="1">
-                  <a:schemeClr val="lt1"/>
-                </a:fillRef>
-                <a:effectRef idx="0">
-                  <a:schemeClr val="accent6"/>
-                </a:effectRef>
-                <a:fontRef idx="minor">
-                  <a:schemeClr val="dk1"/>
-                </a:fontRef>
-              </p:style>
-              <p:txBody>
-                <a:bodyPr rtlCol="0" anchor="ctr"/>
-                <a:p>
-                  <a:pPr algn="ctr"/>
-                  <a:endParaRPr lang="en-US"/>
-                </a:p>
-              </p:txBody>
-            </p:sp>
-          </p:grpSp>
-          <p:sp>
-            <p:nvSpPr>
-              <p:cNvPr id="67" name="Oval 66"/>
-              <p:cNvSpPr/>
-              <p:nvPr/>
-            </p:nvSpPr>
-            <p:spPr>
-              <a:xfrm>
-                <a:off x="3060" y="5962"/>
-                <a:ext cx="6711" cy="1108"/>
-              </a:xfrm>
-              <a:prstGeom prst="ellipse">
-                <a:avLst/>
-              </a:prstGeom>
-              <a:noFill/>
-              <a:ln>
-                <a:solidFill>
-                  <a:schemeClr val="tx1"/>
-                </a:solidFill>
-              </a:ln>
-            </p:spPr>
-            <p:style>
-              <a:lnRef idx="2">
-                <a:schemeClr val="accent1">
-                  <a:shade val="50000"/>
-                </a:schemeClr>
-              </a:lnRef>
-              <a:fillRef idx="1">
-                <a:schemeClr val="accent1"/>
-              </a:fillRef>
-              <a:effectRef idx="0">
-                <a:schemeClr val="accent1"/>
-              </a:effectRef>
-              <a:fontRef idx="minor">
-                <a:schemeClr val="lt1"/>
-              </a:fontRef>
-            </p:style>
-            <p:txBody>
-              <a:bodyPr rtlCol="0" anchor="ctr"/>
-              <a:p>
-                <a:pPr algn="ctr"/>
-                <a:endParaRPr lang="en-US"/>
-              </a:p>
-            </p:txBody>
-          </p:sp>
-          <p:grpSp>
-            <p:nvGrpSpPr>
-              <p:cNvPr id="68" name="Group 67"/>
-              <p:cNvGrpSpPr/>
-              <p:nvPr/>
-            </p:nvGrpSpPr>
-            <p:grpSpPr>
-              <a:xfrm>
-                <a:off x="2459" y="6443"/>
-                <a:ext cx="1794" cy="681"/>
-                <a:chOff x="2829" y="5587"/>
-                <a:chExt cx="1794" cy="681"/>
-              </a:xfrm>
-            </p:grpSpPr>
-            <p:sp>
-              <p:nvSpPr>
-                <p:cNvPr id="69" name="Oval 68"/>
-                <p:cNvSpPr/>
-                <p:nvPr/>
-              </p:nvSpPr>
-              <p:spPr>
-                <a:xfrm>
-                  <a:off x="2975" y="5928"/>
-                  <a:ext cx="341" cy="341"/>
-                </a:xfrm>
-                <a:prstGeom prst="ellipse">
-                  <a:avLst/>
-                </a:prstGeom>
-                <a:noFill/>
-                <a:ln>
-                  <a:solidFill>
-                    <a:schemeClr val="tx1"/>
-                  </a:solidFill>
-                </a:ln>
-              </p:spPr>
-              <p:style>
-                <a:lnRef idx="2">
-                  <a:schemeClr val="accent1">
-                    <a:shade val="50000"/>
-                  </a:schemeClr>
-                </a:lnRef>
-                <a:fillRef idx="1">
-                  <a:schemeClr val="accent1"/>
-                </a:fillRef>
-                <a:effectRef idx="0">
-                  <a:schemeClr val="accent1"/>
-                </a:effectRef>
-                <a:fontRef idx="minor">
-                  <a:schemeClr val="lt1"/>
-                </a:fontRef>
-              </p:style>
-              <p:txBody>
-                <a:bodyPr rtlCol="0" anchor="ctr"/>
-                <a:p>
-                  <a:pPr algn="ctr"/>
-                  <a:endParaRPr lang="en-US"/>
-                </a:p>
-              </p:txBody>
-            </p:sp>
-            <p:sp>
-              <p:nvSpPr>
-                <p:cNvPr id="70" name="Oval 69"/>
-                <p:cNvSpPr/>
-                <p:nvPr/>
-              </p:nvSpPr>
-              <p:spPr>
-                <a:xfrm>
-                  <a:off x="3316" y="5587"/>
-                  <a:ext cx="341" cy="341"/>
-                </a:xfrm>
-                <a:prstGeom prst="ellipse">
-                  <a:avLst/>
-                </a:prstGeom>
-                <a:noFill/>
-                <a:ln>
-                  <a:solidFill>
-                    <a:schemeClr val="tx1"/>
-                  </a:solidFill>
-                </a:ln>
-              </p:spPr>
-              <p:style>
-                <a:lnRef idx="2">
-                  <a:schemeClr val="accent1">
-                    <a:shade val="50000"/>
-                  </a:schemeClr>
-                </a:lnRef>
-                <a:fillRef idx="1">
-                  <a:schemeClr val="accent1"/>
-                </a:fillRef>
-                <a:effectRef idx="0">
-                  <a:schemeClr val="accent1"/>
-                </a:effectRef>
-                <a:fontRef idx="minor">
-                  <a:schemeClr val="lt1"/>
-                </a:fontRef>
-              </p:style>
-              <p:txBody>
-                <a:bodyPr rtlCol="0" anchor="ctr"/>
-                <a:p>
-                  <a:pPr algn="ctr"/>
-                  <a:endParaRPr lang="en-US"/>
-                </a:p>
-              </p:txBody>
-            </p:sp>
-            <p:sp>
-              <p:nvSpPr>
-                <p:cNvPr id="71" name="Oval 70"/>
-                <p:cNvSpPr/>
-                <p:nvPr/>
-              </p:nvSpPr>
-              <p:spPr>
-                <a:xfrm>
-                  <a:off x="4283" y="5928"/>
-                  <a:ext cx="341" cy="341"/>
-                </a:xfrm>
-                <a:prstGeom prst="ellipse">
-                  <a:avLst/>
-                </a:prstGeom>
-                <a:noFill/>
-                <a:ln>
-                  <a:solidFill>
-                    <a:schemeClr val="tx1"/>
-                  </a:solidFill>
-                </a:ln>
-              </p:spPr>
-              <p:style>
-                <a:lnRef idx="2">
-                  <a:schemeClr val="accent1">
-                    <a:shade val="50000"/>
-                  </a:schemeClr>
-                </a:lnRef>
-                <a:fillRef idx="1">
-                  <a:schemeClr val="accent1"/>
-                </a:fillRef>
-                <a:effectRef idx="0">
-                  <a:schemeClr val="accent1"/>
-                </a:effectRef>
-                <a:fontRef idx="minor">
-                  <a:schemeClr val="lt1"/>
-                </a:fontRef>
-              </p:style>
-              <p:txBody>
-                <a:bodyPr rtlCol="0" anchor="ctr"/>
-                <a:p>
-                  <a:pPr algn="ctr"/>
-                  <a:endParaRPr lang="en-US"/>
-                </a:p>
-              </p:txBody>
-            </p:sp>
-            <p:sp>
-              <p:nvSpPr>
-                <p:cNvPr id="72" name="Oval 71"/>
-                <p:cNvSpPr/>
-                <p:nvPr/>
-              </p:nvSpPr>
-              <p:spPr>
-                <a:xfrm>
-                  <a:off x="2829" y="5782"/>
-                  <a:ext cx="1795" cy="340"/>
-                </a:xfrm>
-                <a:prstGeom prst="ellipse">
-                  <a:avLst/>
-                </a:prstGeom>
-                <a:noFill/>
-                <a:ln>
-                  <a:solidFill>
-                    <a:schemeClr val="tx1"/>
-                  </a:solidFill>
-                </a:ln>
-              </p:spPr>
-              <p:style>
-                <a:lnRef idx="2">
-                  <a:schemeClr val="accent1">
-                    <a:shade val="50000"/>
-                  </a:schemeClr>
-                </a:lnRef>
-                <a:fillRef idx="1">
-                  <a:schemeClr val="accent1"/>
-                </a:fillRef>
-                <a:effectRef idx="0">
-                  <a:schemeClr val="accent1"/>
-                </a:effectRef>
-                <a:fontRef idx="minor">
-                  <a:schemeClr val="lt1"/>
-                </a:fontRef>
-              </p:style>
-              <p:txBody>
-                <a:bodyPr rtlCol="0" anchor="ctr"/>
-                <a:p>
-                  <a:pPr algn="ctr"/>
-                  <a:endParaRPr lang="en-US"/>
-                </a:p>
-              </p:txBody>
-            </p:sp>
-          </p:grpSp>
-          <p:grpSp>
-            <p:nvGrpSpPr>
-              <p:cNvPr id="73" name="Group 72"/>
-              <p:cNvGrpSpPr/>
-              <p:nvPr/>
-            </p:nvGrpSpPr>
-            <p:grpSpPr>
-              <a:xfrm>
-                <a:off x="7877" y="5767"/>
-                <a:ext cx="1794" cy="681"/>
-                <a:chOff x="2829" y="5587"/>
-                <a:chExt cx="1794" cy="681"/>
-              </a:xfrm>
-            </p:grpSpPr>
-            <p:sp>
-              <p:nvSpPr>
-                <p:cNvPr id="74" name="Oval 73"/>
-                <p:cNvSpPr/>
-                <p:nvPr/>
-              </p:nvSpPr>
-              <p:spPr>
-                <a:xfrm>
-                  <a:off x="2975" y="5928"/>
-                  <a:ext cx="341" cy="341"/>
-                </a:xfrm>
-                <a:prstGeom prst="ellipse">
-                  <a:avLst/>
-                </a:prstGeom>
-                <a:noFill/>
-                <a:ln>
-                  <a:solidFill>
-                    <a:schemeClr val="tx1"/>
-                  </a:solidFill>
-                </a:ln>
-              </p:spPr>
-              <p:style>
-                <a:lnRef idx="2">
-                  <a:schemeClr val="accent1">
-                    <a:shade val="50000"/>
-                  </a:schemeClr>
-                </a:lnRef>
-                <a:fillRef idx="1">
-                  <a:schemeClr val="accent1"/>
-                </a:fillRef>
-                <a:effectRef idx="0">
-                  <a:schemeClr val="accent1"/>
-                </a:effectRef>
-                <a:fontRef idx="minor">
-                  <a:schemeClr val="lt1"/>
-                </a:fontRef>
-              </p:style>
-              <p:txBody>
-                <a:bodyPr rtlCol="0" anchor="ctr"/>
-                <a:p>
-                  <a:pPr algn="ctr"/>
-                  <a:endParaRPr lang="en-US"/>
-                </a:p>
-              </p:txBody>
-            </p:sp>
-            <p:sp>
-              <p:nvSpPr>
-                <p:cNvPr id="75" name="Oval 74"/>
-                <p:cNvSpPr/>
-                <p:nvPr/>
-              </p:nvSpPr>
-              <p:spPr>
-                <a:xfrm>
-                  <a:off x="3316" y="5587"/>
-                  <a:ext cx="341" cy="341"/>
-                </a:xfrm>
-                <a:prstGeom prst="ellipse">
-                  <a:avLst/>
-                </a:prstGeom>
-                <a:noFill/>
-                <a:ln>
-                  <a:solidFill>
-                    <a:schemeClr val="tx1"/>
-                  </a:solidFill>
-                </a:ln>
-              </p:spPr>
-              <p:style>
-                <a:lnRef idx="2">
-                  <a:schemeClr val="accent1">
-                    <a:shade val="50000"/>
-                  </a:schemeClr>
-                </a:lnRef>
-                <a:fillRef idx="1">
-                  <a:schemeClr val="accent1"/>
-                </a:fillRef>
-                <a:effectRef idx="0">
-                  <a:schemeClr val="accent1"/>
-                </a:effectRef>
-                <a:fontRef idx="minor">
-                  <a:schemeClr val="lt1"/>
-                </a:fontRef>
-              </p:style>
-              <p:txBody>
-                <a:bodyPr rtlCol="0" anchor="ctr"/>
-                <a:p>
-                  <a:pPr algn="ctr"/>
-                  <a:endParaRPr lang="en-US"/>
-                </a:p>
-              </p:txBody>
-            </p:sp>
-            <p:sp>
-              <p:nvSpPr>
-                <p:cNvPr id="76" name="Oval 75"/>
-                <p:cNvSpPr/>
-                <p:nvPr/>
-              </p:nvSpPr>
-              <p:spPr>
-                <a:xfrm>
-                  <a:off x="4283" y="5928"/>
-                  <a:ext cx="341" cy="341"/>
-                </a:xfrm>
-                <a:prstGeom prst="ellipse">
-                  <a:avLst/>
-                </a:prstGeom>
-                <a:noFill/>
-                <a:ln>
-                  <a:solidFill>
-                    <a:schemeClr val="tx1"/>
-                  </a:solidFill>
-                </a:ln>
-              </p:spPr>
-              <p:style>
-                <a:lnRef idx="2">
-                  <a:schemeClr val="accent1">
-                    <a:shade val="50000"/>
-                  </a:schemeClr>
-                </a:lnRef>
-                <a:fillRef idx="1">
-                  <a:schemeClr val="accent1"/>
-                </a:fillRef>
-                <a:effectRef idx="0">
-                  <a:schemeClr val="accent1"/>
-                </a:effectRef>
-                <a:fontRef idx="minor">
-                  <a:schemeClr val="lt1"/>
-                </a:fontRef>
-              </p:style>
-              <p:txBody>
-                <a:bodyPr rtlCol="0" anchor="ctr"/>
-                <a:p>
-                  <a:pPr algn="ctr"/>
-                  <a:endParaRPr lang="en-US"/>
-                </a:p>
-              </p:txBody>
-            </p:sp>
-            <p:sp>
-              <p:nvSpPr>
-                <p:cNvPr id="77" name="Oval 76"/>
-                <p:cNvSpPr/>
-                <p:nvPr/>
-              </p:nvSpPr>
-              <p:spPr>
-                <a:xfrm>
-                  <a:off x="2829" y="5782"/>
-                  <a:ext cx="1795" cy="340"/>
-                </a:xfrm>
-                <a:prstGeom prst="ellipse">
-                  <a:avLst/>
-                </a:prstGeom>
-                <a:noFill/>
-                <a:ln>
-                  <a:solidFill>
-                    <a:schemeClr val="tx1"/>
-                  </a:solidFill>
-                </a:ln>
-              </p:spPr>
-              <p:style>
-                <a:lnRef idx="2">
-                  <a:schemeClr val="accent1">
-                    <a:shade val="50000"/>
-                  </a:schemeClr>
-                </a:lnRef>
-                <a:fillRef idx="1">
-                  <a:schemeClr val="accent1"/>
-                </a:fillRef>
-                <a:effectRef idx="0">
-                  <a:schemeClr val="accent1"/>
-                </a:effectRef>
-                <a:fontRef idx="minor">
-                  <a:schemeClr val="lt1"/>
-                </a:fontRef>
-              </p:style>
-              <p:txBody>
-                <a:bodyPr rtlCol="0" anchor="ctr"/>
-                <a:p>
-                  <a:pPr algn="ctr"/>
-                  <a:endParaRPr lang="en-US"/>
-                </a:p>
-              </p:txBody>
-            </p:sp>
-          </p:grpSp>
-          <p:grpSp>
-            <p:nvGrpSpPr>
-              <p:cNvPr id="78" name="Group 77"/>
-              <p:cNvGrpSpPr/>
-              <p:nvPr/>
-            </p:nvGrpSpPr>
-            <p:grpSpPr>
-              <a:xfrm>
-                <a:off x="3947" y="5616"/>
-                <a:ext cx="1794" cy="681"/>
-                <a:chOff x="2829" y="5587"/>
-                <a:chExt cx="1794" cy="681"/>
-              </a:xfrm>
-            </p:grpSpPr>
-            <p:sp>
-              <p:nvSpPr>
-                <p:cNvPr id="80" name="Oval 79"/>
-                <p:cNvSpPr/>
-                <p:nvPr/>
-              </p:nvSpPr>
-              <p:spPr>
-                <a:xfrm>
-                  <a:off x="2975" y="5928"/>
-                  <a:ext cx="341" cy="341"/>
-                </a:xfrm>
-                <a:prstGeom prst="ellipse">
-                  <a:avLst/>
-                </a:prstGeom>
-                <a:noFill/>
-                <a:ln>
-                  <a:solidFill>
-                    <a:schemeClr val="tx1"/>
-                  </a:solidFill>
-                </a:ln>
-              </p:spPr>
-              <p:style>
-                <a:lnRef idx="2">
-                  <a:schemeClr val="accent1">
-                    <a:shade val="50000"/>
-                  </a:schemeClr>
-                </a:lnRef>
-                <a:fillRef idx="1">
-                  <a:schemeClr val="accent1"/>
-                </a:fillRef>
-                <a:effectRef idx="0">
-                  <a:schemeClr val="accent1"/>
-                </a:effectRef>
-                <a:fontRef idx="minor">
-                  <a:schemeClr val="lt1"/>
-                </a:fontRef>
-              </p:style>
-              <p:txBody>
-                <a:bodyPr rtlCol="0" anchor="ctr"/>
-                <a:p>
-                  <a:pPr algn="ctr"/>
-                  <a:endParaRPr lang="en-US"/>
-                </a:p>
-              </p:txBody>
-            </p:sp>
-            <p:sp>
-              <p:nvSpPr>
-                <p:cNvPr id="81" name="Oval 80"/>
-                <p:cNvSpPr/>
-                <p:nvPr/>
-              </p:nvSpPr>
-              <p:spPr>
-                <a:xfrm>
-                  <a:off x="3316" y="5587"/>
-                  <a:ext cx="341" cy="341"/>
-                </a:xfrm>
-                <a:prstGeom prst="ellipse">
-                  <a:avLst/>
-                </a:prstGeom>
-                <a:noFill/>
-                <a:ln>
-                  <a:solidFill>
-                    <a:schemeClr val="tx1"/>
-                  </a:solidFill>
-                </a:ln>
-              </p:spPr>
-              <p:style>
-                <a:lnRef idx="2">
-                  <a:schemeClr val="accent1">
-                    <a:shade val="50000"/>
-                  </a:schemeClr>
-                </a:lnRef>
-                <a:fillRef idx="1">
-                  <a:schemeClr val="accent1"/>
-                </a:fillRef>
-                <a:effectRef idx="0">
-                  <a:schemeClr val="accent1"/>
-                </a:effectRef>
-                <a:fontRef idx="minor">
-                  <a:schemeClr val="lt1"/>
-                </a:fontRef>
-              </p:style>
-              <p:txBody>
-                <a:bodyPr rtlCol="0" anchor="ctr"/>
-                <a:p>
-                  <a:pPr algn="ctr"/>
-                  <a:endParaRPr lang="en-US"/>
-                </a:p>
-              </p:txBody>
-            </p:sp>
-            <p:sp>
-              <p:nvSpPr>
-                <p:cNvPr id="82" name="Oval 81"/>
-                <p:cNvSpPr/>
-                <p:nvPr/>
-              </p:nvSpPr>
-              <p:spPr>
-                <a:xfrm>
-                  <a:off x="4283" y="5928"/>
-                  <a:ext cx="341" cy="341"/>
-                </a:xfrm>
-                <a:prstGeom prst="ellipse">
-                  <a:avLst/>
-                </a:prstGeom>
-                <a:noFill/>
-                <a:ln>
-                  <a:solidFill>
-                    <a:schemeClr val="tx1"/>
-                  </a:solidFill>
-                </a:ln>
-              </p:spPr>
-              <p:style>
-                <a:lnRef idx="2">
-                  <a:schemeClr val="accent1">
-                    <a:shade val="50000"/>
-                  </a:schemeClr>
-                </a:lnRef>
-                <a:fillRef idx="1">
-                  <a:schemeClr val="accent1"/>
-                </a:fillRef>
-                <a:effectRef idx="0">
-                  <a:schemeClr val="accent1"/>
-                </a:effectRef>
-                <a:fontRef idx="minor">
-                  <a:schemeClr val="lt1"/>
-                </a:fontRef>
-              </p:style>
-              <p:txBody>
-                <a:bodyPr rtlCol="0" anchor="ctr"/>
-                <a:p>
-                  <a:pPr algn="ctr"/>
-                  <a:endParaRPr lang="en-US"/>
-                </a:p>
-              </p:txBody>
-            </p:sp>
-            <p:sp>
-              <p:nvSpPr>
-                <p:cNvPr id="83" name="Oval 82"/>
-                <p:cNvSpPr/>
-                <p:nvPr/>
-              </p:nvSpPr>
-              <p:spPr>
-                <a:xfrm>
-                  <a:off x="2829" y="5782"/>
-                  <a:ext cx="1795" cy="340"/>
-                </a:xfrm>
-                <a:prstGeom prst="ellipse">
-                  <a:avLst/>
-                </a:prstGeom>
-                <a:noFill/>
-                <a:ln>
-                  <a:solidFill>
-                    <a:schemeClr val="tx1"/>
-                  </a:solidFill>
-                </a:ln>
-              </p:spPr>
-              <p:style>
-                <a:lnRef idx="2">
-                  <a:schemeClr val="accent1">
-                    <a:shade val="50000"/>
-                  </a:schemeClr>
-                </a:lnRef>
-                <a:fillRef idx="1">
-                  <a:schemeClr val="accent1"/>
-                </a:fillRef>
-                <a:effectRef idx="0">
-                  <a:schemeClr val="accent1"/>
-                </a:effectRef>
-                <a:fontRef idx="minor">
-                  <a:schemeClr val="lt1"/>
-                </a:fontRef>
-              </p:style>
-              <p:txBody>
-                <a:bodyPr rtlCol="0" anchor="ctr"/>
-                <a:p>
-                  <a:pPr algn="ctr"/>
-                  <a:endParaRPr lang="en-US"/>
-                </a:p>
-              </p:txBody>
-            </p:sp>
-          </p:grpSp>
-          <p:grpSp>
-            <p:nvGrpSpPr>
-              <p:cNvPr id="84" name="Group 83"/>
-              <p:cNvGrpSpPr/>
-              <p:nvPr/>
-            </p:nvGrpSpPr>
-            <p:grpSpPr>
-              <a:xfrm>
-                <a:off x="6396" y="6638"/>
-                <a:ext cx="1794" cy="681"/>
-                <a:chOff x="2829" y="5587"/>
-                <a:chExt cx="1794" cy="681"/>
-              </a:xfrm>
-            </p:grpSpPr>
-            <p:sp>
-              <p:nvSpPr>
-                <p:cNvPr id="85" name="Oval 84"/>
-                <p:cNvSpPr/>
-                <p:nvPr/>
-              </p:nvSpPr>
-              <p:spPr>
-                <a:xfrm>
-                  <a:off x="2975" y="5928"/>
-                  <a:ext cx="341" cy="341"/>
-                </a:xfrm>
-                <a:prstGeom prst="ellipse">
-                  <a:avLst/>
-                </a:prstGeom>
-                <a:noFill/>
-                <a:ln>
-                  <a:solidFill>
-                    <a:schemeClr val="tx1"/>
-                  </a:solidFill>
-                </a:ln>
-              </p:spPr>
-              <p:style>
-                <a:lnRef idx="2">
-                  <a:schemeClr val="accent1">
-                    <a:shade val="50000"/>
-                  </a:schemeClr>
-                </a:lnRef>
-                <a:fillRef idx="1">
-                  <a:schemeClr val="accent1"/>
-                </a:fillRef>
-                <a:effectRef idx="0">
-                  <a:schemeClr val="accent1"/>
-                </a:effectRef>
-                <a:fontRef idx="minor">
-                  <a:schemeClr val="lt1"/>
-                </a:fontRef>
-              </p:style>
-              <p:txBody>
-                <a:bodyPr rtlCol="0" anchor="ctr"/>
-                <a:p>
-                  <a:pPr algn="ctr"/>
-                  <a:endParaRPr lang="en-US"/>
-                </a:p>
-              </p:txBody>
-            </p:sp>
-            <p:sp>
-              <p:nvSpPr>
-                <p:cNvPr id="86" name="Oval 85"/>
-                <p:cNvSpPr/>
-                <p:nvPr/>
-              </p:nvSpPr>
-              <p:spPr>
-                <a:xfrm>
-                  <a:off x="3316" y="5587"/>
-                  <a:ext cx="341" cy="341"/>
-                </a:xfrm>
-                <a:prstGeom prst="ellipse">
-                  <a:avLst/>
-                </a:prstGeom>
-                <a:noFill/>
-                <a:ln>
-                  <a:solidFill>
-                    <a:schemeClr val="tx1"/>
-                  </a:solidFill>
-                </a:ln>
-              </p:spPr>
-              <p:style>
-                <a:lnRef idx="2">
-                  <a:schemeClr val="accent1">
-                    <a:shade val="50000"/>
-                  </a:schemeClr>
-                </a:lnRef>
-                <a:fillRef idx="1">
-                  <a:schemeClr val="accent1"/>
-                </a:fillRef>
-                <a:effectRef idx="0">
-                  <a:schemeClr val="accent1"/>
-                </a:effectRef>
-                <a:fontRef idx="minor">
-                  <a:schemeClr val="lt1"/>
-                </a:fontRef>
-              </p:style>
-              <p:txBody>
-                <a:bodyPr rtlCol="0" anchor="ctr"/>
-                <a:p>
-                  <a:pPr algn="ctr"/>
-                  <a:endParaRPr lang="en-US"/>
-                </a:p>
-              </p:txBody>
-            </p:sp>
-            <p:sp>
-              <p:nvSpPr>
-                <p:cNvPr id="87" name="Oval 86"/>
-                <p:cNvSpPr/>
-                <p:nvPr/>
-              </p:nvSpPr>
-              <p:spPr>
-                <a:xfrm>
-                  <a:off x="4283" y="5928"/>
-                  <a:ext cx="341" cy="341"/>
-                </a:xfrm>
-                <a:prstGeom prst="ellipse">
-                  <a:avLst/>
-                </a:prstGeom>
-                <a:noFill/>
-                <a:ln>
-                  <a:solidFill>
-                    <a:schemeClr val="tx1"/>
-                  </a:solidFill>
-                </a:ln>
-              </p:spPr>
-              <p:style>
-                <a:lnRef idx="2">
-                  <a:schemeClr val="accent1">
-                    <a:shade val="50000"/>
-                  </a:schemeClr>
-                </a:lnRef>
-                <a:fillRef idx="1">
-                  <a:schemeClr val="accent1"/>
-                </a:fillRef>
-                <a:effectRef idx="0">
-                  <a:schemeClr val="accent1"/>
-                </a:effectRef>
-                <a:fontRef idx="minor">
-                  <a:schemeClr val="lt1"/>
-                </a:fontRef>
-              </p:style>
-              <p:txBody>
-                <a:bodyPr rtlCol="0" anchor="ctr"/>
-                <a:p>
-                  <a:pPr algn="ctr"/>
-                  <a:endParaRPr lang="en-US"/>
-                </a:p>
-              </p:txBody>
-            </p:sp>
-            <p:sp>
-              <p:nvSpPr>
-                <p:cNvPr id="88" name="Oval 87"/>
-                <p:cNvSpPr/>
-                <p:nvPr/>
-              </p:nvSpPr>
-              <p:spPr>
-                <a:xfrm>
-                  <a:off x="2829" y="5782"/>
-                  <a:ext cx="1795" cy="340"/>
-                </a:xfrm>
-                <a:prstGeom prst="ellipse">
-                  <a:avLst/>
-                </a:prstGeom>
-                <a:noFill/>
-                <a:ln>
-                  <a:solidFill>
-                    <a:schemeClr val="tx1"/>
-                  </a:solidFill>
-                </a:ln>
-              </p:spPr>
-              <p:style>
-                <a:lnRef idx="2">
-                  <a:schemeClr val="accent1">
-                    <a:shade val="50000"/>
-                  </a:schemeClr>
-                </a:lnRef>
-                <a:fillRef idx="1">
-                  <a:schemeClr val="accent1"/>
-                </a:fillRef>
-                <a:effectRef idx="0">
-                  <a:schemeClr val="accent1"/>
-                </a:effectRef>
-                <a:fontRef idx="minor">
-                  <a:schemeClr val="lt1"/>
-                </a:fontRef>
-              </p:style>
-              <p:txBody>
-                <a:bodyPr rtlCol="0" anchor="ctr"/>
-                <a:p>
-                  <a:pPr algn="ctr"/>
-                  <a:endParaRPr lang="en-US"/>
-                </a:p>
-              </p:txBody>
-            </p:sp>
-          </p:grpSp>
-        </p:grpSp>
-        <p:cxnSp>
-          <p:nvCxnSpPr>
-            <p:cNvPr id="89" name="Straight Connector 88"/>
-            <p:cNvCxnSpPr>
-              <a:stCxn id="21" idx="2"/>
-              <a:endCxn id="39" idx="1"/>
-            </p:cNvCxnSpPr>
-            <p:nvPr/>
-          </p:nvCxnSpPr>
-          <p:spPr>
-            <a:xfrm flipH="1">
-              <a:off x="284" y="2335"/>
-              <a:ext cx="5093" cy="3217"/>
-            </a:xfrm>
-            <a:prstGeom prst="line">
-              <a:avLst/>
-            </a:prstGeom>
-            <a:ln>
-              <a:solidFill>
-                <a:schemeClr val="bg1">
-                  <a:lumMod val="65000"/>
-                </a:schemeClr>
-              </a:solidFill>
-            </a:ln>
-          </p:spPr>
-          <p:style>
-            <a:lnRef idx="1">
-              <a:schemeClr val="accent1"/>
-            </a:lnRef>
-            <a:fillRef idx="0">
-              <a:schemeClr val="accent1"/>
-            </a:fillRef>
-            <a:effectRef idx="0">
-              <a:schemeClr val="accent1"/>
-            </a:effectRef>
-            <a:fontRef idx="minor">
-              <a:schemeClr val="tx1"/>
-            </a:fontRef>
-          </p:style>
-        </p:cxnSp>
-        <p:cxnSp>
-          <p:nvCxnSpPr>
-            <p:cNvPr id="90" name="Straight Connector 89"/>
-            <p:cNvCxnSpPr>
-              <a:stCxn id="21" idx="6"/>
-              <a:endCxn id="39" idx="3"/>
-            </p:cNvCxnSpPr>
-            <p:nvPr/>
-          </p:nvCxnSpPr>
-          <p:spPr>
-            <a:xfrm>
-              <a:off x="7172" y="2335"/>
-              <a:ext cx="999" cy="2290"/>
-            </a:xfrm>
-            <a:prstGeom prst="line">
-              <a:avLst/>
-            </a:prstGeom>
-            <a:ln>
-              <a:solidFill>
-                <a:schemeClr val="bg1">
-                  <a:lumMod val="65000"/>
-                </a:schemeClr>
-              </a:solidFill>
-            </a:ln>
-          </p:spPr>
-          <p:style>
-            <a:lnRef idx="1">
-              <a:schemeClr val="accent1"/>
-            </a:lnRef>
-            <a:fillRef idx="0">
-              <a:schemeClr val="accent1"/>
-            </a:fillRef>
-            <a:effectRef idx="0">
-              <a:schemeClr val="accent1"/>
-            </a:effectRef>
-            <a:fontRef idx="minor">
-              <a:schemeClr val="tx1"/>
-            </a:fontRef>
-          </p:style>
-        </p:cxnSp>
-        <p:cxnSp>
-          <p:nvCxnSpPr>
-            <p:cNvPr id="91" name="Straight Connector 90"/>
-            <p:cNvCxnSpPr>
-              <a:stCxn id="37" idx="2"/>
-              <a:endCxn id="65" idx="1"/>
-            </p:cNvCxnSpPr>
-            <p:nvPr/>
-          </p:nvCxnSpPr>
-          <p:spPr>
-            <a:xfrm flipH="1">
-              <a:off x="8660" y="2530"/>
-              <a:ext cx="654" cy="3022"/>
-            </a:xfrm>
-            <a:prstGeom prst="line">
-              <a:avLst/>
-            </a:prstGeom>
-            <a:ln>
-              <a:solidFill>
-                <a:schemeClr val="bg1">
-                  <a:lumMod val="65000"/>
-                </a:schemeClr>
-              </a:solidFill>
-            </a:ln>
-          </p:spPr>
-          <p:style>
-            <a:lnRef idx="1">
-              <a:schemeClr val="accent1"/>
-            </a:lnRef>
-            <a:fillRef idx="0">
-              <a:schemeClr val="accent1"/>
-            </a:fillRef>
-            <a:effectRef idx="0">
-              <a:schemeClr val="accent1"/>
-            </a:effectRef>
-            <a:fontRef idx="minor">
-              <a:schemeClr val="tx1"/>
-            </a:fontRef>
-          </p:style>
-        </p:cxnSp>
-        <p:cxnSp>
-          <p:nvCxnSpPr>
-            <p:cNvPr id="92" name="Straight Connector 91"/>
-            <p:cNvCxnSpPr>
-              <a:stCxn id="37" idx="6"/>
-              <a:endCxn id="65" idx="3"/>
-            </p:cNvCxnSpPr>
-            <p:nvPr/>
-          </p:nvCxnSpPr>
-          <p:spPr>
-            <a:xfrm>
-              <a:off x="11109" y="2530"/>
-              <a:ext cx="5438" cy="2095"/>
-            </a:xfrm>
-            <a:prstGeom prst="line">
-              <a:avLst/>
-            </a:prstGeom>
-            <a:ln>
-              <a:solidFill>
-                <a:schemeClr val="bg1">
-                  <a:lumMod val="65000"/>
-                </a:schemeClr>
-              </a:solidFill>
-            </a:ln>
-          </p:spPr>
-          <p:style>
-            <a:lnRef idx="1">
-              <a:schemeClr val="accent1"/>
-            </a:lnRef>
-            <a:fillRef idx="0">
-              <a:schemeClr val="accent1"/>
-            </a:fillRef>
-            <a:effectRef idx="0">
-              <a:schemeClr val="accent1"/>
-            </a:effectRef>
-            <a:fontRef idx="minor">
-              <a:schemeClr val="tx1"/>
-            </a:fontRef>
-          </p:style>
-        </p:cxnSp>
-        <p:grpSp>
-          <p:nvGrpSpPr>
-            <p:cNvPr id="95" name="Group 94"/>
-            <p:cNvGrpSpPr/>
-            <p:nvPr/>
-          </p:nvGrpSpPr>
-          <p:grpSpPr>
-            <a:xfrm rot="0">
-              <a:off x="1870" y="6953"/>
-              <a:ext cx="13186" cy="2351"/>
-              <a:chOff x="2538" y="1796"/>
-              <a:chExt cx="13186" cy="2351"/>
-            </a:xfrm>
-          </p:grpSpPr>
-          <p:sp>
-            <p:nvSpPr>
-              <p:cNvPr id="96" name="Freeform 95"/>
-              <p:cNvSpPr/>
-              <p:nvPr/>
-            </p:nvSpPr>
-            <p:spPr>
-              <a:xfrm>
-                <a:off x="2538" y="2137"/>
-                <a:ext cx="13186" cy="2010"/>
-              </a:xfrm>
-              <a:custGeom>
-                <a:avLst/>
-                <a:gdLst>
-                  <a:gd name="connisteX0" fmla="*/ 2000885 w 8373110"/>
-                  <a:gd name="connsiteY0" fmla="*/ 183515 h 1276350"/>
-                  <a:gd name="connisteX1" fmla="*/ 0 w 8373110"/>
-                  <a:gd name="connsiteY1" fmla="*/ 1276350 h 1276350"/>
-                  <a:gd name="connisteX2" fmla="*/ 6533515 w 8373110"/>
-                  <a:gd name="connsiteY2" fmla="*/ 1276350 h 1276350"/>
-                  <a:gd name="connisteX3" fmla="*/ 8373110 w 8373110"/>
-                  <a:gd name="connsiteY3" fmla="*/ 292100 h 1276350"/>
-                  <a:gd name="connisteX4" fmla="*/ 1817370 w 8373110"/>
-                  <a:gd name="connsiteY4" fmla="*/ 292100 h 1276350"/>
-                  <a:gd name="connisteX5" fmla="*/ 2292985 w 8373110"/>
-                  <a:gd name="connsiteY5" fmla="*/ 32385 h 1276350"/>
-                  <a:gd name="connisteX6" fmla="*/ 2357755 w 8373110"/>
-                  <a:gd name="connsiteY6" fmla="*/ 0 h 1276350"/>
-                </a:gdLst>
-                <a:ahLst/>
-                <a:cxnLst>
-                  <a:cxn ang="0">
-                    <a:pos x="connisteX0" y="connsiteY0"/>
-                  </a:cxn>
-                  <a:cxn ang="0">
-                    <a:pos x="connisteX1" y="connsiteY1"/>
-                  </a:cxn>
-                  <a:cxn ang="0">
-                    <a:pos x="connisteX2" y="connsiteY2"/>
-                  </a:cxn>
-                  <a:cxn ang="0">
-                    <a:pos x="connisteX3" y="connsiteY3"/>
-                  </a:cxn>
-                  <a:cxn ang="0">
-                    <a:pos x="connisteX4" y="connsiteY4"/>
-                  </a:cxn>
-                  <a:cxn ang="0">
-                    <a:pos x="connisteX5" y="connsiteY5"/>
-                  </a:cxn>
-                  <a:cxn ang="0">
-                    <a:pos x="connisteX6" y="connsiteY6"/>
-                  </a:cxn>
-                </a:cxnLst>
-                <a:rect l="l" t="t" r="r" b="b"/>
-                <a:pathLst>
-                  <a:path w="8373110" h="1276350">
-                    <a:moveTo>
-                      <a:pt x="2000885" y="183515"/>
-                    </a:moveTo>
-                    <a:lnTo>
-                      <a:pt x="0" y="1276350"/>
-                    </a:lnTo>
-                    <a:lnTo>
-                      <a:pt x="6533515" y="1276350"/>
-                    </a:lnTo>
-                    <a:lnTo>
-                      <a:pt x="8373110" y="292100"/>
-                    </a:lnTo>
-                    <a:lnTo>
-                      <a:pt x="1817370" y="292100"/>
-                    </a:lnTo>
-                    <a:lnTo>
-                      <a:pt x="2292985" y="32385"/>
-                    </a:lnTo>
-                    <a:lnTo>
-                      <a:pt x="2357755" y="0"/>
-                    </a:lnTo>
-                  </a:path>
-                </a:pathLst>
-              </a:custGeom>
-              <a:noFill/>
-              <a:ln>
-                <a:solidFill>
-                  <a:schemeClr val="tx1"/>
-                </a:solidFill>
-              </a:ln>
-            </p:spPr>
-            <p:style>
-              <a:lnRef idx="2">
-                <a:schemeClr val="accent1">
-                  <a:shade val="50000"/>
-                </a:schemeClr>
-              </a:lnRef>
-              <a:fillRef idx="1">
-                <a:schemeClr val="accent1"/>
-              </a:fillRef>
-              <a:effectRef idx="0">
-                <a:schemeClr val="accent1"/>
-              </a:effectRef>
-              <a:fontRef idx="minor">
-                <a:schemeClr val="lt1"/>
-              </a:fontRef>
-            </p:style>
-            <p:txBody>
-              <a:bodyPr rtlCol="0" anchor="ctr"/>
-              <a:p>
-                <a:pPr algn="ctr"/>
-                <a:endParaRPr lang="en-US"/>
-              </a:p>
-            </p:txBody>
-          </p:sp>
-          <p:sp>
-            <p:nvSpPr>
-              <p:cNvPr id="97" name="Rectangle 96"/>
-              <p:cNvSpPr/>
-              <p:nvPr/>
-            </p:nvSpPr>
-            <p:spPr>
-              <a:xfrm>
-                <a:off x="4803" y="1796"/>
-                <a:ext cx="2300" cy="767"/>
-              </a:xfrm>
-              <a:prstGeom prst="rect">
-                <a:avLst/>
-              </a:prstGeom>
-              <a:ln>
-                <a:solidFill>
-                  <a:schemeClr val="bg1"/>
-                </a:solidFill>
-              </a:ln>
-            </p:spPr>
-            <p:style>
-              <a:lnRef idx="2">
-                <a:schemeClr val="accent6"/>
-              </a:lnRef>
-              <a:fillRef idx="1">
-                <a:schemeClr val="lt1"/>
-              </a:fillRef>
-              <a:effectRef idx="0">
-                <a:schemeClr val="accent6"/>
-              </a:effectRef>
-              <a:fontRef idx="minor">
-                <a:schemeClr val="dk1"/>
-              </a:fontRef>
-            </p:style>
-            <p:txBody>
-              <a:bodyPr rtlCol="0" anchor="ctr"/>
-              <a:p>
-                <a:pPr algn="ctr"/>
-                <a:endParaRPr lang="en-US"/>
-              </a:p>
-            </p:txBody>
-          </p:sp>
-        </p:grpSp>
-        <p:sp>
-          <p:nvSpPr>
-            <p:cNvPr id="98" name="Oval 97"/>
-            <p:cNvSpPr/>
-            <p:nvPr/>
-          </p:nvSpPr>
-          <p:spPr>
-            <a:xfrm>
-              <a:off x="5123" y="7958"/>
-              <a:ext cx="6711" cy="1108"/>
-            </a:xfrm>
-            <a:prstGeom prst="ellipse">
-              <a:avLst/>
-            </a:prstGeom>
-            <a:noFill/>
-            <a:ln>
-              <a:solidFill>
-                <a:schemeClr val="tx1"/>
-              </a:solidFill>
-            </a:ln>
-          </p:spPr>
-          <p:style>
-            <a:lnRef idx="2">
-              <a:schemeClr val="accent1">
-                <a:shade val="50000"/>
-              </a:schemeClr>
-            </a:lnRef>
-            <a:fillRef idx="1">
-              <a:schemeClr val="accent1"/>
-            </a:fillRef>
-            <a:effectRef idx="0">
-              <a:schemeClr val="accent1"/>
-            </a:effectRef>
-            <a:fontRef idx="minor">
-              <a:schemeClr val="lt1"/>
-            </a:fontRef>
-          </p:style>
-          <p:txBody>
-            <a:bodyPr rtlCol="0" anchor="ctr"/>
-            <a:p>
-              <a:pPr algn="ctr"/>
-              <a:endParaRPr lang="en-US"/>
-            </a:p>
-          </p:txBody>
-        </p:sp>
-        <p:sp>
-          <p:nvSpPr>
-            <p:cNvPr id="100" name="Oval 99"/>
-            <p:cNvSpPr/>
-            <p:nvPr/>
-          </p:nvSpPr>
-          <p:spPr>
-            <a:xfrm>
-              <a:off x="7201" y="7809"/>
-              <a:ext cx="341" cy="341"/>
-            </a:xfrm>
-            <a:prstGeom prst="ellipse">
-              <a:avLst/>
-            </a:prstGeom>
-            <a:noFill/>
-            <a:ln>
-              <a:solidFill>
-                <a:schemeClr val="tx1"/>
-              </a:solidFill>
-            </a:ln>
-          </p:spPr>
-          <p:style>
-            <a:lnRef idx="2">
-              <a:schemeClr val="accent1">
-                <a:shade val="50000"/>
-              </a:schemeClr>
-            </a:lnRef>
-            <a:fillRef idx="1">
-              <a:schemeClr val="accent1"/>
-            </a:fillRef>
-            <a:effectRef idx="0">
-              <a:schemeClr val="accent1"/>
-            </a:effectRef>
-            <a:fontRef idx="minor">
-              <a:schemeClr val="lt1"/>
-            </a:fontRef>
-          </p:style>
-          <p:txBody>
-            <a:bodyPr rtlCol="0" anchor="ctr"/>
-            <a:p>
-              <a:pPr algn="ctr"/>
-              <a:endParaRPr lang="en-US"/>
-            </a:p>
-          </p:txBody>
-        </p:sp>
-        <p:sp>
-          <p:nvSpPr>
-            <p:cNvPr id="101" name="Oval 100"/>
-            <p:cNvSpPr/>
-            <p:nvPr/>
-          </p:nvSpPr>
-          <p:spPr>
-            <a:xfrm>
-              <a:off x="5903" y="7916"/>
-              <a:ext cx="341" cy="341"/>
-            </a:xfrm>
-            <a:prstGeom prst="ellipse">
-              <a:avLst/>
-            </a:prstGeom>
-            <a:noFill/>
-            <a:ln>
-              <a:solidFill>
-                <a:schemeClr val="tx1"/>
-              </a:solidFill>
-            </a:ln>
-          </p:spPr>
-          <p:style>
-            <a:lnRef idx="2">
-              <a:schemeClr val="accent1">
-                <a:shade val="50000"/>
-              </a:schemeClr>
-            </a:lnRef>
-            <a:fillRef idx="1">
-              <a:schemeClr val="accent1"/>
-            </a:fillRef>
-            <a:effectRef idx="0">
-              <a:schemeClr val="accent1"/>
-            </a:effectRef>
-            <a:fontRef idx="minor">
-              <a:schemeClr val="lt1"/>
-            </a:fontRef>
-          </p:style>
-          <p:txBody>
-            <a:bodyPr rtlCol="0" anchor="ctr"/>
-            <a:p>
-              <a:pPr algn="ctr"/>
-              <a:endParaRPr lang="en-US"/>
-            </a:p>
-          </p:txBody>
-        </p:sp>
-        <p:sp>
-          <p:nvSpPr>
-            <p:cNvPr id="102" name="Oval 101"/>
-            <p:cNvSpPr/>
-            <p:nvPr/>
-          </p:nvSpPr>
-          <p:spPr>
-            <a:xfrm>
-              <a:off x="8789" y="7792"/>
-              <a:ext cx="341" cy="341"/>
-            </a:xfrm>
-            <a:prstGeom prst="ellipse">
-              <a:avLst/>
-            </a:prstGeom>
-            <a:noFill/>
-            <a:ln>
-              <a:solidFill>
-                <a:schemeClr val="tx1"/>
-              </a:solidFill>
-            </a:ln>
-          </p:spPr>
-          <p:style>
-            <a:lnRef idx="2">
-              <a:schemeClr val="accent1">
-                <a:shade val="50000"/>
-              </a:schemeClr>
-            </a:lnRef>
-            <a:fillRef idx="1">
-              <a:schemeClr val="accent1"/>
-            </a:fillRef>
-            <a:effectRef idx="0">
-              <a:schemeClr val="accent1"/>
-            </a:effectRef>
-            <a:fontRef idx="minor">
-              <a:schemeClr val="lt1"/>
-            </a:fontRef>
-          </p:style>
-          <p:txBody>
-            <a:bodyPr rtlCol="0" anchor="ctr"/>
-            <a:p>
-              <a:pPr algn="ctr"/>
-              <a:endParaRPr lang="en-US"/>
-            </a:p>
-          </p:txBody>
-        </p:sp>
-        <p:sp>
-          <p:nvSpPr>
-            <p:cNvPr id="135" name="Oval 134"/>
-            <p:cNvSpPr/>
-            <p:nvPr/>
-          </p:nvSpPr>
-          <p:spPr>
-            <a:xfrm>
-              <a:off x="10266" y="7916"/>
-              <a:ext cx="341" cy="341"/>
-            </a:xfrm>
-            <a:prstGeom prst="ellipse">
-              <a:avLst/>
-            </a:prstGeom>
-            <a:noFill/>
-            <a:ln>
-              <a:solidFill>
-                <a:schemeClr val="tx1"/>
-              </a:solidFill>
-            </a:ln>
-          </p:spPr>
-          <p:style>
-            <a:lnRef idx="2">
-              <a:schemeClr val="accent1">
-                <a:shade val="50000"/>
-              </a:schemeClr>
-            </a:lnRef>
-            <a:fillRef idx="1">
-              <a:schemeClr val="accent1"/>
-            </a:fillRef>
-            <a:effectRef idx="0">
-              <a:schemeClr val="accent1"/>
-            </a:effectRef>
-            <a:fontRef idx="minor">
-              <a:schemeClr val="lt1"/>
-            </a:fontRef>
-          </p:style>
-          <p:txBody>
-            <a:bodyPr rtlCol="0" anchor="ctr"/>
-            <a:p>
-              <a:pPr algn="ctr"/>
-              <a:endParaRPr lang="en-US"/>
-            </a:p>
-          </p:txBody>
-        </p:sp>
-        <p:sp>
-          <p:nvSpPr>
-            <p:cNvPr id="136" name="Oval 135"/>
-            <p:cNvSpPr/>
-            <p:nvPr/>
-          </p:nvSpPr>
-          <p:spPr>
-            <a:xfrm>
-              <a:off x="11391" y="8116"/>
-              <a:ext cx="341" cy="341"/>
-            </a:xfrm>
-            <a:prstGeom prst="ellipse">
-              <a:avLst/>
-            </a:prstGeom>
-            <a:noFill/>
-            <a:ln>
-              <a:solidFill>
-                <a:schemeClr val="tx1"/>
-              </a:solidFill>
-            </a:ln>
-          </p:spPr>
-          <p:style>
-            <a:lnRef idx="2">
-              <a:schemeClr val="accent1">
-                <a:shade val="50000"/>
-              </a:schemeClr>
-            </a:lnRef>
-            <a:fillRef idx="1">
-              <a:schemeClr val="accent1"/>
-            </a:fillRef>
-            <a:effectRef idx="0">
-              <a:schemeClr val="accent1"/>
-            </a:effectRef>
-            <a:fontRef idx="minor">
-              <a:schemeClr val="lt1"/>
-            </a:fontRef>
-          </p:style>
-          <p:txBody>
-            <a:bodyPr rtlCol="0" anchor="ctr"/>
-            <a:p>
-              <a:pPr algn="ctr"/>
-              <a:endParaRPr lang="en-US"/>
-            </a:p>
-          </p:txBody>
-        </p:sp>
-        <p:sp>
-          <p:nvSpPr>
-            <p:cNvPr id="137" name="Oval 136"/>
-            <p:cNvSpPr/>
-            <p:nvPr/>
-          </p:nvSpPr>
-          <p:spPr>
-            <a:xfrm>
-              <a:off x="10979" y="8716"/>
-              <a:ext cx="341" cy="341"/>
-            </a:xfrm>
-            <a:prstGeom prst="ellipse">
-              <a:avLst/>
-            </a:prstGeom>
-            <a:noFill/>
-            <a:ln>
-              <a:solidFill>
-                <a:schemeClr val="tx1"/>
-              </a:solidFill>
-            </a:ln>
-          </p:spPr>
-          <p:style>
-            <a:lnRef idx="2">
-              <a:schemeClr val="accent1">
-                <a:shade val="50000"/>
-              </a:schemeClr>
-            </a:lnRef>
-            <a:fillRef idx="1">
-              <a:schemeClr val="accent1"/>
-            </a:fillRef>
-            <a:effectRef idx="0">
-              <a:schemeClr val="accent1"/>
-            </a:effectRef>
-            <a:fontRef idx="minor">
-              <a:schemeClr val="lt1"/>
-            </a:fontRef>
-          </p:style>
-          <p:txBody>
-            <a:bodyPr rtlCol="0" anchor="ctr"/>
-            <a:p>
-              <a:pPr algn="ctr"/>
-              <a:endParaRPr lang="en-US"/>
-            </a:p>
-          </p:txBody>
-        </p:sp>
-        <p:sp>
-          <p:nvSpPr>
-            <p:cNvPr id="138" name="Oval 137"/>
-            <p:cNvSpPr/>
-            <p:nvPr/>
-          </p:nvSpPr>
-          <p:spPr>
-            <a:xfrm>
-              <a:off x="10041" y="8848"/>
-              <a:ext cx="341" cy="341"/>
-            </a:xfrm>
-            <a:prstGeom prst="ellipse">
-              <a:avLst/>
-            </a:prstGeom>
-            <a:noFill/>
-            <a:ln>
-              <a:solidFill>
-                <a:schemeClr val="tx1"/>
-              </a:solidFill>
-            </a:ln>
-          </p:spPr>
-          <p:style>
-            <a:lnRef idx="2">
-              <a:schemeClr val="accent1">
-                <a:shade val="50000"/>
-              </a:schemeClr>
-            </a:lnRef>
-            <a:fillRef idx="1">
-              <a:schemeClr val="accent1"/>
-            </a:fillRef>
-            <a:effectRef idx="0">
-              <a:schemeClr val="accent1"/>
-            </a:effectRef>
-            <a:fontRef idx="minor">
-              <a:schemeClr val="lt1"/>
-            </a:fontRef>
-          </p:style>
-          <p:txBody>
-            <a:bodyPr rtlCol="0" anchor="ctr"/>
-            <a:p>
-              <a:pPr algn="ctr"/>
-              <a:endParaRPr lang="en-US"/>
-            </a:p>
-          </p:txBody>
-        </p:sp>
-        <p:sp>
-          <p:nvSpPr>
-            <p:cNvPr id="139" name="Oval 138"/>
-            <p:cNvSpPr/>
-            <p:nvPr/>
-          </p:nvSpPr>
-          <p:spPr>
-            <a:xfrm>
-              <a:off x="8822" y="8865"/>
-              <a:ext cx="341" cy="341"/>
-            </a:xfrm>
-            <a:prstGeom prst="ellipse">
-              <a:avLst/>
-            </a:prstGeom>
-            <a:noFill/>
-            <a:ln>
-              <a:solidFill>
-                <a:schemeClr val="tx1"/>
-              </a:solidFill>
-            </a:ln>
-          </p:spPr>
-          <p:style>
-            <a:lnRef idx="2">
-              <a:schemeClr val="accent1">
-                <a:shade val="50000"/>
-              </a:schemeClr>
-            </a:lnRef>
-            <a:fillRef idx="1">
-              <a:schemeClr val="accent1"/>
-            </a:fillRef>
-            <a:effectRef idx="0">
-              <a:schemeClr val="accent1"/>
-            </a:effectRef>
-            <a:fontRef idx="minor">
-              <a:schemeClr val="lt1"/>
-            </a:fontRef>
-          </p:style>
-          <p:txBody>
-            <a:bodyPr rtlCol="0" anchor="ctr"/>
-            <a:p>
-              <a:pPr algn="ctr"/>
-              <a:endParaRPr lang="en-US"/>
-            </a:p>
-          </p:txBody>
-        </p:sp>
-        <p:sp>
-          <p:nvSpPr>
-            <p:cNvPr id="140" name="Oval 139"/>
-            <p:cNvSpPr/>
-            <p:nvPr/>
-          </p:nvSpPr>
-          <p:spPr>
-            <a:xfrm>
-              <a:off x="7574" y="8848"/>
-              <a:ext cx="341" cy="341"/>
-            </a:xfrm>
-            <a:prstGeom prst="ellipse">
-              <a:avLst/>
-            </a:prstGeom>
-            <a:noFill/>
-            <a:ln>
-              <a:solidFill>
-                <a:schemeClr val="tx1"/>
-              </a:solidFill>
-            </a:ln>
-          </p:spPr>
-          <p:style>
-            <a:lnRef idx="2">
-              <a:schemeClr val="accent1">
-                <a:shade val="50000"/>
-              </a:schemeClr>
-            </a:lnRef>
-            <a:fillRef idx="1">
-              <a:schemeClr val="accent1"/>
-            </a:fillRef>
-            <a:effectRef idx="0">
-              <a:schemeClr val="accent1"/>
-            </a:effectRef>
-            <a:fontRef idx="minor">
-              <a:schemeClr val="lt1"/>
-            </a:fontRef>
-          </p:style>
-          <p:txBody>
-            <a:bodyPr rtlCol="0" anchor="ctr"/>
-            <a:p>
-              <a:pPr algn="ctr"/>
-              <a:endParaRPr lang="en-US"/>
-            </a:p>
-          </p:txBody>
-        </p:sp>
-        <p:sp>
-          <p:nvSpPr>
-            <p:cNvPr id="141" name="Oval 140"/>
-            <p:cNvSpPr/>
-            <p:nvPr/>
-          </p:nvSpPr>
-          <p:spPr>
-            <a:xfrm>
-              <a:off x="6185" y="8725"/>
-              <a:ext cx="341" cy="341"/>
-            </a:xfrm>
-            <a:prstGeom prst="ellipse">
-              <a:avLst/>
-            </a:prstGeom>
-            <a:noFill/>
-            <a:ln>
-              <a:solidFill>
-                <a:schemeClr val="tx1"/>
-              </a:solidFill>
-            </a:ln>
-          </p:spPr>
-          <p:style>
-            <a:lnRef idx="2">
-              <a:schemeClr val="accent1">
-                <a:shade val="50000"/>
-              </a:schemeClr>
-            </a:lnRef>
-            <a:fillRef idx="1">
-              <a:schemeClr val="accent1"/>
-            </a:fillRef>
-            <a:effectRef idx="0">
-              <a:schemeClr val="accent1"/>
-            </a:effectRef>
-            <a:fontRef idx="minor">
-              <a:schemeClr val="lt1"/>
-            </a:fontRef>
-          </p:style>
-          <p:txBody>
-            <a:bodyPr rtlCol="0" anchor="ctr"/>
-            <a:p>
-              <a:pPr algn="ctr"/>
-              <a:endParaRPr lang="en-US"/>
-            </a:p>
-          </p:txBody>
-        </p:sp>
-        <p:sp>
-          <p:nvSpPr>
-            <p:cNvPr id="142" name="Oval 141"/>
-            <p:cNvSpPr/>
-            <p:nvPr/>
-          </p:nvSpPr>
-          <p:spPr>
-            <a:xfrm>
-              <a:off x="4990" y="8384"/>
-              <a:ext cx="341" cy="341"/>
-            </a:xfrm>
-            <a:prstGeom prst="ellipse">
-              <a:avLst/>
-            </a:prstGeom>
-            <a:noFill/>
-            <a:ln>
-              <a:solidFill>
-                <a:schemeClr val="tx1"/>
-              </a:solidFill>
-            </a:ln>
-          </p:spPr>
-          <p:style>
-            <a:lnRef idx="2">
-              <a:schemeClr val="accent1">
-                <a:shade val="50000"/>
-              </a:schemeClr>
-            </a:lnRef>
-            <a:fillRef idx="1">
-              <a:schemeClr val="accent1"/>
-            </a:fillRef>
-            <a:effectRef idx="0">
-              <a:schemeClr val="accent1"/>
-            </a:effectRef>
-            <a:fontRef idx="minor">
-              <a:schemeClr val="lt1"/>
-            </a:fontRef>
-          </p:style>
-          <p:txBody>
-            <a:bodyPr rtlCol="0" anchor="ctr"/>
-            <a:p>
-              <a:pPr algn="ctr"/>
-              <a:endParaRPr lang="en-US"/>
-            </a:p>
-          </p:txBody>
-        </p:sp>
-        <p:cxnSp>
-          <p:nvCxnSpPr>
-            <p:cNvPr id="143" name="Straight Connector 142"/>
-            <p:cNvCxnSpPr>
-              <a:stCxn id="61" idx="2"/>
-              <a:endCxn id="96" idx="1"/>
-            </p:cNvCxnSpPr>
-            <p:nvPr/>
-          </p:nvCxnSpPr>
-          <p:spPr>
-            <a:xfrm flipH="1">
-              <a:off x="1870" y="5370"/>
-              <a:ext cx="2355" cy="3934"/>
-            </a:xfrm>
-            <a:prstGeom prst="line">
-              <a:avLst/>
-            </a:prstGeom>
-            <a:ln>
-              <a:solidFill>
-                <a:schemeClr val="bg1">
-                  <a:lumMod val="65000"/>
-                </a:schemeClr>
-              </a:solidFill>
-            </a:ln>
-          </p:spPr>
-          <p:style>
-            <a:lnRef idx="1">
-              <a:schemeClr val="accent1"/>
-            </a:lnRef>
-            <a:fillRef idx="0">
-              <a:schemeClr val="accent1"/>
-            </a:fillRef>
-            <a:effectRef idx="0">
-              <a:schemeClr val="accent1"/>
-            </a:effectRef>
-            <a:fontRef idx="minor">
-              <a:schemeClr val="tx1"/>
-            </a:fontRef>
-          </p:style>
-        </p:cxnSp>
-        <p:cxnSp>
-          <p:nvCxnSpPr>
-            <p:cNvPr id="144" name="Straight Connector 143"/>
-            <p:cNvCxnSpPr>
-              <a:stCxn id="61" idx="6"/>
-              <a:endCxn id="96" idx="3"/>
-            </p:cNvCxnSpPr>
-            <p:nvPr/>
-          </p:nvCxnSpPr>
-          <p:spPr>
-            <a:xfrm>
-              <a:off x="5299" y="5370"/>
-              <a:ext cx="9757" cy="2384"/>
-            </a:xfrm>
-            <a:prstGeom prst="line">
-              <a:avLst/>
-            </a:prstGeom>
-            <a:ln>
-              <a:solidFill>
-                <a:schemeClr val="bg1">
-                  <a:lumMod val="65000"/>
-                </a:schemeClr>
-              </a:solidFill>
-            </a:ln>
-          </p:spPr>
-          <p:style>
-            <a:lnRef idx="1">
-              <a:schemeClr val="accent1"/>
-            </a:lnRef>
-            <a:fillRef idx="0">
-              <a:schemeClr val="accent1"/>
-            </a:fillRef>
-            <a:effectRef idx="0">
-              <a:schemeClr val="accent1"/>
-            </a:effectRef>
-            <a:fontRef idx="minor">
-              <a:schemeClr val="tx1"/>
-            </a:fontRef>
-          </p:style>
-        </p:cxnSp>
       </p:grpSp>
     </p:spTree>
   </p:cSld>
